--- a/Queue+Thread.pptx
+++ b/Queue+Thread.pptx
@@ -16,12 +16,13 @@
     <p:sldId id="263" r:id="rId10"/>
     <p:sldId id="264" r:id="rId11"/>
     <p:sldId id="265" r:id="rId12"/>
-    <p:sldId id="266" r:id="rId13"/>
-    <p:sldId id="272" r:id="rId14"/>
-    <p:sldId id="274" r:id="rId15"/>
-    <p:sldId id="273" r:id="rId16"/>
-    <p:sldId id="271" r:id="rId17"/>
-    <p:sldId id="270" r:id="rId18"/>
+    <p:sldId id="275" r:id="rId13"/>
+    <p:sldId id="266" r:id="rId14"/>
+    <p:sldId id="272" r:id="rId15"/>
+    <p:sldId id="274" r:id="rId16"/>
+    <p:sldId id="273" r:id="rId17"/>
+    <p:sldId id="271" r:id="rId18"/>
+    <p:sldId id="270" r:id="rId19"/>
   </p:sldIdLst>
   <p:sldSz cx="12192000" cy="6858000"/>
   <p:notesSz cx="7559675" cy="10691813"/>
@@ -7033,7 +7034,7 @@
               <a:t> : </a:t>
             </a:r>
             <a:r>
-              <a:rPr lang="en-US" sz="1800" b="1" strike="noStrike" cap="all" spc="-1" dirty="0" err="1">
+              <a:rPr lang="en-US" sz="1800" b="1" strike="noStrike" cap="all" spc="-1" dirty="0" smtClean="0">
                 <a:solidFill>
                   <a:srgbClr val="0D0D0D"/>
                 </a:solidFill>
@@ -7044,7 +7045,7 @@
                 </a:uFill>
                 <a:latin typeface="Gill Sans MT"/>
               </a:rPr>
-              <a:t>송효준</a:t>
+              <a:t>2016송효준</a:t>
             </a:r>
             <a:endParaRPr lang="en-US" sz="1800" b="0" strike="noStrike" spc="-1" dirty="0">
               <a:solidFill>
@@ -7090,7 +7091,21 @@
                 </a:uFill>
                 <a:latin typeface="Gill Sans MT"/>
               </a:rPr>
-              <a:t> : 206박정민</a:t>
+              <a:t> : </a:t>
+            </a:r>
+            <a:r>
+              <a:rPr lang="en-US" sz="1800" b="1" strike="noStrike" cap="all" spc="-1" dirty="0" smtClean="0">
+                <a:solidFill>
+                  <a:srgbClr val="0D0D0D"/>
+                </a:solidFill>
+                <a:uFill>
+                  <a:solidFill>
+                    <a:srgbClr val="FFFFFF"/>
+                  </a:solidFill>
+                </a:uFill>
+                <a:latin typeface="Gill Sans MT"/>
+              </a:rPr>
+              <a:t>20165061박정민</a:t>
             </a:r>
             <a:endParaRPr lang="en-US" sz="1800" b="0" strike="noStrike" spc="-1" dirty="0">
               <a:solidFill>
@@ -7139,7 +7154,7 @@
               <a:t> : </a:t>
             </a:r>
             <a:r>
-              <a:rPr lang="en-US" sz="1800" b="1" strike="noStrike" cap="all" spc="-1" dirty="0" err="1">
+              <a:rPr lang="en-US" sz="1800" b="1" strike="noStrike" cap="all" spc="-1" dirty="0" smtClean="0">
                 <a:solidFill>
                   <a:srgbClr val="0D0D0D"/>
                 </a:solidFill>
@@ -7150,7 +7165,7 @@
                 </a:uFill>
                 <a:latin typeface="Gill Sans MT"/>
               </a:rPr>
-              <a:t>이요나</a:t>
+              <a:t>20165063이요나</a:t>
             </a:r>
             <a:endParaRPr lang="en-US" sz="1800" b="0" strike="noStrike" spc="-1" dirty="0">
               <a:solidFill>
@@ -7220,33 +7235,93 @@
       </p:grpSpPr>
       <p:sp>
         <p:nvSpPr>
-          <p:cNvPr id="200" name="CustomShape 1"/>
+          <p:cNvPr id="196" name="CustomShape 1"/>
           <p:cNvSpPr/>
           <p:nvPr/>
         </p:nvSpPr>
         <p:spPr>
           <a:xfrm>
-            <a:off x="0" y="2019600"/>
-            <a:ext cx="12191400" cy="4105080"/>
+            <a:off x="1465920" y="828000"/>
+            <a:ext cx="9602640" cy="1048680"/>
           </a:xfrm>
           <a:prstGeom prst="rect">
             <a:avLst/>
           </a:prstGeom>
-          <a:gradFill>
-            <a:gsLst>
-              <a:gs pos="0">
-                <a:schemeClr val="bg2">
-                  <a:alpha val="0"/>
-                </a:schemeClr>
-              </a:gs>
-              <a:gs pos="100000">
-                <a:schemeClr val="bg2"/>
-              </a:gs>
-            </a:gsLst>
-            <a:lin ang="5400000"/>
-          </a:gradFill>
+          <a:noFill/>
           <a:ln>
             <a:noFill/>
+          </a:ln>
+        </p:spPr>
+        <p:style>
+          <a:lnRef idx="0">
+            <a:scrgbClr r="0" g="0" b="0"/>
+          </a:lnRef>
+          <a:fillRef idx="0">
+            <a:scrgbClr r="0" g="0" b="0"/>
+          </a:fillRef>
+          <a:effectRef idx="0">
+            <a:scrgbClr r="0" g="0" b="0"/>
+          </a:effectRef>
+          <a:fontRef idx="minor"/>
+        </p:style>
+        <p:txBody>
+          <a:bodyPr lIns="90000" tIns="45000" rIns="90000" bIns="45000"/>
+          <a:lstStyle/>
+          <a:p>
+            <a:pPr>
+              <a:lnSpc>
+                <a:spcPct val="90000"/>
+              </a:lnSpc>
+            </a:pPr>
+            <a:r>
+              <a:rPr lang="en-US" sz="5000" b="1" strike="noStrike" cap="all" spc="-1">
+                <a:solidFill>
+                  <a:srgbClr val="000000"/>
+                </a:solidFill>
+                <a:uFill>
+                  <a:solidFill>
+                    <a:srgbClr val="FFFFFF"/>
+                  </a:solidFill>
+                </a:uFill>
+                <a:latin typeface="Gill Sans MT"/>
+              </a:rPr>
+              <a:t>코드 설명</a:t>
+            </a:r>
+            <a:endParaRPr lang="en-US" sz="1800" b="0" strike="noStrike" spc="-1">
+              <a:solidFill>
+                <a:srgbClr val="000000"/>
+              </a:solidFill>
+              <a:uFill>
+                <a:solidFill>
+                  <a:srgbClr val="FFFFFF"/>
+                </a:solidFill>
+              </a:uFill>
+              <a:latin typeface="Arial"/>
+            </a:endParaRPr>
+          </a:p>
+        </p:txBody>
+      </p:sp>
+      <p:sp>
+        <p:nvSpPr>
+          <p:cNvPr id="197" name="CustomShape 2"/>
+          <p:cNvSpPr/>
+          <p:nvPr/>
+        </p:nvSpPr>
+        <p:spPr>
+          <a:xfrm>
+            <a:off x="1465920" y="1946520"/>
+            <a:ext cx="2207160" cy="562680"/>
+          </a:xfrm>
+          <a:prstGeom prst="roundRect">
+            <a:avLst>
+              <a:gd name="adj" fmla="val 16667"/>
+            </a:avLst>
+          </a:prstGeom>
+          <a:solidFill>
+            <a:schemeClr val="bg1"/>
+          </a:solidFill>
+          <a:ln>
+            <a:round/>
           </a:ln>
         </p:spPr>
         <p:style>
@@ -7263,188 +7338,53 @@
           </a:effectRef>
           <a:fontRef idx="minor"/>
         </p:style>
-      </p:sp>
-      <p:pic>
-        <p:nvPicPr>
-          <p:cNvPr id="201" name="Picture 11"/>
-          <p:cNvPicPr/>
-          <p:nvPr/>
-        </p:nvPicPr>
-        <p:blipFill>
-          <a:blip r:embed="rId2"/>
-          <a:srcRect t="1526" b="-1526"/>
-          <a:stretch/>
-        </p:blipFill>
-        <p:spPr>
-          <a:xfrm>
-            <a:off x="0" y="6126480"/>
-            <a:ext cx="12191400" cy="742320"/>
-          </a:xfrm>
-          <a:prstGeom prst="rect">
-            <a:avLst/>
-          </a:prstGeom>
-          <a:ln>
-            <a:noFill/>
-          </a:ln>
-        </p:spPr>
-      </p:pic>
-      <p:sp>
-        <p:nvSpPr>
-          <p:cNvPr id="202" name="Line 2"/>
+        <p:txBody>
+          <a:bodyPr lIns="90000" tIns="45000" rIns="90000" bIns="45000" anchor="ctr"/>
+          <a:lstStyle/>
+          <a:p>
+            <a:pPr algn="ctr">
+              <a:lnSpc>
+                <a:spcPct val="100000"/>
+              </a:lnSpc>
+            </a:pPr>
+            <a:r>
+              <a:rPr lang="en-US" sz="1800" b="1" strike="noStrike" spc="-1" dirty="0" err="1" smtClean="0">
+                <a:solidFill>
+                  <a:srgbClr val="000000"/>
+                </a:solidFill>
+                <a:uFill>
+                  <a:solidFill>
+                    <a:srgbClr val="FFFFFF"/>
+                  </a:solidFill>
+                </a:uFill>
+                <a:latin typeface="Arial"/>
+              </a:rPr>
+              <a:t>Create_Queue</a:t>
+            </a:r>
+            <a:endParaRPr lang="en-US" sz="1800" b="1" strike="noStrike" spc="-1" dirty="0">
+              <a:solidFill>
+                <a:srgbClr val="000000"/>
+              </a:solidFill>
+              <a:uFill>
+                <a:solidFill>
+                  <a:srgbClr val="FFFFFF"/>
+                </a:solidFill>
+              </a:uFill>
+              <a:latin typeface="Arial"/>
+            </a:endParaRPr>
+          </a:p>
+        </p:txBody>
+      </p:sp>
+      <p:sp>
+        <p:nvSpPr>
+          <p:cNvPr id="199" name="CustomShape 4"/>
           <p:cNvSpPr/>
           <p:nvPr/>
         </p:nvSpPr>
         <p:spPr>
           <a:xfrm>
-            <a:off x="0" y="6128280"/>
-            <a:ext cx="12191760" cy="360"/>
-          </a:xfrm>
-          <a:prstGeom prst="line">
-            <a:avLst/>
-          </a:prstGeom>
-          <a:ln w="12600">
-            <a:solidFill>
-              <a:srgbClr val="000001"/>
-            </a:solidFill>
-            <a:round/>
-          </a:ln>
-        </p:spPr>
-        <p:style>
-          <a:lnRef idx="1">
-            <a:schemeClr val="accent1"/>
-          </a:lnRef>
-          <a:fillRef idx="0">
-            <a:schemeClr val="accent1"/>
-          </a:fillRef>
-          <a:effectRef idx="0">
-            <a:schemeClr val="accent1"/>
-          </a:effectRef>
-          <a:fontRef idx="minor"/>
-        </p:style>
-      </p:sp>
-      <p:sp>
-        <p:nvSpPr>
-          <p:cNvPr id="203" name="Line 3"/>
-          <p:cNvSpPr/>
-          <p:nvPr/>
-        </p:nvSpPr>
-        <p:spPr>
-          <a:xfrm>
-            <a:off x="2417760" y="3528360"/>
-            <a:ext cx="8636760" cy="360"/>
-          </a:xfrm>
-          <a:prstGeom prst="line">
-            <a:avLst/>
-          </a:prstGeom>
-          <a:ln w="31680">
-            <a:round/>
-          </a:ln>
-        </p:spPr>
-        <p:style>
-          <a:lnRef idx="3">
-            <a:schemeClr val="accent1"/>
-          </a:lnRef>
-          <a:fillRef idx="0">
-            <a:schemeClr val="accent1"/>
-          </a:fillRef>
-          <a:effectRef idx="2">
-            <a:schemeClr val="accent1"/>
-          </a:effectRef>
-          <a:fontRef idx="minor"/>
-        </p:style>
-      </p:sp>
-      <p:sp>
-        <p:nvSpPr>
-          <p:cNvPr id="204" name="CustomShape 4"/>
-          <p:cNvSpPr/>
-          <p:nvPr/>
-        </p:nvSpPr>
-        <p:spPr>
-          <a:xfrm>
-            <a:off x="0" y="0"/>
-            <a:ext cx="12191040" cy="6857280"/>
-          </a:xfrm>
-          <a:prstGeom prst="rect">
-            <a:avLst/>
-          </a:prstGeom>
-          <a:solidFill>
-            <a:srgbClr val="FFFFFF"/>
-          </a:solidFill>
-          <a:ln>
-            <a:noFill/>
-          </a:ln>
-        </p:spPr>
-        <p:style>
-          <a:lnRef idx="2">
-            <a:schemeClr val="accent1">
-              <a:shade val="50000"/>
-            </a:schemeClr>
-          </a:lnRef>
-          <a:fillRef idx="1">
-            <a:schemeClr val="accent1"/>
-          </a:fillRef>
-          <a:effectRef idx="0">
-            <a:schemeClr val="accent1"/>
-          </a:effectRef>
-          <a:fontRef idx="minor"/>
-        </p:style>
-      </p:sp>
-      <p:sp>
-        <p:nvSpPr>
-          <p:cNvPr id="205" name="CustomShape 5"/>
-          <p:cNvSpPr/>
-          <p:nvPr/>
-        </p:nvSpPr>
-        <p:spPr>
-          <a:xfrm>
-            <a:off x="0" y="2019600"/>
-            <a:ext cx="12191400" cy="4105080"/>
-          </a:xfrm>
-          <a:prstGeom prst="rect">
-            <a:avLst/>
-          </a:prstGeom>
-          <a:gradFill>
-            <a:gsLst>
-              <a:gs pos="0">
-                <a:schemeClr val="bg2">
-                  <a:alpha val="0"/>
-                </a:schemeClr>
-              </a:gs>
-              <a:gs pos="100000">
-                <a:schemeClr val="bg2"/>
-              </a:gs>
-            </a:gsLst>
-            <a:lin ang="5400000"/>
-          </a:gradFill>
-          <a:ln>
-            <a:noFill/>
-          </a:ln>
-        </p:spPr>
-        <p:style>
-          <a:lnRef idx="2">
-            <a:schemeClr val="accent1">
-              <a:shade val="50000"/>
-            </a:schemeClr>
-          </a:lnRef>
-          <a:fillRef idx="1">
-            <a:schemeClr val="accent1"/>
-          </a:fillRef>
-          <a:effectRef idx="0">
-            <a:schemeClr val="accent1"/>
-          </a:effectRef>
-          <a:fontRef idx="minor"/>
-        </p:style>
-      </p:sp>
-      <p:sp>
-        <p:nvSpPr>
-          <p:cNvPr id="206" name="CustomShape 6"/>
-          <p:cNvSpPr/>
-          <p:nvPr/>
-        </p:nvSpPr>
-        <p:spPr>
-          <a:xfrm>
-            <a:off x="659160" y="1474920"/>
-            <a:ext cx="2823120" cy="1868040"/>
+            <a:off x="6267240" y="2509200"/>
+            <a:ext cx="3949535" cy="2024702"/>
           </a:xfrm>
           <a:prstGeom prst="rect">
             <a:avLst/>
@@ -7467,29 +7407,116 @@
           <a:fontRef idx="minor"/>
         </p:style>
         <p:txBody>
-          <a:bodyPr lIns="90000" tIns="45000" rIns="90000" bIns="0" anchor="b"/>
+          <a:bodyPr lIns="90000" tIns="45000" rIns="90000" bIns="45000"/>
           <a:lstStyle/>
           <a:p>
-            <a:pPr>
+            <a:pPr marL="720">
               <a:lnSpc>
-                <a:spcPct val="100000"/>
+                <a:spcPct val="120000"/>
               </a:lnSpc>
+              <a:buClr>
+                <a:srgbClr val="B71E42"/>
+              </a:buClr>
             </a:pPr>
             <a:r>
-              <a:rPr lang="en-US" sz="3600" b="1" strike="noStrike" cap="all" spc="-1">
-                <a:solidFill>
-                  <a:srgbClr val="000000"/>
-                </a:solidFill>
-                <a:uFill>
-                  <a:solidFill>
-                    <a:srgbClr val="FFFFFF"/>
-                  </a:solidFill>
-                </a:uFill>
-                <a:latin typeface="Gill Sans MT"/>
-              </a:rPr>
-              <a:t>결과</a:t>
-            </a:r>
-            <a:endParaRPr lang="en-US" sz="1800" b="0" strike="noStrike" spc="-1">
+              <a:rPr lang="en-US" sz="1800" b="1" strike="noStrike" spc="-1" dirty="0" smtClean="0">
+                <a:solidFill>
+                  <a:srgbClr val="000000"/>
+                </a:solidFill>
+                <a:uFill>
+                  <a:solidFill>
+                    <a:srgbClr val="FFFFFF"/>
+                  </a:solidFill>
+                </a:uFill>
+                <a:latin typeface="Arial"/>
+              </a:rPr>
+              <a:t>Queue</a:t>
+            </a:r>
+            <a:r>
+              <a:rPr lang="en-US" sz="1800" b="0" strike="noStrike" spc="-1" dirty="0" smtClean="0">
+                <a:solidFill>
+                  <a:srgbClr val="000000"/>
+                </a:solidFill>
+                <a:uFill>
+                  <a:solidFill>
+                    <a:srgbClr val="FFFFFF"/>
+                  </a:solidFill>
+                </a:uFill>
+                <a:latin typeface="Arial"/>
+              </a:rPr>
+              <a:t> </a:t>
+            </a:r>
+            <a:r>
+              <a:rPr lang="ko-KR" altLang="en-US" sz="1800" b="0" strike="noStrike" spc="-1" dirty="0" smtClean="0">
+                <a:solidFill>
+                  <a:srgbClr val="000000"/>
+                </a:solidFill>
+                <a:uFill>
+                  <a:solidFill>
+                    <a:srgbClr val="FFFFFF"/>
+                  </a:solidFill>
+                </a:uFill>
+                <a:latin typeface="Arial"/>
+              </a:rPr>
+              <a:t>구조체 선언 뒤</a:t>
+            </a:r>
+            <a:endParaRPr lang="en-US" altLang="ko-KR" sz="1800" b="0" strike="noStrike" spc="-1" dirty="0" smtClean="0">
+              <a:solidFill>
+                <a:srgbClr val="000000"/>
+              </a:solidFill>
+              <a:uFill>
+                <a:solidFill>
+                  <a:srgbClr val="FFFFFF"/>
+                </a:solidFill>
+              </a:uFill>
+              <a:latin typeface="Arial"/>
+            </a:endParaRPr>
+          </a:p>
+          <a:p>
+            <a:pPr marL="720">
+              <a:lnSpc>
+                <a:spcPct val="120000"/>
+              </a:lnSpc>
+              <a:buClr>
+                <a:srgbClr val="B71E42"/>
+              </a:buClr>
+            </a:pPr>
+            <a:r>
+              <a:rPr lang="ko-KR" altLang="en-US" spc="-1" dirty="0" smtClean="0">
+                <a:solidFill>
+                  <a:srgbClr val="000000"/>
+                </a:solidFill>
+                <a:uFill>
+                  <a:solidFill>
+                    <a:srgbClr val="FFFFFF"/>
+                  </a:solidFill>
+                </a:uFill>
+                <a:latin typeface="Arial"/>
+              </a:rPr>
+              <a:t>포인터형으로 리턴</a:t>
+            </a:r>
+            <a:endParaRPr lang="en-US" sz="1800" b="0" strike="noStrike" spc="-1" dirty="0" smtClean="0">
+              <a:solidFill>
+                <a:srgbClr val="000000"/>
+              </a:solidFill>
+              <a:uFill>
+                <a:solidFill>
+                  <a:srgbClr val="FFFFFF"/>
+                </a:solidFill>
+              </a:uFill>
+              <a:latin typeface="Arial"/>
+            </a:endParaRPr>
+          </a:p>
+          <a:p>
+            <a:pPr marL="720">
+              <a:lnSpc>
+                <a:spcPct val="120000"/>
+              </a:lnSpc>
+              <a:buClr>
+                <a:srgbClr val="B71E42"/>
+              </a:buClr>
+            </a:pPr>
+            <a:endParaRPr lang="en-US" sz="1800" b="0" strike="noStrike" spc="-1" dirty="0">
               <a:solidFill>
                 <a:srgbClr val="000000"/>
               </a:solidFill>
@@ -7505,173 +7532,100 @@
       </p:sp>
       <p:sp>
         <p:nvSpPr>
-          <p:cNvPr id="207" name="Line 7"/>
+          <p:cNvPr id="7" name="CustomShape 3"/>
           <p:cNvSpPr/>
           <p:nvPr/>
         </p:nvSpPr>
         <p:spPr>
           <a:xfrm>
-            <a:off x="659160" y="3528360"/>
-            <a:ext cx="2823840" cy="360"/>
-          </a:xfrm>
-          <a:prstGeom prst="line">
+            <a:off x="6501093" y="2509200"/>
+            <a:ext cx="3715682" cy="3449880"/>
+          </a:xfrm>
+          <a:prstGeom prst="rect">
             <a:avLst/>
           </a:prstGeom>
-          <a:ln w="31680">
-            <a:round/>
+          <a:noFill/>
+          <a:ln>
+            <a:noFill/>
           </a:ln>
         </p:spPr>
         <p:style>
-          <a:lnRef idx="3">
-            <a:schemeClr val="accent1"/>
+          <a:lnRef idx="0">
+            <a:scrgbClr r="0" g="0" b="0"/>
           </a:lnRef>
           <a:fillRef idx="0">
-            <a:schemeClr val="accent1"/>
+            <a:scrgbClr r="0" g="0" b="0"/>
           </a:fillRef>
-          <a:effectRef idx="2">
-            <a:schemeClr val="accent1"/>
+          <a:effectRef idx="0">
+            <a:scrgbClr r="0" g="0" b="0"/>
           </a:effectRef>
           <a:fontRef idx="minor"/>
         </p:style>
-      </p:sp>
-      <p:sp>
-        <p:nvSpPr>
-          <p:cNvPr id="208" name="CustomShape 8"/>
+        <p:txBody>
+          <a:bodyPr lIns="90000" tIns="45000" rIns="90000" bIns="45000"/>
+          <a:lstStyle/>
+          <a:p>
+            <a:pPr marL="720">
+              <a:lnSpc>
+                <a:spcPct val="120000"/>
+              </a:lnSpc>
+              <a:buClr>
+                <a:srgbClr val="B71E42"/>
+              </a:buClr>
+            </a:pPr>
+            <a:endParaRPr lang="en-US" altLang="ko-KR" sz="1800" b="0" strike="noStrike" spc="-1" dirty="0" smtClean="0">
+              <a:solidFill>
+                <a:srgbClr val="000000"/>
+              </a:solidFill>
+              <a:uFill>
+                <a:solidFill>
+                  <a:srgbClr val="FFFFFF"/>
+                </a:solidFill>
+              </a:uFill>
+              <a:latin typeface="Arial"/>
+            </a:endParaRPr>
+          </a:p>
+        </p:txBody>
+      </p:sp>
+      <p:pic>
+        <p:nvPicPr>
+          <p:cNvPr id="3" name="그림 2"/>
+          <p:cNvPicPr>
+            <a:picLocks noChangeAspect="1"/>
+          </p:cNvPicPr>
+          <p:nvPr/>
+        </p:nvPicPr>
+        <p:blipFill>
+          <a:blip r:embed="rId2"/>
+          <a:stretch>
+            <a:fillRect/>
+          </a:stretch>
+        </p:blipFill>
+        <p:spPr>
+          <a:xfrm>
+            <a:off x="1465920" y="2743202"/>
+            <a:ext cx="4500771" cy="2968930"/>
+          </a:xfrm>
+          <a:prstGeom prst="rect">
+            <a:avLst/>
+          </a:prstGeom>
+        </p:spPr>
+      </p:pic>
+      <p:sp>
+        <p:nvSpPr>
+          <p:cNvPr id="9" name="타원 8"/>
           <p:cNvSpPr/>
           <p:nvPr/>
         </p:nvSpPr>
         <p:spPr>
           <a:xfrm>
-            <a:off x="3979440" y="482040"/>
-            <a:ext cx="7559280" cy="5148360"/>
-          </a:xfrm>
-          <a:prstGeom prst="rect">
+            <a:off x="1597891" y="3630814"/>
+            <a:ext cx="4239491" cy="1245985"/>
+          </a:xfrm>
+          <a:prstGeom prst="ellipse">
             <a:avLst/>
           </a:prstGeom>
-          <a:gradFill>
-            <a:gsLst>
-              <a:gs pos="0">
-                <a:srgbClr val="000001"/>
-              </a:gs>
-              <a:gs pos="100000">
-                <a:srgbClr val="191919"/>
-              </a:gs>
-            </a:gsLst>
-            <a:lin ang="5400000"/>
-          </a:gradFill>
-          <a:ln w="76320">
-            <a:noFill/>
-          </a:ln>
-          <a:effectLst>
-            <a:outerShdw blurRad="127000" dist="228600" dir="4740000" sx="98000" sy="98000" algn="tl" rotWithShape="0">
-              <a:srgbClr val="000000">
-                <a:alpha val="34000"/>
-              </a:srgbClr>
-            </a:outerShdw>
-          </a:effectLst>
-          <a:scene3d>
-            <a:camera prst="orthographicFront"/>
-            <a:lightRig rig="threePt" dir="t"/>
-          </a:scene3d>
-          <a:sp3d>
-            <a:bevelT w="152400" h="50800" prst="softRound"/>
-          </a:sp3d>
-        </p:spPr>
-        <p:style>
-          <a:lnRef idx="1">
-            <a:schemeClr val="accent1"/>
-          </a:lnRef>
-          <a:fillRef idx="3">
-            <a:schemeClr val="accent1"/>
-          </a:fillRef>
-          <a:effectRef idx="2">
-            <a:schemeClr val="accent1"/>
-          </a:effectRef>
-          <a:fontRef idx="minor"/>
-        </p:style>
-      </p:sp>
-      <p:sp>
-        <p:nvSpPr>
-          <p:cNvPr id="209" name="CustomShape 9"/>
-          <p:cNvSpPr/>
-          <p:nvPr/>
-        </p:nvSpPr>
-        <p:spPr>
-          <a:xfrm>
-            <a:off x="4292280" y="812520"/>
-            <a:ext cx="6927480" cy="4465800"/>
-          </a:xfrm>
-          <a:prstGeom prst="rect">
-            <a:avLst/>
-          </a:prstGeom>
-          <a:gradFill>
-            <a:gsLst>
-              <a:gs pos="0">
-                <a:srgbClr val="DADADA"/>
-              </a:gs>
-              <a:gs pos="100000">
-                <a:srgbClr val="FFFFFE"/>
-              </a:gs>
-            </a:gsLst>
-            <a:lin ang="16200000"/>
-          </a:gradFill>
-          <a:ln w="50760">
-            <a:solidFill>
-              <a:srgbClr val="191919"/>
-            </a:solidFill>
-            <a:miter/>
-          </a:ln>
-          <a:effectLst>
-            <a:innerShdw blurRad="63500" dist="88900" dir="14100000">
-              <a:srgbClr val="000000">
-                <a:alpha val="30000"/>
-              </a:srgbClr>
-            </a:innerShdw>
-          </a:effectLst>
-          <a:scene3d>
-            <a:camera prst="orthographicFront"/>
-            <a:lightRig rig="threePt" dir="t"/>
-          </a:scene3d>
-          <a:sp3d>
-            <a:bevelT prst="relaxedInset"/>
-          </a:sp3d>
-        </p:spPr>
-        <p:style>
-          <a:lnRef idx="1">
-            <a:schemeClr val="accent1"/>
-          </a:lnRef>
-          <a:fillRef idx="3">
-            <a:schemeClr val="accent1"/>
-          </a:fillRef>
-          <a:effectRef idx="2">
-            <a:schemeClr val="accent1"/>
-          </a:effectRef>
-          <a:fontRef idx="minor"/>
-        </p:style>
-      </p:sp>
-      <p:sp>
-        <p:nvSpPr>
-          <p:cNvPr id="210" name="CustomShape 10"/>
-          <p:cNvSpPr/>
-          <p:nvPr/>
-        </p:nvSpPr>
-        <p:spPr>
-          <a:xfrm>
-            <a:off x="4455360" y="978120"/>
-            <a:ext cx="6615000" cy="4134600"/>
-          </a:xfrm>
-          <a:prstGeom prst="rect">
-            <a:avLst/>
-          </a:prstGeom>
-          <a:solidFill>
-            <a:schemeClr val="bg1"/>
-          </a:solidFill>
-          <a:ln w="6480">
-            <a:solidFill>
-              <a:schemeClr val="bg2"/>
-            </a:solidFill>
-            <a:round/>
-          </a:ln>
+          <a:noFill/>
         </p:spPr>
         <p:style>
           <a:lnRef idx="2">
@@ -7685,91 +7639,25 @@
           <a:effectRef idx="0">
             <a:schemeClr val="accent1"/>
           </a:effectRef>
-          <a:fontRef idx="minor"/>
+          <a:fontRef idx="minor">
+            <a:schemeClr val="lt1"/>
+          </a:fontRef>
         </p:style>
-      </p:sp>
-      <p:pic>
-        <p:nvPicPr>
-          <p:cNvPr id="211" name="내용 개체 틀 4"/>
-          <p:cNvPicPr/>
-          <p:nvPr/>
-        </p:nvPicPr>
-        <p:blipFill>
-          <a:blip r:embed="rId3"/>
-          <a:stretch/>
-        </p:blipFill>
-        <p:spPr>
-          <a:xfrm>
-            <a:off x="5176440" y="1116360"/>
-            <a:ext cx="5166000" cy="3865320"/>
-          </a:xfrm>
-          <a:prstGeom prst="rect">
-            <a:avLst/>
-          </a:prstGeom>
-          <a:ln>
-            <a:noFill/>
-          </a:ln>
-        </p:spPr>
-      </p:pic>
-      <p:pic>
-        <p:nvPicPr>
-          <p:cNvPr id="212" name="Picture 29"/>
-          <p:cNvPicPr/>
-          <p:nvPr/>
-        </p:nvPicPr>
-        <p:blipFill>
-          <a:blip r:embed="rId2"/>
-          <a:srcRect t="1526" b="-1526"/>
-          <a:stretch/>
-        </p:blipFill>
-        <p:spPr>
-          <a:xfrm>
-            <a:off x="0" y="6126480"/>
-            <a:ext cx="12191400" cy="742320"/>
-          </a:xfrm>
-          <a:prstGeom prst="rect">
-            <a:avLst/>
-          </a:prstGeom>
-          <a:ln>
-            <a:noFill/>
-          </a:ln>
-        </p:spPr>
-      </p:pic>
-      <p:sp>
-        <p:nvSpPr>
-          <p:cNvPr id="213" name="Line 11"/>
-          <p:cNvSpPr/>
-          <p:nvPr/>
-        </p:nvSpPr>
-        <p:spPr>
-          <a:xfrm>
-            <a:off x="0" y="6128280"/>
-            <a:ext cx="12191760" cy="360"/>
-          </a:xfrm>
-          <a:prstGeom prst="line">
-            <a:avLst/>
-          </a:prstGeom>
-          <a:ln w="12600">
-            <a:solidFill>
-              <a:srgbClr val="000001"/>
-            </a:solidFill>
-            <a:round/>
-          </a:ln>
-        </p:spPr>
-        <p:style>
-          <a:lnRef idx="1">
-            <a:schemeClr val="accent1"/>
-          </a:lnRef>
-          <a:fillRef idx="0">
-            <a:schemeClr val="accent1"/>
-          </a:fillRef>
-          <a:effectRef idx="0">
-            <a:schemeClr val="accent1"/>
-          </a:effectRef>
-          <a:fontRef idx="minor"/>
-        </p:style>
+        <p:txBody>
+          <a:bodyPr rtlCol="0" anchor="ctr"/>
+          <a:lstStyle/>
+          <a:p>
+            <a:pPr algn="ctr"/>
+            <a:endParaRPr lang="ko-KR" altLang="en-US"/>
+          </a:p>
+        </p:txBody>
       </p:sp>
     </p:spTree>
+    <p:extLst>
+      <p:ext uri="{BB962C8B-B14F-4D97-AF65-F5344CB8AC3E}">
+        <p14:creationId xmlns:p14="http://schemas.microsoft.com/office/powerpoint/2010/main" val="2396346281"/>
+      </p:ext>
+    </p:extLst>
   </p:cSld>
   <p:clrMapOvr>
     <a:masterClrMapping/>
@@ -7823,190 +7711,33 @@
       </p:grpSpPr>
       <p:sp>
         <p:nvSpPr>
-          <p:cNvPr id="214" name="CustomShape 1"/>
+          <p:cNvPr id="200" name="CustomShape 1"/>
           <p:cNvSpPr/>
           <p:nvPr/>
         </p:nvSpPr>
         <p:spPr>
           <a:xfrm>
-            <a:off x="1451520" y="804600"/>
-            <a:ext cx="4175640" cy="1048680"/>
+            <a:off x="0" y="2019600"/>
+            <a:ext cx="12191400" cy="4105080"/>
           </a:xfrm>
           <a:prstGeom prst="rect">
             <a:avLst/>
           </a:prstGeom>
-          <a:noFill/>
+          <a:gradFill>
+            <a:gsLst>
+              <a:gs pos="0">
+                <a:schemeClr val="bg2">
+                  <a:alpha val="0"/>
+                </a:schemeClr>
+              </a:gs>
+              <a:gs pos="100000">
+                <a:schemeClr val="bg2"/>
+              </a:gs>
+            </a:gsLst>
+            <a:lin ang="5400000"/>
+          </a:gradFill>
           <a:ln>
             <a:noFill/>
-          </a:ln>
-        </p:spPr>
-        <p:style>
-          <a:lnRef idx="0">
-            <a:scrgbClr r="0" g="0" b="0"/>
-          </a:lnRef>
-          <a:fillRef idx="0">
-            <a:scrgbClr r="0" g="0" b="0"/>
-          </a:fillRef>
-          <a:effectRef idx="0">
-            <a:scrgbClr r="0" g="0" b="0"/>
-          </a:effectRef>
-          <a:fontRef idx="minor"/>
-        </p:style>
-        <p:txBody>
-          <a:bodyPr lIns="90000" tIns="45000" rIns="90000" bIns="45000"/>
-          <a:lstStyle/>
-          <a:p>
-            <a:pPr>
-              <a:lnSpc>
-                <a:spcPct val="90000"/>
-              </a:lnSpc>
-            </a:pPr>
-            <a:r>
-              <a:rPr lang="en-US" sz="3200" b="1" strike="noStrike" cap="all" spc="-1" dirty="0" err="1">
-                <a:solidFill>
-                  <a:srgbClr val="000000"/>
-                </a:solidFill>
-                <a:uFill>
-                  <a:solidFill>
-                    <a:srgbClr val="FFFFFF"/>
-                  </a:solidFill>
-                </a:uFill>
-                <a:latin typeface="Gill Sans MT"/>
-              </a:rPr>
-              <a:t>역할</a:t>
-            </a:r>
-            <a:r>
-              <a:rPr lang="en-US" sz="3200" b="1" strike="noStrike" cap="all" spc="-1" dirty="0">
-                <a:solidFill>
-                  <a:srgbClr val="000000"/>
-                </a:solidFill>
-                <a:uFill>
-                  <a:solidFill>
-                    <a:srgbClr val="FFFFFF"/>
-                  </a:solidFill>
-                </a:uFill>
-                <a:latin typeface="Gill Sans MT"/>
-              </a:rPr>
-              <a:t> </a:t>
-            </a:r>
-            <a:r>
-              <a:rPr lang="en-US" sz="3200" b="1" strike="noStrike" cap="all" spc="-1" dirty="0" err="1">
-                <a:solidFill>
-                  <a:srgbClr val="000000"/>
-                </a:solidFill>
-                <a:uFill>
-                  <a:solidFill>
-                    <a:srgbClr val="FFFFFF"/>
-                  </a:solidFill>
-                </a:uFill>
-                <a:latin typeface="Gill Sans MT"/>
-              </a:rPr>
-              <a:t>분담</a:t>
-            </a:r>
-            <a:r>
-              <a:rPr lang="en-US" sz="3200" b="1" strike="noStrike" cap="all" spc="-1" dirty="0">
-                <a:solidFill>
-                  <a:srgbClr val="000000"/>
-                </a:solidFill>
-                <a:uFill>
-                  <a:solidFill>
-                    <a:srgbClr val="FFFFFF"/>
-                  </a:solidFill>
-                </a:uFill>
-                <a:latin typeface="Gill Sans MT"/>
-              </a:rPr>
-              <a:t> </a:t>
-            </a:r>
-            <a:r>
-              <a:rPr lang="en-US" altLang="ko-KR" sz="3200" b="1" strike="noStrike" cap="all" spc="-1" dirty="0">
-                <a:solidFill>
-                  <a:srgbClr val="000000"/>
-                </a:solidFill>
-                <a:uFill>
-                  <a:solidFill>
-                    <a:srgbClr val="FFFFFF"/>
-                  </a:solidFill>
-                </a:uFill>
-                <a:latin typeface="Gill Sans MT"/>
-              </a:rPr>
-              <a:t>– </a:t>
-            </a:r>
-            <a:r>
-              <a:rPr lang="ko-KR" altLang="en-US" sz="3200" b="1" strike="noStrike" cap="all" spc="-1" dirty="0">
-                <a:solidFill>
-                  <a:srgbClr val="000000"/>
-                </a:solidFill>
-                <a:uFill>
-                  <a:solidFill>
-                    <a:srgbClr val="FFFFFF"/>
-                  </a:solidFill>
-                </a:uFill>
-                <a:latin typeface="Gill Sans MT"/>
-              </a:rPr>
-              <a:t>박정민</a:t>
-            </a:r>
-            <a:endParaRPr lang="en-US" sz="1800" b="0" strike="noStrike" spc="-1" dirty="0">
-              <a:solidFill>
-                <a:srgbClr val="000000"/>
-              </a:solidFill>
-              <a:uFill>
-                <a:solidFill>
-                  <a:srgbClr val="FFFFFF"/>
-                </a:solidFill>
-              </a:uFill>
-              <a:latin typeface="Arial"/>
-            </a:endParaRPr>
-          </a:p>
-          <a:p>
-            <a:pPr>
-              <a:lnSpc>
-                <a:spcPct val="90000"/>
-              </a:lnSpc>
-            </a:pPr>
-            <a:endParaRPr lang="en-US" sz="1800" b="0" strike="noStrike" spc="-1" dirty="0">
-              <a:solidFill>
-                <a:srgbClr val="000000"/>
-              </a:solidFill>
-              <a:uFill>
-                <a:solidFill>
-                  <a:srgbClr val="FFFFFF"/>
-                </a:solidFill>
-              </a:uFill>
-              <a:latin typeface="Arial"/>
-            </a:endParaRPr>
-          </a:p>
-        </p:txBody>
-      </p:sp>
-      <p:sp>
-        <p:nvSpPr>
-          <p:cNvPr id="24" name="CustomShape 4">
-            <a:extLst>
-              <a:ext uri="{FF2B5EF4-FFF2-40B4-BE49-F238E27FC236}">
-                <a16:creationId xmlns:a16="http://schemas.microsoft.com/office/drawing/2014/main" id="{A0B8CC32-7DF7-4B1D-BDBD-99C8BBFC354A}"/>
-              </a:ext>
-            </a:extLst>
-          </p:cNvPr>
-          <p:cNvSpPr/>
-          <p:nvPr/>
-        </p:nvSpPr>
-        <p:spPr>
-          <a:xfrm>
-            <a:off x="1094185" y="2447900"/>
-            <a:ext cx="2320953" cy="1477080"/>
-          </a:xfrm>
-          <a:prstGeom prst="roundRect">
-            <a:avLst>
-              <a:gd name="adj" fmla="val 16667"/>
-            </a:avLst>
-          </a:prstGeom>
-          <a:solidFill>
-            <a:schemeClr val="accent4">
-              <a:lumMod val="20000"/>
-              <a:lumOff val="80000"/>
-            </a:schemeClr>
-          </a:solidFill>
-          <a:ln>
-            <a:round/>
           </a:ln>
         </p:spPr>
         <p:style>
@@ -8023,134 +7754,115 @@
           </a:effectRef>
           <a:fontRef idx="minor"/>
         </p:style>
-        <p:txBody>
-          <a:bodyPr lIns="90000" tIns="45000" rIns="90000" bIns="45000" anchor="ctr"/>
-          <a:lstStyle/>
-          <a:p>
-            <a:pPr algn="ctr">
-              <a:lnSpc>
-                <a:spcPct val="100000"/>
-              </a:lnSpc>
-            </a:pPr>
-            <a:endParaRPr lang="en-US" sz="1800" b="1" strike="noStrike" spc="-1" dirty="0">
-              <a:solidFill>
-                <a:srgbClr val="000000"/>
-              </a:solidFill>
-              <a:uFill>
-                <a:solidFill>
-                  <a:srgbClr val="FFFFFF"/>
-                </a:solidFill>
-              </a:uFill>
-              <a:latin typeface="Arial"/>
-            </a:endParaRPr>
-          </a:p>
-          <a:p>
-            <a:pPr algn="ctr">
-              <a:lnSpc>
-                <a:spcPct val="100000"/>
-              </a:lnSpc>
-            </a:pPr>
-            <a:r>
-              <a:rPr lang="ko-KR" altLang="en-US" sz="1800" b="1" strike="noStrike" spc="-1" dirty="0">
-                <a:solidFill>
-                  <a:srgbClr val="000000"/>
-                </a:solidFill>
-                <a:uFill>
-                  <a:solidFill>
-                    <a:srgbClr val="FFFFFF"/>
-                  </a:solidFill>
-                </a:uFill>
-                <a:latin typeface="Arial"/>
-              </a:rPr>
-              <a:t>키보드 </a:t>
-            </a:r>
-            <a:r>
-              <a:rPr lang="ko-KR" altLang="en-US" sz="1800" b="1" strike="noStrike" spc="-1" dirty="0" err="1">
-                <a:solidFill>
-                  <a:srgbClr val="000000"/>
-                </a:solidFill>
-                <a:uFill>
-                  <a:solidFill>
-                    <a:srgbClr val="FFFFFF"/>
-                  </a:solidFill>
-                </a:uFill>
-                <a:latin typeface="Arial"/>
-              </a:rPr>
-              <a:t>입력시</a:t>
-            </a:r>
-            <a:endParaRPr lang="en-US" altLang="ko-KR" b="1" spc="-1" dirty="0">
-              <a:solidFill>
-                <a:srgbClr val="000000"/>
-              </a:solidFill>
-              <a:uFill>
-                <a:solidFill>
-                  <a:srgbClr val="FFFFFF"/>
-                </a:solidFill>
-              </a:uFill>
-              <a:latin typeface="Arial"/>
-            </a:endParaRPr>
-          </a:p>
-          <a:p>
-            <a:pPr algn="ctr">
-              <a:lnSpc>
-                <a:spcPct val="100000"/>
-              </a:lnSpc>
-            </a:pPr>
-            <a:r>
-              <a:rPr lang="ko-KR" altLang="en-US" sz="1800" b="1" strike="noStrike" spc="-1" dirty="0">
-                <a:solidFill>
-                  <a:srgbClr val="000000"/>
-                </a:solidFill>
-                <a:uFill>
-                  <a:solidFill>
-                    <a:srgbClr val="FFFFFF"/>
-                  </a:solidFill>
-                </a:uFill>
-                <a:latin typeface="Arial"/>
-              </a:rPr>
-              <a:t>바로 인식하는 함수</a:t>
-            </a:r>
-            <a:endParaRPr lang="en-US" sz="1800" b="1" strike="noStrike" spc="-1" dirty="0">
-              <a:solidFill>
-                <a:srgbClr val="000000"/>
-              </a:solidFill>
-              <a:uFill>
-                <a:solidFill>
-                  <a:srgbClr val="FFFFFF"/>
-                </a:solidFill>
-              </a:uFill>
-              <a:latin typeface="Arial"/>
-            </a:endParaRPr>
-          </a:p>
-        </p:txBody>
-      </p:sp>
-      <p:sp>
-        <p:nvSpPr>
-          <p:cNvPr id="25" name="CustomShape 5">
-            <a:extLst>
-              <a:ext uri="{FF2B5EF4-FFF2-40B4-BE49-F238E27FC236}">
-                <a16:creationId xmlns:a16="http://schemas.microsoft.com/office/drawing/2014/main" id="{18E77BCC-3F9C-441E-883F-79C8A18ECF0B}"/>
-              </a:ext>
-            </a:extLst>
-          </p:cNvPr>
+      </p:sp>
+      <p:pic>
+        <p:nvPicPr>
+          <p:cNvPr id="201" name="Picture 11"/>
+          <p:cNvPicPr/>
+          <p:nvPr/>
+        </p:nvPicPr>
+        <p:blipFill>
+          <a:blip r:embed="rId2"/>
+          <a:srcRect t="1526" b="-1526"/>
+          <a:stretch/>
+        </p:blipFill>
+        <p:spPr>
+          <a:xfrm>
+            <a:off x="0" y="6126480"/>
+            <a:ext cx="12191400" cy="742320"/>
+          </a:xfrm>
+          <a:prstGeom prst="rect">
+            <a:avLst/>
+          </a:prstGeom>
+          <a:ln>
+            <a:noFill/>
+          </a:ln>
+        </p:spPr>
+      </p:pic>
+      <p:sp>
+        <p:nvSpPr>
+          <p:cNvPr id="202" name="Line 2"/>
           <p:cNvSpPr/>
           <p:nvPr/>
         </p:nvSpPr>
         <p:spPr>
           <a:xfrm>
-            <a:off x="1451520" y="2240900"/>
-            <a:ext cx="1636545" cy="562680"/>
-          </a:xfrm>
-          <a:prstGeom prst="roundRect">
-            <a:avLst>
-              <a:gd name="adj" fmla="val 16667"/>
-            </a:avLst>
+            <a:off x="0" y="6128280"/>
+            <a:ext cx="12191760" cy="360"/>
+          </a:xfrm>
+          <a:prstGeom prst="line">
+            <a:avLst/>
+          </a:prstGeom>
+          <a:ln w="12600">
+            <a:solidFill>
+              <a:srgbClr val="000001"/>
+            </a:solidFill>
+            <a:round/>
+          </a:ln>
+        </p:spPr>
+        <p:style>
+          <a:lnRef idx="1">
+            <a:schemeClr val="accent1"/>
+          </a:lnRef>
+          <a:fillRef idx="0">
+            <a:schemeClr val="accent1"/>
+          </a:fillRef>
+          <a:effectRef idx="0">
+            <a:schemeClr val="accent1"/>
+          </a:effectRef>
+          <a:fontRef idx="minor"/>
+        </p:style>
+      </p:sp>
+      <p:sp>
+        <p:nvSpPr>
+          <p:cNvPr id="203" name="Line 3"/>
+          <p:cNvSpPr/>
+          <p:nvPr/>
+        </p:nvSpPr>
+        <p:spPr>
+          <a:xfrm>
+            <a:off x="2417760" y="3528360"/>
+            <a:ext cx="8636760" cy="360"/>
+          </a:xfrm>
+          <a:prstGeom prst="line">
+            <a:avLst/>
+          </a:prstGeom>
+          <a:ln w="31680">
+            <a:round/>
+          </a:ln>
+        </p:spPr>
+        <p:style>
+          <a:lnRef idx="3">
+            <a:schemeClr val="accent1"/>
+          </a:lnRef>
+          <a:fillRef idx="0">
+            <a:schemeClr val="accent1"/>
+          </a:fillRef>
+          <a:effectRef idx="2">
+            <a:schemeClr val="accent1"/>
+          </a:effectRef>
+          <a:fontRef idx="minor"/>
+        </p:style>
+      </p:sp>
+      <p:sp>
+        <p:nvSpPr>
+          <p:cNvPr id="204" name="CustomShape 4"/>
+          <p:cNvSpPr/>
+          <p:nvPr/>
+        </p:nvSpPr>
+        <p:spPr>
+          <a:xfrm>
+            <a:off x="0" y="0"/>
+            <a:ext cx="12191040" cy="6857280"/>
+          </a:xfrm>
+          <a:prstGeom prst="rect">
+            <a:avLst/>
           </a:prstGeom>
           <a:solidFill>
-            <a:schemeClr val="bg1"/>
+            <a:srgbClr val="FFFFFF"/>
           </a:solidFill>
           <a:ln>
-            <a:round/>
+            <a:noFill/>
           </a:ln>
         </p:spPr>
         <p:style>
@@ -8167,101 +7879,36 @@
           </a:effectRef>
           <a:fontRef idx="minor"/>
         </p:style>
-        <p:txBody>
-          <a:bodyPr lIns="90000" tIns="45000" rIns="90000" bIns="45000" anchor="ctr"/>
-          <a:lstStyle/>
-          <a:p>
-            <a:pPr algn="ctr">
-              <a:lnSpc>
-                <a:spcPct val="100000"/>
-              </a:lnSpc>
-            </a:pPr>
-            <a:r>
-              <a:rPr lang="en-US" altLang="ko-KR" sz="1800" b="1" strike="noStrike" spc="-1" dirty="0" err="1">
-                <a:solidFill>
-                  <a:srgbClr val="000000"/>
-                </a:solidFill>
-                <a:uFill>
-                  <a:solidFill>
-                    <a:srgbClr val="FFFFFF"/>
-                  </a:solidFill>
-                </a:uFill>
-                <a:latin typeface="Arial"/>
-              </a:rPr>
-              <a:t>Int</a:t>
-            </a:r>
-            <a:r>
-              <a:rPr lang="en-US" altLang="ko-KR" sz="1800" b="1" strike="noStrike" spc="-1" dirty="0">
-                <a:solidFill>
-                  <a:srgbClr val="000000"/>
-                </a:solidFill>
-                <a:uFill>
-                  <a:solidFill>
-                    <a:srgbClr val="FFFFFF"/>
-                  </a:solidFill>
-                </a:uFill>
-                <a:latin typeface="Arial"/>
-              </a:rPr>
-              <a:t> </a:t>
-            </a:r>
-            <a:r>
-              <a:rPr lang="en-US" altLang="ko-KR" sz="1800" b="1" strike="noStrike" spc="-1" dirty="0" err="1">
-                <a:solidFill>
-                  <a:srgbClr val="000000"/>
-                </a:solidFill>
-                <a:uFill>
-                  <a:solidFill>
-                    <a:srgbClr val="FFFFFF"/>
-                  </a:solidFill>
-                </a:uFill>
-                <a:latin typeface="Arial"/>
-              </a:rPr>
-              <a:t>getch</a:t>
-            </a:r>
-            <a:endParaRPr lang="en-US" sz="1800" b="1" strike="noStrike" spc="-1" dirty="0">
-              <a:solidFill>
-                <a:srgbClr val="000000"/>
-              </a:solidFill>
-              <a:uFill>
-                <a:solidFill>
-                  <a:srgbClr val="FFFFFF"/>
-                </a:solidFill>
-              </a:uFill>
-              <a:latin typeface="Arial"/>
-            </a:endParaRPr>
-          </a:p>
-        </p:txBody>
-      </p:sp>
-      <p:sp>
-        <p:nvSpPr>
-          <p:cNvPr id="26" name="CustomShape 4">
-            <a:extLst>
-              <a:ext uri="{FF2B5EF4-FFF2-40B4-BE49-F238E27FC236}">
-                <a16:creationId xmlns:a16="http://schemas.microsoft.com/office/drawing/2014/main" id="{2761F6D4-FB5B-4FB7-B3CD-1E6C6A9D5113}"/>
-              </a:ext>
-            </a:extLst>
-          </p:cNvPr>
+      </p:sp>
+      <p:sp>
+        <p:nvSpPr>
+          <p:cNvPr id="205" name="CustomShape 5"/>
           <p:cNvSpPr/>
           <p:nvPr/>
         </p:nvSpPr>
         <p:spPr>
           <a:xfrm>
-            <a:off x="3898088" y="2447900"/>
-            <a:ext cx="2320953" cy="1477080"/>
-          </a:xfrm>
-          <a:prstGeom prst="roundRect">
-            <a:avLst>
-              <a:gd name="adj" fmla="val 16667"/>
-            </a:avLst>
-          </a:prstGeom>
-          <a:solidFill>
-            <a:schemeClr val="accent4">
-              <a:lumMod val="20000"/>
-              <a:lumOff val="80000"/>
-            </a:schemeClr>
-          </a:solidFill>
+            <a:off x="0" y="2019600"/>
+            <a:ext cx="12191400" cy="4105080"/>
+          </a:xfrm>
+          <a:prstGeom prst="rect">
+            <a:avLst/>
+          </a:prstGeom>
+          <a:gradFill>
+            <a:gsLst>
+              <a:gs pos="0">
+                <a:schemeClr val="bg2">
+                  <a:alpha val="0"/>
+                </a:schemeClr>
+              </a:gs>
+              <a:gs pos="100000">
+                <a:schemeClr val="bg2"/>
+              </a:gs>
+            </a:gsLst>
+            <a:lin ang="5400000"/>
+          </a:gradFill>
           <a:ln>
-            <a:round/>
+            <a:noFill/>
           </a:ln>
         </p:spPr>
         <p:style>
@@ -8278,108 +7925,62 @@
           </a:effectRef>
           <a:fontRef idx="minor"/>
         </p:style>
+      </p:sp>
+      <p:sp>
+        <p:nvSpPr>
+          <p:cNvPr id="206" name="CustomShape 6"/>
+          <p:cNvSpPr/>
+          <p:nvPr/>
+        </p:nvSpPr>
+        <p:spPr>
+          <a:xfrm>
+            <a:off x="659160" y="1474920"/>
+            <a:ext cx="2823120" cy="1868040"/>
+          </a:xfrm>
+          <a:prstGeom prst="rect">
+            <a:avLst/>
+          </a:prstGeom>
+          <a:noFill/>
+          <a:ln>
+            <a:noFill/>
+          </a:ln>
+        </p:spPr>
+        <p:style>
+          <a:lnRef idx="0">
+            <a:scrgbClr r="0" g="0" b="0"/>
+          </a:lnRef>
+          <a:fillRef idx="0">
+            <a:scrgbClr r="0" g="0" b="0"/>
+          </a:fillRef>
+          <a:effectRef idx="0">
+            <a:scrgbClr r="0" g="0" b="0"/>
+          </a:effectRef>
+          <a:fontRef idx="minor"/>
+        </p:style>
         <p:txBody>
-          <a:bodyPr lIns="90000" tIns="45000" rIns="90000" bIns="45000" anchor="ctr"/>
+          <a:bodyPr lIns="90000" tIns="45000" rIns="90000" bIns="0" anchor="b"/>
           <a:lstStyle/>
           <a:p>
-            <a:pPr algn="ctr">
+            <a:pPr>
               <a:lnSpc>
                 <a:spcPct val="100000"/>
               </a:lnSpc>
             </a:pPr>
-            <a:endParaRPr lang="en-US" sz="1800" b="1" strike="noStrike" spc="-1" dirty="0">
-              <a:solidFill>
-                <a:srgbClr val="000000"/>
-              </a:solidFill>
-              <a:uFill>
-                <a:solidFill>
-                  <a:srgbClr val="FFFFFF"/>
-                </a:solidFill>
-              </a:uFill>
-              <a:latin typeface="Arial"/>
-            </a:endParaRPr>
-          </a:p>
-          <a:p>
-            <a:pPr algn="ctr">
-              <a:lnSpc>
-                <a:spcPct val="100000"/>
-              </a:lnSpc>
-            </a:pPr>
-            <a:r>
-              <a:rPr lang="ko-KR" altLang="en-US" sz="1800" b="1" strike="noStrike" spc="-1" dirty="0">
-                <a:solidFill>
-                  <a:srgbClr val="000000"/>
-                </a:solidFill>
-                <a:uFill>
-                  <a:solidFill>
-                    <a:srgbClr val="FFFFFF"/>
-                  </a:solidFill>
-                </a:uFill>
-                <a:latin typeface="Arial"/>
-              </a:rPr>
-              <a:t>맵 전부를 </a:t>
-            </a:r>
-            <a:r>
-              <a:rPr lang="en-US" altLang="ko-KR" sz="1800" b="1" strike="noStrike" spc="-1" dirty="0">
-                <a:solidFill>
-                  <a:srgbClr val="000000"/>
-                </a:solidFill>
-                <a:uFill>
-                  <a:solidFill>
-                    <a:srgbClr val="FFFFFF"/>
-                  </a:solidFill>
-                </a:uFill>
-                <a:latin typeface="Arial"/>
-              </a:rPr>
-              <a:t>0</a:t>
-            </a:r>
-            <a:r>
-              <a:rPr lang="ko-KR" altLang="en-US" sz="1800" b="1" strike="noStrike" spc="-1" dirty="0">
-                <a:solidFill>
-                  <a:srgbClr val="000000"/>
-                </a:solidFill>
-                <a:uFill>
-                  <a:solidFill>
-                    <a:srgbClr val="FFFFFF"/>
-                  </a:solidFill>
-                </a:uFill>
-                <a:latin typeface="Arial"/>
-              </a:rPr>
-              <a:t>으로</a:t>
-            </a:r>
-            <a:endParaRPr lang="en-US" altLang="ko-KR" sz="1800" b="1" strike="noStrike" spc="-1" dirty="0">
-              <a:solidFill>
-                <a:srgbClr val="000000"/>
-              </a:solidFill>
-              <a:uFill>
-                <a:solidFill>
-                  <a:srgbClr val="FFFFFF"/>
-                </a:solidFill>
-              </a:uFill>
-              <a:latin typeface="Arial"/>
-            </a:endParaRPr>
-          </a:p>
-          <a:p>
-            <a:pPr algn="ctr">
-              <a:lnSpc>
-                <a:spcPct val="100000"/>
-              </a:lnSpc>
-            </a:pPr>
-            <a:r>
-              <a:rPr lang="ko-KR" altLang="en-US" sz="1800" b="1" strike="noStrike" spc="-1" dirty="0">
-                <a:solidFill>
-                  <a:srgbClr val="000000"/>
-                </a:solidFill>
-                <a:uFill>
-                  <a:solidFill>
-                    <a:srgbClr val="FFFFFF"/>
-                  </a:solidFill>
-                </a:uFill>
-                <a:latin typeface="Arial"/>
-              </a:rPr>
-              <a:t>초기화 하는 함수</a:t>
-            </a:r>
-            <a:endParaRPr lang="en-US" sz="1800" b="1" strike="noStrike" spc="-1" dirty="0">
+            <a:r>
+              <a:rPr lang="en-US" sz="3600" b="1" strike="noStrike" cap="all" spc="-1">
+                <a:solidFill>
+                  <a:srgbClr val="000000"/>
+                </a:solidFill>
+                <a:uFill>
+                  <a:solidFill>
+                    <a:srgbClr val="FFFFFF"/>
+                  </a:solidFill>
+                </a:uFill>
+                <a:latin typeface="Gill Sans MT"/>
+              </a:rPr>
+              <a:t>결과</a:t>
+            </a:r>
+            <a:endParaRPr lang="en-US" sz="1800" b="0" strike="noStrike" spc="-1">
               <a:solidFill>
                 <a:srgbClr val="000000"/>
               </a:solidFill>
@@ -8395,30 +7996,171 @@
       </p:sp>
       <p:sp>
         <p:nvSpPr>
-          <p:cNvPr id="27" name="CustomShape 5">
-            <a:extLst>
-              <a:ext uri="{FF2B5EF4-FFF2-40B4-BE49-F238E27FC236}">
-                <a16:creationId xmlns:a16="http://schemas.microsoft.com/office/drawing/2014/main" id="{C88B24DD-A14A-41C1-830E-AE9C87BC3FAC}"/>
-              </a:ext>
-            </a:extLst>
-          </p:cNvPr>
+          <p:cNvPr id="207" name="Line 7"/>
           <p:cNvSpPr/>
           <p:nvPr/>
         </p:nvSpPr>
         <p:spPr>
           <a:xfrm>
-            <a:off x="4255423" y="2240900"/>
-            <a:ext cx="1636545" cy="562680"/>
-          </a:xfrm>
-          <a:prstGeom prst="roundRect">
-            <a:avLst>
-              <a:gd name="adj" fmla="val 16667"/>
-            </a:avLst>
+            <a:off x="659160" y="3528360"/>
+            <a:ext cx="2823840" cy="360"/>
+          </a:xfrm>
+          <a:prstGeom prst="line">
+            <a:avLst/>
+          </a:prstGeom>
+          <a:ln w="31680">
+            <a:round/>
+          </a:ln>
+        </p:spPr>
+        <p:style>
+          <a:lnRef idx="3">
+            <a:schemeClr val="accent1"/>
+          </a:lnRef>
+          <a:fillRef idx="0">
+            <a:schemeClr val="accent1"/>
+          </a:fillRef>
+          <a:effectRef idx="2">
+            <a:schemeClr val="accent1"/>
+          </a:effectRef>
+          <a:fontRef idx="minor"/>
+        </p:style>
+      </p:sp>
+      <p:sp>
+        <p:nvSpPr>
+          <p:cNvPr id="208" name="CustomShape 8"/>
+          <p:cNvSpPr/>
+          <p:nvPr/>
+        </p:nvSpPr>
+        <p:spPr>
+          <a:xfrm>
+            <a:off x="3979440" y="482040"/>
+            <a:ext cx="7559280" cy="5148360"/>
+          </a:xfrm>
+          <a:prstGeom prst="rect">
+            <a:avLst/>
+          </a:prstGeom>
+          <a:gradFill>
+            <a:gsLst>
+              <a:gs pos="0">
+                <a:srgbClr val="000001"/>
+              </a:gs>
+              <a:gs pos="100000">
+                <a:srgbClr val="191919"/>
+              </a:gs>
+            </a:gsLst>
+            <a:lin ang="5400000"/>
+          </a:gradFill>
+          <a:ln w="76320">
+            <a:noFill/>
+          </a:ln>
+          <a:effectLst>
+            <a:outerShdw blurRad="127000" dist="228600" dir="4740000" sx="98000" sy="98000" algn="tl" rotWithShape="0">
+              <a:srgbClr val="000000">
+                <a:alpha val="34000"/>
+              </a:srgbClr>
+            </a:outerShdw>
+          </a:effectLst>
+          <a:scene3d>
+            <a:camera prst="orthographicFront"/>
+            <a:lightRig rig="threePt" dir="t"/>
+          </a:scene3d>
+          <a:sp3d>
+            <a:bevelT w="152400" h="50800" prst="softRound"/>
+          </a:sp3d>
+        </p:spPr>
+        <p:style>
+          <a:lnRef idx="1">
+            <a:schemeClr val="accent1"/>
+          </a:lnRef>
+          <a:fillRef idx="3">
+            <a:schemeClr val="accent1"/>
+          </a:fillRef>
+          <a:effectRef idx="2">
+            <a:schemeClr val="accent1"/>
+          </a:effectRef>
+          <a:fontRef idx="minor"/>
+        </p:style>
+      </p:sp>
+      <p:sp>
+        <p:nvSpPr>
+          <p:cNvPr id="209" name="CustomShape 9"/>
+          <p:cNvSpPr/>
+          <p:nvPr/>
+        </p:nvSpPr>
+        <p:spPr>
+          <a:xfrm>
+            <a:off x="4292280" y="812520"/>
+            <a:ext cx="6927480" cy="4465800"/>
+          </a:xfrm>
+          <a:prstGeom prst="rect">
+            <a:avLst/>
+          </a:prstGeom>
+          <a:gradFill>
+            <a:gsLst>
+              <a:gs pos="0">
+                <a:srgbClr val="DADADA"/>
+              </a:gs>
+              <a:gs pos="100000">
+                <a:srgbClr val="FFFFFE"/>
+              </a:gs>
+            </a:gsLst>
+            <a:lin ang="16200000"/>
+          </a:gradFill>
+          <a:ln w="50760">
+            <a:solidFill>
+              <a:srgbClr val="191919"/>
+            </a:solidFill>
+            <a:miter/>
+          </a:ln>
+          <a:effectLst>
+            <a:innerShdw blurRad="63500" dist="88900" dir="14100000">
+              <a:srgbClr val="000000">
+                <a:alpha val="30000"/>
+              </a:srgbClr>
+            </a:innerShdw>
+          </a:effectLst>
+          <a:scene3d>
+            <a:camera prst="orthographicFront"/>
+            <a:lightRig rig="threePt" dir="t"/>
+          </a:scene3d>
+          <a:sp3d>
+            <a:bevelT prst="relaxedInset"/>
+          </a:sp3d>
+        </p:spPr>
+        <p:style>
+          <a:lnRef idx="1">
+            <a:schemeClr val="accent1"/>
+          </a:lnRef>
+          <a:fillRef idx="3">
+            <a:schemeClr val="accent1"/>
+          </a:fillRef>
+          <a:effectRef idx="2">
+            <a:schemeClr val="accent1"/>
+          </a:effectRef>
+          <a:fontRef idx="minor"/>
+        </p:style>
+      </p:sp>
+      <p:sp>
+        <p:nvSpPr>
+          <p:cNvPr id="210" name="CustomShape 10"/>
+          <p:cNvSpPr/>
+          <p:nvPr/>
+        </p:nvSpPr>
+        <p:spPr>
+          <a:xfrm>
+            <a:off x="4455360" y="978120"/>
+            <a:ext cx="6615000" cy="4134600"/>
+          </a:xfrm>
+          <a:prstGeom prst="rect">
+            <a:avLst/>
           </a:prstGeom>
           <a:solidFill>
             <a:schemeClr val="bg1"/>
           </a:solidFill>
-          <a:ln>
+          <a:ln w="6480">
+            <a:solidFill>
+              <a:schemeClr val="bg2"/>
+            </a:solidFill>
             <a:round/>
           </a:ln>
         </p:spPr>
@@ -8436,82 +8178,80 @@
           </a:effectRef>
           <a:fontRef idx="minor"/>
         </p:style>
-        <p:txBody>
-          <a:bodyPr lIns="90000" tIns="45000" rIns="90000" bIns="45000" anchor="ctr"/>
-          <a:lstStyle/>
-          <a:p>
-            <a:pPr algn="ctr">
-              <a:lnSpc>
-                <a:spcPct val="100000"/>
-              </a:lnSpc>
-            </a:pPr>
-            <a:r>
-              <a:rPr lang="en-US" altLang="ko-KR" sz="1800" b="1" strike="noStrike" spc="-1" dirty="0" err="1">
-                <a:solidFill>
-                  <a:srgbClr val="000000"/>
-                </a:solidFill>
-                <a:uFill>
-                  <a:solidFill>
-                    <a:srgbClr val="FFFFFF"/>
-                  </a:solidFill>
-                </a:uFill>
-                <a:latin typeface="Arial"/>
-              </a:rPr>
-              <a:t>Map_clear</a:t>
-            </a:r>
-            <a:endParaRPr lang="en-US" sz="1800" b="1" strike="noStrike" spc="-1" dirty="0">
-              <a:solidFill>
-                <a:srgbClr val="000000"/>
-              </a:solidFill>
-              <a:uFill>
-                <a:solidFill>
-                  <a:srgbClr val="FFFFFF"/>
-                </a:solidFill>
-              </a:uFill>
-              <a:latin typeface="Arial"/>
-            </a:endParaRPr>
-          </a:p>
-        </p:txBody>
-      </p:sp>
-      <p:sp>
-        <p:nvSpPr>
-          <p:cNvPr id="28" name="CustomShape 4">
-            <a:extLst>
-              <a:ext uri="{FF2B5EF4-FFF2-40B4-BE49-F238E27FC236}">
-                <a16:creationId xmlns:a16="http://schemas.microsoft.com/office/drawing/2014/main" id="{BC89119E-5128-4D07-B6B7-A6AAC3C2190E}"/>
-              </a:ext>
-            </a:extLst>
-          </p:cNvPr>
+      </p:sp>
+      <p:pic>
+        <p:nvPicPr>
+          <p:cNvPr id="211" name="내용 개체 틀 4"/>
+          <p:cNvPicPr/>
+          <p:nvPr/>
+        </p:nvPicPr>
+        <p:blipFill>
+          <a:blip r:embed="rId3"/>
+          <a:stretch/>
+        </p:blipFill>
+        <p:spPr>
+          <a:xfrm>
+            <a:off x="5176440" y="1116360"/>
+            <a:ext cx="5166000" cy="3865320"/>
+          </a:xfrm>
+          <a:prstGeom prst="rect">
+            <a:avLst/>
+          </a:prstGeom>
+          <a:ln>
+            <a:noFill/>
+          </a:ln>
+        </p:spPr>
+      </p:pic>
+      <p:pic>
+        <p:nvPicPr>
+          <p:cNvPr id="212" name="Picture 29"/>
+          <p:cNvPicPr/>
+          <p:nvPr/>
+        </p:nvPicPr>
+        <p:blipFill>
+          <a:blip r:embed="rId2"/>
+          <a:srcRect t="1526" b="-1526"/>
+          <a:stretch/>
+        </p:blipFill>
+        <p:spPr>
+          <a:xfrm>
+            <a:off x="0" y="6126480"/>
+            <a:ext cx="12191400" cy="742320"/>
+          </a:xfrm>
+          <a:prstGeom prst="rect">
+            <a:avLst/>
+          </a:prstGeom>
+          <a:ln>
+            <a:noFill/>
+          </a:ln>
+        </p:spPr>
+      </p:pic>
+      <p:sp>
+        <p:nvSpPr>
+          <p:cNvPr id="213" name="Line 11"/>
           <p:cNvSpPr/>
           <p:nvPr/>
         </p:nvSpPr>
         <p:spPr>
           <a:xfrm>
-            <a:off x="6732253" y="2447900"/>
-            <a:ext cx="2320953" cy="1477080"/>
-          </a:xfrm>
-          <a:prstGeom prst="roundRect">
-            <a:avLst>
-              <a:gd name="adj" fmla="val 16667"/>
-            </a:avLst>
-          </a:prstGeom>
-          <a:solidFill>
-            <a:schemeClr val="accent4">
-              <a:lumMod val="20000"/>
-              <a:lumOff val="80000"/>
-            </a:schemeClr>
-          </a:solidFill>
-          <a:ln>
+            <a:off x="0" y="6128280"/>
+            <a:ext cx="12191760" cy="360"/>
+          </a:xfrm>
+          <a:prstGeom prst="line">
+            <a:avLst/>
+          </a:prstGeom>
+          <a:ln w="12600">
+            <a:solidFill>
+              <a:srgbClr val="000001"/>
+            </a:solidFill>
             <a:round/>
           </a:ln>
         </p:spPr>
         <p:style>
-          <a:lnRef idx="2">
-            <a:schemeClr val="accent1">
-              <a:shade val="50000"/>
-            </a:schemeClr>
+          <a:lnRef idx="1">
+            <a:schemeClr val="accent1"/>
           </a:lnRef>
-          <a:fillRef idx="1">
+          <a:fillRef idx="0">
             <a:schemeClr val="accent1"/>
           </a:fillRef>
           <a:effectRef idx="0">
@@ -8519,1195 +8259,8 @@
           </a:effectRef>
           <a:fontRef idx="minor"/>
         </p:style>
-        <p:txBody>
-          <a:bodyPr lIns="90000" tIns="45000" rIns="90000" bIns="45000" anchor="ctr"/>
-          <a:lstStyle/>
-          <a:p>
-            <a:pPr algn="ctr">
-              <a:lnSpc>
-                <a:spcPct val="100000"/>
-              </a:lnSpc>
-            </a:pPr>
-            <a:endParaRPr lang="en-US" sz="1800" b="1" strike="noStrike" spc="-1" dirty="0">
-              <a:solidFill>
-                <a:srgbClr val="000000"/>
-              </a:solidFill>
-              <a:uFill>
-                <a:solidFill>
-                  <a:srgbClr val="FFFFFF"/>
-                </a:solidFill>
-              </a:uFill>
-              <a:latin typeface="Arial"/>
-            </a:endParaRPr>
-          </a:p>
-          <a:p>
-            <a:pPr algn="ctr">
-              <a:lnSpc>
-                <a:spcPct val="100000"/>
-              </a:lnSpc>
-            </a:pPr>
-            <a:r>
-              <a:rPr lang="ko-KR" altLang="en-US" sz="1700" b="1" strike="noStrike" spc="-1" dirty="0">
-                <a:solidFill>
-                  <a:srgbClr val="000000"/>
-                </a:solidFill>
-                <a:uFill>
-                  <a:solidFill>
-                    <a:srgbClr val="FFFFFF"/>
-                  </a:solidFill>
-                </a:uFill>
-                <a:latin typeface="Arial"/>
-              </a:rPr>
-              <a:t>도착 지점 위치 변경</a:t>
-            </a:r>
-            <a:r>
-              <a:rPr lang="en-US" altLang="ko-KR" sz="1800" b="1" strike="noStrike" spc="-1" dirty="0">
-                <a:solidFill>
-                  <a:srgbClr val="000000"/>
-                </a:solidFill>
-                <a:uFill>
-                  <a:solidFill>
-                    <a:srgbClr val="FFFFFF"/>
-                  </a:solidFill>
-                </a:uFill>
-                <a:latin typeface="Arial"/>
-              </a:rPr>
-              <a:t>(</a:t>
-            </a:r>
-            <a:r>
-              <a:rPr lang="ko-KR" altLang="en-US" sz="1800" b="1" strike="noStrike" spc="-1" dirty="0">
-                <a:solidFill>
-                  <a:srgbClr val="000000"/>
-                </a:solidFill>
-                <a:uFill>
-                  <a:solidFill>
-                    <a:srgbClr val="FFFFFF"/>
-                  </a:solidFill>
-                </a:uFill>
-                <a:latin typeface="Arial"/>
-              </a:rPr>
-              <a:t>랜덤 초기화</a:t>
-            </a:r>
-            <a:r>
-              <a:rPr lang="en-US" altLang="ko-KR" sz="1800" b="1" strike="noStrike" spc="-1" dirty="0">
-                <a:solidFill>
-                  <a:srgbClr val="000000"/>
-                </a:solidFill>
-                <a:uFill>
-                  <a:solidFill>
-                    <a:srgbClr val="FFFFFF"/>
-                  </a:solidFill>
-                </a:uFill>
-                <a:latin typeface="Arial"/>
-              </a:rPr>
-              <a:t>)</a:t>
-            </a:r>
-            <a:endParaRPr lang="en-US" sz="1800" b="1" strike="noStrike" spc="-1" dirty="0">
-              <a:solidFill>
-                <a:srgbClr val="000000"/>
-              </a:solidFill>
-              <a:uFill>
-                <a:solidFill>
-                  <a:srgbClr val="FFFFFF"/>
-                </a:solidFill>
-              </a:uFill>
-              <a:latin typeface="Arial"/>
-            </a:endParaRPr>
-          </a:p>
-        </p:txBody>
-      </p:sp>
-      <p:sp>
-        <p:nvSpPr>
-          <p:cNvPr id="29" name="CustomShape 5">
-            <a:extLst>
-              <a:ext uri="{FF2B5EF4-FFF2-40B4-BE49-F238E27FC236}">
-                <a16:creationId xmlns:a16="http://schemas.microsoft.com/office/drawing/2014/main" id="{E8D47608-64FA-4023-B56B-C3E39C3573EB}"/>
-              </a:ext>
-            </a:extLst>
-          </p:cNvPr>
-          <p:cNvSpPr/>
-          <p:nvPr/>
-        </p:nvSpPr>
-        <p:spPr>
-          <a:xfrm>
-            <a:off x="7089588" y="2240900"/>
-            <a:ext cx="1636545" cy="562680"/>
-          </a:xfrm>
-          <a:prstGeom prst="roundRect">
-            <a:avLst>
-              <a:gd name="adj" fmla="val 16667"/>
-            </a:avLst>
-          </a:prstGeom>
-          <a:solidFill>
-            <a:schemeClr val="bg1"/>
-          </a:solidFill>
-          <a:ln>
-            <a:round/>
-          </a:ln>
-        </p:spPr>
-        <p:style>
-          <a:lnRef idx="2">
-            <a:schemeClr val="accent1">
-              <a:shade val="50000"/>
-            </a:schemeClr>
-          </a:lnRef>
-          <a:fillRef idx="1">
-            <a:schemeClr val="accent1"/>
-          </a:fillRef>
-          <a:effectRef idx="0">
-            <a:schemeClr val="accent1"/>
-          </a:effectRef>
-          <a:fontRef idx="minor"/>
-        </p:style>
-        <p:txBody>
-          <a:bodyPr lIns="90000" tIns="45000" rIns="90000" bIns="45000" anchor="ctr"/>
-          <a:lstStyle/>
-          <a:p>
-            <a:pPr algn="ctr">
-              <a:lnSpc>
-                <a:spcPct val="100000"/>
-              </a:lnSpc>
-            </a:pPr>
-            <a:r>
-              <a:rPr lang="en-US" altLang="ko-KR" sz="1800" b="1" strike="noStrike" spc="-1" dirty="0" err="1">
-                <a:solidFill>
-                  <a:srgbClr val="000000"/>
-                </a:solidFill>
-                <a:uFill>
-                  <a:solidFill>
-                    <a:srgbClr val="FFFFFF"/>
-                  </a:solidFill>
-                </a:uFill>
-                <a:latin typeface="Arial"/>
-              </a:rPr>
-              <a:t>Goal_set</a:t>
-            </a:r>
-            <a:endParaRPr lang="en-US" sz="1800" b="1" strike="noStrike" spc="-1" dirty="0">
-              <a:solidFill>
-                <a:srgbClr val="000000"/>
-              </a:solidFill>
-              <a:uFill>
-                <a:solidFill>
-                  <a:srgbClr val="FFFFFF"/>
-                </a:solidFill>
-              </a:uFill>
-              <a:latin typeface="Arial"/>
-            </a:endParaRPr>
-          </a:p>
-        </p:txBody>
-      </p:sp>
-      <p:sp>
-        <p:nvSpPr>
-          <p:cNvPr id="30" name="CustomShape 4">
-            <a:extLst>
-              <a:ext uri="{FF2B5EF4-FFF2-40B4-BE49-F238E27FC236}">
-                <a16:creationId xmlns:a16="http://schemas.microsoft.com/office/drawing/2014/main" id="{C3B404CF-E06C-4B75-909A-DE2412847E73}"/>
-              </a:ext>
-            </a:extLst>
-          </p:cNvPr>
-          <p:cNvSpPr/>
-          <p:nvPr/>
-        </p:nvSpPr>
-        <p:spPr>
-          <a:xfrm>
-            <a:off x="9505894" y="4424185"/>
-            <a:ext cx="2320953" cy="1477080"/>
-          </a:xfrm>
-          <a:prstGeom prst="roundRect">
-            <a:avLst>
-              <a:gd name="adj" fmla="val 16667"/>
-            </a:avLst>
-          </a:prstGeom>
-          <a:solidFill>
-            <a:schemeClr val="accent4">
-              <a:lumMod val="20000"/>
-              <a:lumOff val="80000"/>
-            </a:schemeClr>
-          </a:solidFill>
-          <a:ln>
-            <a:round/>
-          </a:ln>
-        </p:spPr>
-        <p:style>
-          <a:lnRef idx="2">
-            <a:schemeClr val="accent1">
-              <a:shade val="50000"/>
-            </a:schemeClr>
-          </a:lnRef>
-          <a:fillRef idx="1">
-            <a:schemeClr val="accent1"/>
-          </a:fillRef>
-          <a:effectRef idx="0">
-            <a:schemeClr val="accent1"/>
-          </a:effectRef>
-          <a:fontRef idx="minor"/>
-        </p:style>
-        <p:txBody>
-          <a:bodyPr lIns="90000" tIns="45000" rIns="90000" bIns="45000" anchor="ctr"/>
-          <a:lstStyle/>
-          <a:p>
-            <a:pPr algn="ctr">
-              <a:lnSpc>
-                <a:spcPct val="100000"/>
-              </a:lnSpc>
-            </a:pPr>
-            <a:endParaRPr lang="en-US" sz="1800" b="1" strike="noStrike" spc="-1" dirty="0">
-              <a:solidFill>
-                <a:srgbClr val="000000"/>
-              </a:solidFill>
-              <a:uFill>
-                <a:solidFill>
-                  <a:srgbClr val="FFFFFF"/>
-                </a:solidFill>
-              </a:uFill>
-              <a:latin typeface="Arial"/>
-            </a:endParaRPr>
-          </a:p>
-          <a:p>
-            <a:pPr algn="ctr">
-              <a:lnSpc>
-                <a:spcPct val="100000"/>
-              </a:lnSpc>
-            </a:pPr>
-            <a:r>
-              <a:rPr lang="ko-KR" altLang="en-US" sz="1800" b="1" strike="noStrike" spc="-1" dirty="0">
-                <a:solidFill>
-                  <a:srgbClr val="000000"/>
-                </a:solidFill>
-                <a:uFill>
-                  <a:solidFill>
-                    <a:srgbClr val="FFFFFF"/>
-                  </a:solidFill>
-                </a:uFill>
-                <a:latin typeface="Arial"/>
-              </a:rPr>
-              <a:t>유저 봇 위치</a:t>
-            </a:r>
-            <a:endParaRPr lang="en-US" altLang="ko-KR" sz="1800" b="1" strike="noStrike" spc="-1" dirty="0">
-              <a:solidFill>
-                <a:srgbClr val="000000"/>
-              </a:solidFill>
-              <a:uFill>
-                <a:solidFill>
-                  <a:srgbClr val="FFFFFF"/>
-                </a:solidFill>
-              </a:uFill>
-              <a:latin typeface="Arial"/>
-            </a:endParaRPr>
-          </a:p>
-          <a:p>
-            <a:pPr algn="ctr">
-              <a:lnSpc>
-                <a:spcPct val="100000"/>
-              </a:lnSpc>
-            </a:pPr>
-            <a:r>
-              <a:rPr lang="en-US" altLang="ko-KR" sz="1800" b="1" strike="noStrike" spc="-1" dirty="0">
-                <a:solidFill>
-                  <a:srgbClr val="000000"/>
-                </a:solidFill>
-                <a:uFill>
-                  <a:solidFill>
-                    <a:srgbClr val="FFFFFF"/>
-                  </a:solidFill>
-                </a:uFill>
-                <a:latin typeface="Arial"/>
-              </a:rPr>
-              <a:t>(</a:t>
-            </a:r>
-            <a:r>
-              <a:rPr lang="ko-KR" altLang="en-US" sz="1800" b="1" strike="noStrike" spc="-1" dirty="0">
-                <a:solidFill>
-                  <a:srgbClr val="000000"/>
-                </a:solidFill>
-                <a:uFill>
-                  <a:solidFill>
-                    <a:srgbClr val="FFFFFF"/>
-                  </a:solidFill>
-                </a:uFill>
-                <a:latin typeface="Arial"/>
-              </a:rPr>
-              <a:t>랜덤 초기화</a:t>
-            </a:r>
-            <a:r>
-              <a:rPr lang="en-US" altLang="ko-KR" sz="1800" b="1" strike="noStrike" spc="-1" dirty="0">
-                <a:solidFill>
-                  <a:srgbClr val="000000"/>
-                </a:solidFill>
-                <a:uFill>
-                  <a:solidFill>
-                    <a:srgbClr val="FFFFFF"/>
-                  </a:solidFill>
-                </a:uFill>
-                <a:latin typeface="Arial"/>
-              </a:rPr>
-              <a:t>)</a:t>
-            </a:r>
-            <a:endParaRPr lang="en-US" sz="1800" b="1" strike="noStrike" spc="-1" dirty="0">
-              <a:solidFill>
-                <a:srgbClr val="000000"/>
-              </a:solidFill>
-              <a:uFill>
-                <a:solidFill>
-                  <a:srgbClr val="FFFFFF"/>
-                </a:solidFill>
-              </a:uFill>
-              <a:latin typeface="Arial"/>
-            </a:endParaRPr>
-          </a:p>
-        </p:txBody>
-      </p:sp>
-      <p:sp>
-        <p:nvSpPr>
-          <p:cNvPr id="31" name="CustomShape 5">
-            <a:extLst>
-              <a:ext uri="{FF2B5EF4-FFF2-40B4-BE49-F238E27FC236}">
-                <a16:creationId xmlns:a16="http://schemas.microsoft.com/office/drawing/2014/main" id="{D78F20EE-50E0-420A-89CD-35DBE1BDBB93}"/>
-              </a:ext>
-            </a:extLst>
-          </p:cNvPr>
-          <p:cNvSpPr/>
-          <p:nvPr/>
-        </p:nvSpPr>
-        <p:spPr>
-          <a:xfrm>
-            <a:off x="9863229" y="4217185"/>
-            <a:ext cx="1636545" cy="562680"/>
-          </a:xfrm>
-          <a:prstGeom prst="roundRect">
-            <a:avLst>
-              <a:gd name="adj" fmla="val 16667"/>
-            </a:avLst>
-          </a:prstGeom>
-          <a:solidFill>
-            <a:schemeClr val="bg1"/>
-          </a:solidFill>
-          <a:ln>
-            <a:round/>
-          </a:ln>
-        </p:spPr>
-        <p:style>
-          <a:lnRef idx="2">
-            <a:schemeClr val="accent1">
-              <a:shade val="50000"/>
-            </a:schemeClr>
-          </a:lnRef>
-          <a:fillRef idx="1">
-            <a:schemeClr val="accent1"/>
-          </a:fillRef>
-          <a:effectRef idx="0">
-            <a:schemeClr val="accent1"/>
-          </a:effectRef>
-          <a:fontRef idx="minor"/>
-        </p:style>
-        <p:txBody>
-          <a:bodyPr lIns="90000" tIns="45000" rIns="90000" bIns="45000" anchor="ctr"/>
-          <a:lstStyle/>
-          <a:p>
-            <a:pPr algn="ctr">
-              <a:lnSpc>
-                <a:spcPct val="100000"/>
-              </a:lnSpc>
-            </a:pPr>
-            <a:r>
-              <a:rPr lang="en-US" altLang="ko-KR" sz="1800" b="1" strike="noStrike" spc="-1" dirty="0" err="1">
-                <a:solidFill>
-                  <a:srgbClr val="000000"/>
-                </a:solidFill>
-                <a:uFill>
-                  <a:solidFill>
-                    <a:srgbClr val="FFFFFF"/>
-                  </a:solidFill>
-                </a:uFill>
-                <a:latin typeface="Arial"/>
-              </a:rPr>
-              <a:t>User_set</a:t>
-            </a:r>
-            <a:endParaRPr lang="en-US" sz="1800" b="1" strike="noStrike" spc="-1" dirty="0">
-              <a:solidFill>
-                <a:srgbClr val="000000"/>
-              </a:solidFill>
-              <a:uFill>
-                <a:solidFill>
-                  <a:srgbClr val="FFFFFF"/>
-                </a:solidFill>
-              </a:uFill>
-              <a:latin typeface="Arial"/>
-            </a:endParaRPr>
-          </a:p>
-        </p:txBody>
-      </p:sp>
-      <p:sp>
-        <p:nvSpPr>
-          <p:cNvPr id="32" name="CustomShape 4">
-            <a:extLst>
-              <a:ext uri="{FF2B5EF4-FFF2-40B4-BE49-F238E27FC236}">
-                <a16:creationId xmlns:a16="http://schemas.microsoft.com/office/drawing/2014/main" id="{C46E3966-5E00-4B49-9E24-15C5F7D7E8CE}"/>
-              </a:ext>
-            </a:extLst>
-          </p:cNvPr>
-          <p:cNvSpPr/>
-          <p:nvPr/>
-        </p:nvSpPr>
-        <p:spPr>
-          <a:xfrm>
-            <a:off x="6701991" y="4424185"/>
-            <a:ext cx="2320953" cy="1477080"/>
-          </a:xfrm>
-          <a:prstGeom prst="roundRect">
-            <a:avLst>
-              <a:gd name="adj" fmla="val 16667"/>
-            </a:avLst>
-          </a:prstGeom>
-          <a:solidFill>
-            <a:schemeClr val="accent4">
-              <a:lumMod val="20000"/>
-              <a:lumOff val="80000"/>
-            </a:schemeClr>
-          </a:solidFill>
-          <a:ln>
-            <a:round/>
-          </a:ln>
-        </p:spPr>
-        <p:style>
-          <a:lnRef idx="2">
-            <a:schemeClr val="accent1">
-              <a:shade val="50000"/>
-            </a:schemeClr>
-          </a:lnRef>
-          <a:fillRef idx="1">
-            <a:schemeClr val="accent1"/>
-          </a:fillRef>
-          <a:effectRef idx="0">
-            <a:schemeClr val="accent1"/>
-          </a:effectRef>
-          <a:fontRef idx="minor"/>
-        </p:style>
-        <p:txBody>
-          <a:bodyPr lIns="90000" tIns="45000" rIns="90000" bIns="45000" anchor="ctr"/>
-          <a:lstStyle/>
-          <a:p>
-            <a:pPr algn="ctr">
-              <a:lnSpc>
-                <a:spcPct val="100000"/>
-              </a:lnSpc>
-            </a:pPr>
-            <a:r>
-              <a:rPr lang="ko-KR" altLang="en-US" sz="1800" b="1" strike="noStrike" spc="-1" dirty="0">
-                <a:solidFill>
-                  <a:srgbClr val="000000"/>
-                </a:solidFill>
-                <a:uFill>
-                  <a:solidFill>
-                    <a:srgbClr val="FFFFFF"/>
-                  </a:solidFill>
-                </a:uFill>
-                <a:latin typeface="Arial"/>
-              </a:rPr>
-              <a:t>초기 맵 셋팅</a:t>
-            </a:r>
-            <a:endParaRPr lang="en-US" sz="1800" b="1" strike="noStrike" spc="-1" dirty="0">
-              <a:solidFill>
-                <a:srgbClr val="000000"/>
-              </a:solidFill>
-              <a:uFill>
-                <a:solidFill>
-                  <a:srgbClr val="FFFFFF"/>
-                </a:solidFill>
-              </a:uFill>
-              <a:latin typeface="Arial"/>
-            </a:endParaRPr>
-          </a:p>
-        </p:txBody>
-      </p:sp>
-      <p:sp>
-        <p:nvSpPr>
-          <p:cNvPr id="33" name="CustomShape 5">
-            <a:extLst>
-              <a:ext uri="{FF2B5EF4-FFF2-40B4-BE49-F238E27FC236}">
-                <a16:creationId xmlns:a16="http://schemas.microsoft.com/office/drawing/2014/main" id="{412B307E-194E-450C-860B-25D28F5B9D84}"/>
-              </a:ext>
-            </a:extLst>
-          </p:cNvPr>
-          <p:cNvSpPr/>
-          <p:nvPr/>
-        </p:nvSpPr>
-        <p:spPr>
-          <a:xfrm>
-            <a:off x="7059326" y="4217185"/>
-            <a:ext cx="1636545" cy="562680"/>
-          </a:xfrm>
-          <a:prstGeom prst="roundRect">
-            <a:avLst>
-              <a:gd name="adj" fmla="val 16667"/>
-            </a:avLst>
-          </a:prstGeom>
-          <a:solidFill>
-            <a:schemeClr val="bg1"/>
-          </a:solidFill>
-          <a:ln>
-            <a:round/>
-          </a:ln>
-        </p:spPr>
-        <p:style>
-          <a:lnRef idx="2">
-            <a:schemeClr val="accent1">
-              <a:shade val="50000"/>
-            </a:schemeClr>
-          </a:lnRef>
-          <a:fillRef idx="1">
-            <a:schemeClr val="accent1"/>
-          </a:fillRef>
-          <a:effectRef idx="0">
-            <a:schemeClr val="accent1"/>
-          </a:effectRef>
-          <a:fontRef idx="minor"/>
-        </p:style>
-        <p:txBody>
-          <a:bodyPr lIns="90000" tIns="45000" rIns="90000" bIns="45000" anchor="ctr"/>
-          <a:lstStyle/>
-          <a:p>
-            <a:pPr algn="ctr">
-              <a:lnSpc>
-                <a:spcPct val="100000"/>
-              </a:lnSpc>
-            </a:pPr>
-            <a:r>
-              <a:rPr lang="en-US" altLang="ko-KR" sz="1800" b="1" strike="noStrike" spc="-1" dirty="0" err="1">
-                <a:solidFill>
-                  <a:srgbClr val="000000"/>
-                </a:solidFill>
-                <a:uFill>
-                  <a:solidFill>
-                    <a:srgbClr val="FFFFFF"/>
-                  </a:solidFill>
-                </a:uFill>
-                <a:latin typeface="Arial"/>
-              </a:rPr>
-              <a:t>Map_set</a:t>
-            </a:r>
-            <a:endParaRPr lang="en-US" sz="1800" b="1" strike="noStrike" spc="-1" dirty="0">
-              <a:solidFill>
-                <a:srgbClr val="000000"/>
-              </a:solidFill>
-              <a:uFill>
-                <a:solidFill>
-                  <a:srgbClr val="FFFFFF"/>
-                </a:solidFill>
-              </a:uFill>
-              <a:latin typeface="Arial"/>
-            </a:endParaRPr>
-          </a:p>
-        </p:txBody>
-      </p:sp>
-      <p:sp>
-        <p:nvSpPr>
-          <p:cNvPr id="34" name="CustomShape 4">
-            <a:extLst>
-              <a:ext uri="{FF2B5EF4-FFF2-40B4-BE49-F238E27FC236}">
-                <a16:creationId xmlns:a16="http://schemas.microsoft.com/office/drawing/2014/main" id="{414387EF-25E7-491F-80EE-C195B76AF351}"/>
-              </a:ext>
-            </a:extLst>
-          </p:cNvPr>
-          <p:cNvSpPr/>
-          <p:nvPr/>
-        </p:nvSpPr>
-        <p:spPr>
-          <a:xfrm>
-            <a:off x="1094185" y="4424185"/>
-            <a:ext cx="2320953" cy="1477080"/>
-          </a:xfrm>
-          <a:prstGeom prst="roundRect">
-            <a:avLst>
-              <a:gd name="adj" fmla="val 16667"/>
-            </a:avLst>
-          </a:prstGeom>
-          <a:solidFill>
-            <a:schemeClr val="accent4">
-              <a:lumMod val="20000"/>
-              <a:lumOff val="80000"/>
-            </a:schemeClr>
-          </a:solidFill>
-          <a:ln>
-            <a:round/>
-          </a:ln>
-        </p:spPr>
-        <p:style>
-          <a:lnRef idx="2">
-            <a:schemeClr val="accent1">
-              <a:shade val="50000"/>
-            </a:schemeClr>
-          </a:lnRef>
-          <a:fillRef idx="1">
-            <a:schemeClr val="accent1"/>
-          </a:fillRef>
-          <a:effectRef idx="0">
-            <a:schemeClr val="accent1"/>
-          </a:effectRef>
-          <a:fontRef idx="minor"/>
-        </p:style>
-        <p:txBody>
-          <a:bodyPr lIns="90000" tIns="45000" rIns="90000" bIns="45000" anchor="ctr"/>
-          <a:lstStyle/>
-          <a:p>
-            <a:pPr algn="ctr">
-              <a:lnSpc>
-                <a:spcPct val="100000"/>
-              </a:lnSpc>
-            </a:pPr>
-            <a:endParaRPr lang="en-US" sz="1800" b="1" strike="noStrike" spc="-1" dirty="0">
-              <a:solidFill>
-                <a:srgbClr val="000000"/>
-              </a:solidFill>
-              <a:uFill>
-                <a:solidFill>
-                  <a:srgbClr val="FFFFFF"/>
-                </a:solidFill>
-              </a:uFill>
-              <a:latin typeface="Arial"/>
-            </a:endParaRPr>
-          </a:p>
-          <a:p>
-            <a:pPr algn="ctr">
-              <a:lnSpc>
-                <a:spcPct val="100000"/>
-              </a:lnSpc>
-            </a:pPr>
-            <a:r>
-              <a:rPr lang="en-US" altLang="ko-KR" sz="1800" b="1" strike="noStrike" spc="-1" dirty="0">
-                <a:solidFill>
-                  <a:srgbClr val="000000"/>
-                </a:solidFill>
-                <a:uFill>
-                  <a:solidFill>
-                    <a:srgbClr val="FFFFFF"/>
-                  </a:solidFill>
-                </a:uFill>
-                <a:latin typeface="Arial"/>
-              </a:rPr>
-              <a:t>User</a:t>
-            </a:r>
-            <a:r>
-              <a:rPr lang="ko-KR" altLang="en-US" sz="1800" b="1" strike="noStrike" spc="-1" dirty="0">
-                <a:solidFill>
-                  <a:srgbClr val="000000"/>
-                </a:solidFill>
-                <a:uFill>
-                  <a:solidFill>
-                    <a:srgbClr val="FFFFFF"/>
-                  </a:solidFill>
-                </a:uFill>
-                <a:latin typeface="Arial"/>
-              </a:rPr>
-              <a:t>구조체 생성</a:t>
-            </a:r>
-            <a:r>
-              <a:rPr lang="en-US" altLang="ko-KR" sz="1800" b="1" strike="noStrike" spc="-1" dirty="0">
-                <a:solidFill>
-                  <a:srgbClr val="000000"/>
-                </a:solidFill>
-                <a:uFill>
-                  <a:solidFill>
-                    <a:srgbClr val="FFFFFF"/>
-                  </a:solidFill>
-                </a:uFill>
-                <a:latin typeface="Arial"/>
-              </a:rPr>
-              <a:t>,</a:t>
-            </a:r>
-          </a:p>
-          <a:p>
-            <a:pPr algn="ctr">
-              <a:lnSpc>
-                <a:spcPct val="100000"/>
-              </a:lnSpc>
-            </a:pPr>
-            <a:r>
-              <a:rPr lang="ko-KR" altLang="en-US" sz="1800" b="1" strike="noStrike" spc="-1" dirty="0">
-                <a:solidFill>
-                  <a:srgbClr val="000000"/>
-                </a:solidFill>
-                <a:uFill>
-                  <a:solidFill>
-                    <a:srgbClr val="FFFFFF"/>
-                  </a:solidFill>
-                </a:uFill>
-                <a:latin typeface="Arial"/>
-              </a:rPr>
-              <a:t>포인터형으로 리턴</a:t>
-            </a:r>
-            <a:endParaRPr lang="en-US" sz="1800" b="1" strike="noStrike" spc="-1" dirty="0">
-              <a:solidFill>
-                <a:srgbClr val="000000"/>
-              </a:solidFill>
-              <a:uFill>
-                <a:solidFill>
-                  <a:srgbClr val="FFFFFF"/>
-                </a:solidFill>
-              </a:uFill>
-              <a:latin typeface="Arial"/>
-            </a:endParaRPr>
-          </a:p>
-        </p:txBody>
-      </p:sp>
-      <p:sp>
-        <p:nvSpPr>
-          <p:cNvPr id="35" name="CustomShape 5">
-            <a:extLst>
-              <a:ext uri="{FF2B5EF4-FFF2-40B4-BE49-F238E27FC236}">
-                <a16:creationId xmlns:a16="http://schemas.microsoft.com/office/drawing/2014/main" id="{9595BCA2-2AF9-4050-AE5B-A072D103CEF8}"/>
-              </a:ext>
-            </a:extLst>
-          </p:cNvPr>
-          <p:cNvSpPr/>
-          <p:nvPr/>
-        </p:nvSpPr>
-        <p:spPr>
-          <a:xfrm>
-            <a:off x="1451520" y="4217185"/>
-            <a:ext cx="1636545" cy="562680"/>
-          </a:xfrm>
-          <a:prstGeom prst="roundRect">
-            <a:avLst>
-              <a:gd name="adj" fmla="val 16667"/>
-            </a:avLst>
-          </a:prstGeom>
-          <a:solidFill>
-            <a:schemeClr val="bg1"/>
-          </a:solidFill>
-          <a:ln>
-            <a:round/>
-          </a:ln>
-        </p:spPr>
-        <p:style>
-          <a:lnRef idx="2">
-            <a:schemeClr val="accent1">
-              <a:shade val="50000"/>
-            </a:schemeClr>
-          </a:lnRef>
-          <a:fillRef idx="1">
-            <a:schemeClr val="accent1"/>
-          </a:fillRef>
-          <a:effectRef idx="0">
-            <a:schemeClr val="accent1"/>
-          </a:effectRef>
-          <a:fontRef idx="minor"/>
-        </p:style>
-        <p:txBody>
-          <a:bodyPr lIns="90000" tIns="45000" rIns="90000" bIns="45000" anchor="ctr"/>
-          <a:lstStyle/>
-          <a:p>
-            <a:pPr algn="ctr">
-              <a:lnSpc>
-                <a:spcPct val="100000"/>
-              </a:lnSpc>
-            </a:pPr>
-            <a:r>
-              <a:rPr lang="en-US" altLang="ko-KR" sz="1800" b="1" strike="noStrike" spc="-1" dirty="0" err="1">
-                <a:solidFill>
-                  <a:srgbClr val="000000"/>
-                </a:solidFill>
-                <a:uFill>
-                  <a:solidFill>
-                    <a:srgbClr val="FFFFFF"/>
-                  </a:solidFill>
-                </a:uFill>
-                <a:latin typeface="Arial"/>
-              </a:rPr>
-              <a:t>Creat_user</a:t>
-            </a:r>
-            <a:endParaRPr lang="en-US" sz="1800" b="1" strike="noStrike" spc="-1" dirty="0">
-              <a:solidFill>
-                <a:srgbClr val="000000"/>
-              </a:solidFill>
-              <a:uFill>
-                <a:solidFill>
-                  <a:srgbClr val="FFFFFF"/>
-                </a:solidFill>
-              </a:uFill>
-              <a:latin typeface="Arial"/>
-            </a:endParaRPr>
-          </a:p>
-        </p:txBody>
-      </p:sp>
-      <p:sp>
-        <p:nvSpPr>
-          <p:cNvPr id="36" name="CustomShape 4">
-            <a:extLst>
-              <a:ext uri="{FF2B5EF4-FFF2-40B4-BE49-F238E27FC236}">
-                <a16:creationId xmlns:a16="http://schemas.microsoft.com/office/drawing/2014/main" id="{3CC6F081-472B-44CB-B127-30D8C877350C}"/>
-              </a:ext>
-            </a:extLst>
-          </p:cNvPr>
-          <p:cNvSpPr/>
-          <p:nvPr/>
-        </p:nvSpPr>
-        <p:spPr>
-          <a:xfrm>
-            <a:off x="3898088" y="4424185"/>
-            <a:ext cx="2320953" cy="1477080"/>
-          </a:xfrm>
-          <a:prstGeom prst="roundRect">
-            <a:avLst>
-              <a:gd name="adj" fmla="val 16667"/>
-            </a:avLst>
-          </a:prstGeom>
-          <a:solidFill>
-            <a:schemeClr val="accent4">
-              <a:lumMod val="20000"/>
-              <a:lumOff val="80000"/>
-            </a:schemeClr>
-          </a:solidFill>
-          <a:ln>
-            <a:round/>
-          </a:ln>
-        </p:spPr>
-        <p:style>
-          <a:lnRef idx="2">
-            <a:schemeClr val="accent1">
-              <a:shade val="50000"/>
-            </a:schemeClr>
-          </a:lnRef>
-          <a:fillRef idx="1">
-            <a:schemeClr val="accent1"/>
-          </a:fillRef>
-          <a:effectRef idx="0">
-            <a:schemeClr val="accent1"/>
-          </a:effectRef>
-          <a:fontRef idx="minor"/>
-        </p:style>
-        <p:txBody>
-          <a:bodyPr lIns="90000" tIns="45000" rIns="90000" bIns="45000" anchor="ctr"/>
-          <a:lstStyle/>
-          <a:p>
-            <a:pPr algn="ctr">
-              <a:lnSpc>
-                <a:spcPct val="100000"/>
-              </a:lnSpc>
-            </a:pPr>
-            <a:endParaRPr lang="en-US" sz="1800" b="1" strike="noStrike" spc="-1" dirty="0">
-              <a:solidFill>
-                <a:srgbClr val="000000"/>
-              </a:solidFill>
-              <a:uFill>
-                <a:solidFill>
-                  <a:srgbClr val="FFFFFF"/>
-                </a:solidFill>
-              </a:uFill>
-              <a:latin typeface="Arial"/>
-            </a:endParaRPr>
-          </a:p>
-          <a:p>
-            <a:pPr algn="ctr">
-              <a:lnSpc>
-                <a:spcPct val="100000"/>
-              </a:lnSpc>
-            </a:pPr>
-            <a:r>
-              <a:rPr lang="en-US" altLang="ko-KR" sz="1800" b="1" strike="noStrike" spc="-1" dirty="0">
-                <a:solidFill>
-                  <a:srgbClr val="000000"/>
-                </a:solidFill>
-                <a:uFill>
-                  <a:solidFill>
-                    <a:srgbClr val="FFFFFF"/>
-                  </a:solidFill>
-                </a:uFill>
-                <a:latin typeface="Arial"/>
-              </a:rPr>
-              <a:t>User </a:t>
-            </a:r>
-            <a:r>
-              <a:rPr lang="ko-KR" altLang="en-US" sz="1800" b="1" strike="noStrike" spc="-1" dirty="0">
-                <a:solidFill>
-                  <a:srgbClr val="000000"/>
-                </a:solidFill>
-                <a:uFill>
-                  <a:solidFill>
-                    <a:srgbClr val="FFFFFF"/>
-                  </a:solidFill>
-                </a:uFill>
-                <a:latin typeface="Arial"/>
-              </a:rPr>
-              <a:t>캐릭터 쓰레드</a:t>
-            </a:r>
-            <a:endParaRPr lang="en-US" sz="1800" b="1" strike="noStrike" spc="-1" dirty="0">
-              <a:solidFill>
-                <a:srgbClr val="000000"/>
-              </a:solidFill>
-              <a:uFill>
-                <a:solidFill>
-                  <a:srgbClr val="FFFFFF"/>
-                </a:solidFill>
-              </a:uFill>
-              <a:latin typeface="Arial"/>
-            </a:endParaRPr>
-          </a:p>
-        </p:txBody>
-      </p:sp>
-      <p:sp>
-        <p:nvSpPr>
-          <p:cNvPr id="37" name="CustomShape 5">
-            <a:extLst>
-              <a:ext uri="{FF2B5EF4-FFF2-40B4-BE49-F238E27FC236}">
-                <a16:creationId xmlns:a16="http://schemas.microsoft.com/office/drawing/2014/main" id="{01DDBE04-9566-4E0B-8CEB-084504CE8F91}"/>
-              </a:ext>
-            </a:extLst>
-          </p:cNvPr>
-          <p:cNvSpPr/>
-          <p:nvPr/>
-        </p:nvSpPr>
-        <p:spPr>
-          <a:xfrm>
-            <a:off x="4255423" y="4217185"/>
-            <a:ext cx="1636545" cy="562680"/>
-          </a:xfrm>
-          <a:prstGeom prst="roundRect">
-            <a:avLst>
-              <a:gd name="adj" fmla="val 16667"/>
-            </a:avLst>
-          </a:prstGeom>
-          <a:solidFill>
-            <a:schemeClr val="bg1"/>
-          </a:solidFill>
-          <a:ln>
-            <a:round/>
-          </a:ln>
-        </p:spPr>
-        <p:style>
-          <a:lnRef idx="2">
-            <a:schemeClr val="accent1">
-              <a:shade val="50000"/>
-            </a:schemeClr>
-          </a:lnRef>
-          <a:fillRef idx="1">
-            <a:schemeClr val="accent1"/>
-          </a:fillRef>
-          <a:effectRef idx="0">
-            <a:schemeClr val="accent1"/>
-          </a:effectRef>
-          <a:fontRef idx="minor"/>
-        </p:style>
-        <p:txBody>
-          <a:bodyPr lIns="90000" tIns="45000" rIns="90000" bIns="45000" anchor="ctr"/>
-          <a:lstStyle/>
-          <a:p>
-            <a:pPr algn="ctr">
-              <a:lnSpc>
-                <a:spcPct val="100000"/>
-              </a:lnSpc>
-            </a:pPr>
-            <a:r>
-              <a:rPr lang="ko-KR" altLang="en-US" sz="1800" b="1" strike="noStrike" spc="-1" dirty="0">
-                <a:solidFill>
-                  <a:srgbClr val="000000"/>
-                </a:solidFill>
-                <a:uFill>
-                  <a:solidFill>
-                    <a:srgbClr val="FFFFFF"/>
-                  </a:solidFill>
-                </a:uFill>
-                <a:latin typeface="Arial"/>
-              </a:rPr>
-              <a:t>*</a:t>
-            </a:r>
-            <a:r>
-              <a:rPr lang="en-US" altLang="ko-KR" sz="1800" b="1" strike="noStrike" spc="-1" dirty="0" err="1">
-                <a:solidFill>
-                  <a:srgbClr val="000000"/>
-                </a:solidFill>
-                <a:uFill>
-                  <a:solidFill>
-                    <a:srgbClr val="FFFFFF"/>
-                  </a:solidFill>
-                </a:uFill>
-                <a:latin typeface="Arial"/>
-              </a:rPr>
-              <a:t>user_thread</a:t>
-            </a:r>
-            <a:endParaRPr lang="en-US" sz="1800" b="1" strike="noStrike" spc="-1" dirty="0">
-              <a:solidFill>
-                <a:srgbClr val="000000"/>
-              </a:solidFill>
-              <a:uFill>
-                <a:solidFill>
-                  <a:srgbClr val="FFFFFF"/>
-                </a:solidFill>
-              </a:uFill>
-              <a:latin typeface="Arial"/>
-            </a:endParaRPr>
-          </a:p>
-        </p:txBody>
-      </p:sp>
-      <p:sp>
-        <p:nvSpPr>
-          <p:cNvPr id="17" name="CustomShape 4">
-            <a:extLst>
-              <a:ext uri="{FF2B5EF4-FFF2-40B4-BE49-F238E27FC236}">
-                <a16:creationId xmlns:a16="http://schemas.microsoft.com/office/drawing/2014/main" id="{AF3D91EF-9DE1-4A03-A941-551E6ACD777D}"/>
-              </a:ext>
-            </a:extLst>
-          </p:cNvPr>
-          <p:cNvSpPr/>
-          <p:nvPr/>
-        </p:nvSpPr>
-        <p:spPr>
-          <a:xfrm>
-            <a:off x="9505894" y="2460856"/>
-            <a:ext cx="2320953" cy="1477080"/>
-          </a:xfrm>
-          <a:prstGeom prst="roundRect">
-            <a:avLst>
-              <a:gd name="adj" fmla="val 16667"/>
-            </a:avLst>
-          </a:prstGeom>
-          <a:solidFill>
-            <a:schemeClr val="accent4">
-              <a:lumMod val="20000"/>
-              <a:lumOff val="80000"/>
-            </a:schemeClr>
-          </a:solidFill>
-          <a:ln>
-            <a:round/>
-          </a:ln>
-        </p:spPr>
-        <p:style>
-          <a:lnRef idx="2">
-            <a:schemeClr val="accent1">
-              <a:shade val="50000"/>
-            </a:schemeClr>
-          </a:lnRef>
-          <a:fillRef idx="1">
-            <a:schemeClr val="accent1"/>
-          </a:fillRef>
-          <a:effectRef idx="0">
-            <a:schemeClr val="accent1"/>
-          </a:effectRef>
-          <a:fontRef idx="minor"/>
-        </p:style>
-        <p:txBody>
-          <a:bodyPr lIns="90000" tIns="45000" rIns="90000" bIns="45000" anchor="ctr"/>
-          <a:lstStyle/>
-          <a:p>
-            <a:pPr algn="ctr">
-              <a:lnSpc>
-                <a:spcPct val="100000"/>
-              </a:lnSpc>
-            </a:pPr>
-            <a:r>
-              <a:rPr lang="ko-KR" altLang="en-US" sz="1800" b="1" strike="noStrike" spc="-1" dirty="0">
-                <a:solidFill>
-                  <a:srgbClr val="000000"/>
-                </a:solidFill>
-                <a:uFill>
-                  <a:solidFill>
-                    <a:srgbClr val="FFFFFF"/>
-                  </a:solidFill>
-                </a:uFill>
-                <a:latin typeface="Arial"/>
-              </a:rPr>
-              <a:t>맵 출력</a:t>
-            </a:r>
-            <a:endParaRPr lang="en-US" sz="1800" b="1" strike="noStrike" spc="-1" dirty="0">
-              <a:solidFill>
-                <a:srgbClr val="000000"/>
-              </a:solidFill>
-              <a:uFill>
-                <a:solidFill>
-                  <a:srgbClr val="FFFFFF"/>
-                </a:solidFill>
-              </a:uFill>
-              <a:latin typeface="Arial"/>
-            </a:endParaRPr>
-          </a:p>
-        </p:txBody>
-      </p:sp>
-      <p:sp>
-        <p:nvSpPr>
-          <p:cNvPr id="18" name="CustomShape 5">
-            <a:extLst>
-              <a:ext uri="{FF2B5EF4-FFF2-40B4-BE49-F238E27FC236}">
-                <a16:creationId xmlns:a16="http://schemas.microsoft.com/office/drawing/2014/main" id="{B63AEB41-C0B5-499B-8C85-31FA143481B3}"/>
-              </a:ext>
-            </a:extLst>
-          </p:cNvPr>
-          <p:cNvSpPr/>
-          <p:nvPr/>
-        </p:nvSpPr>
-        <p:spPr>
-          <a:xfrm>
-            <a:off x="9863229" y="2253856"/>
-            <a:ext cx="1636545" cy="562680"/>
-          </a:xfrm>
-          <a:prstGeom prst="roundRect">
-            <a:avLst>
-              <a:gd name="adj" fmla="val 16667"/>
-            </a:avLst>
-          </a:prstGeom>
-          <a:solidFill>
-            <a:schemeClr val="bg1"/>
-          </a:solidFill>
-          <a:ln>
-            <a:round/>
-          </a:ln>
-        </p:spPr>
-        <p:style>
-          <a:lnRef idx="2">
-            <a:schemeClr val="accent1">
-              <a:shade val="50000"/>
-            </a:schemeClr>
-          </a:lnRef>
-          <a:fillRef idx="1">
-            <a:schemeClr val="accent1"/>
-          </a:fillRef>
-          <a:effectRef idx="0">
-            <a:schemeClr val="accent1"/>
-          </a:effectRef>
-          <a:fontRef idx="minor"/>
-        </p:style>
-        <p:txBody>
-          <a:bodyPr lIns="90000" tIns="45000" rIns="90000" bIns="45000" anchor="ctr"/>
-          <a:lstStyle/>
-          <a:p>
-            <a:pPr algn="ctr">
-              <a:lnSpc>
-                <a:spcPct val="100000"/>
-              </a:lnSpc>
-            </a:pPr>
-            <a:r>
-              <a:rPr lang="en-US" altLang="ko-KR" sz="1800" b="1" strike="noStrike" spc="-1" dirty="0" err="1">
-                <a:solidFill>
-                  <a:srgbClr val="000000"/>
-                </a:solidFill>
-                <a:uFill>
-                  <a:solidFill>
-                    <a:srgbClr val="FFFFFF"/>
-                  </a:solidFill>
-                </a:uFill>
-                <a:latin typeface="Arial"/>
-              </a:rPr>
-              <a:t>Map_print</a:t>
-            </a:r>
-            <a:endParaRPr lang="en-US" sz="1800" b="1" strike="noStrike" spc="-1" dirty="0">
-              <a:solidFill>
-                <a:srgbClr val="000000"/>
-              </a:solidFill>
-              <a:uFill>
-                <a:solidFill>
-                  <a:srgbClr val="FFFFFF"/>
-                </a:solidFill>
-              </a:uFill>
-              <a:latin typeface="Arial"/>
-            </a:endParaRPr>
-          </a:p>
-        </p:txBody>
       </p:sp>
     </p:spTree>
-    <p:extLst>
-      <p:ext uri="{BB962C8B-B14F-4D97-AF65-F5344CB8AC3E}">
-        <p14:creationId xmlns:p14="http://schemas.microsoft.com/office/powerpoint/2010/main" val="1552896790"/>
-      </p:ext>
-    </p:extLst>
   </p:cSld>
   <p:clrMapOvr>
     <a:masterClrMapping/>
@@ -9870,7 +8423,7 @@
               <a:t>– </a:t>
             </a:r>
             <a:r>
-              <a:rPr lang="ko-KR" altLang="en-US" sz="3200" b="1" strike="noStrike" cap="all" spc="-1" dirty="0" err="1">
+              <a:rPr lang="ko-KR" altLang="en-US" sz="3200" b="1" strike="noStrike" cap="all" spc="-1" dirty="0">
                 <a:solidFill>
                   <a:srgbClr val="000000"/>
                 </a:solidFill>
@@ -9881,7 +8434,7 @@
                 </a:uFill>
                 <a:latin typeface="Gill Sans MT"/>
               </a:rPr>
-              <a:t>송효준</a:t>
+              <a:t>박정민</a:t>
             </a:r>
             <a:endParaRPr lang="en-US" sz="1800" b="0" strike="noStrike" spc="-1" dirty="0">
               <a:solidFill>
@@ -9929,7 +8482,7 @@
         </p:nvSpPr>
         <p:spPr>
           <a:xfrm>
-            <a:off x="1428693" y="2315102"/>
+            <a:off x="1094185" y="2447900"/>
             <a:ext cx="2320953" cy="1477080"/>
           </a:xfrm>
           <a:prstGeom prst="roundRect">
@@ -9938,7 +8491,10 @@
             </a:avLst>
           </a:prstGeom>
           <a:solidFill>
-            <a:srgbClr val="66FF66"/>
+            <a:schemeClr val="accent4">
+              <a:lumMod val="20000"/>
+              <a:lumOff val="80000"/>
+            </a:schemeClr>
           </a:solidFill>
           <a:ln>
             <a:round/>
@@ -9997,9 +8553,23 @@
                 </a:uFill>
                 <a:latin typeface="Arial"/>
               </a:rPr>
-              <a:t>위치 반전 아이템</a:t>
-            </a:r>
-            <a:endParaRPr lang="en-US" altLang="ko-KR" sz="1800" b="1" strike="noStrike" spc="-1" dirty="0">
+              <a:t>키보드 </a:t>
+            </a:r>
+            <a:r>
+              <a:rPr lang="ko-KR" altLang="en-US" sz="1800" b="1" strike="noStrike" spc="-1" dirty="0" err="1">
+                <a:solidFill>
+                  <a:srgbClr val="000000"/>
+                </a:solidFill>
+                <a:uFill>
+                  <a:solidFill>
+                    <a:srgbClr val="FFFFFF"/>
+                  </a:solidFill>
+                </a:uFill>
+                <a:latin typeface="Arial"/>
+              </a:rPr>
+              <a:t>입력시</a:t>
+            </a:r>
+            <a:endParaRPr lang="en-US" altLang="ko-KR" b="1" spc="-1" dirty="0">
               <a:solidFill>
                 <a:srgbClr val="000000"/>
               </a:solidFill>
@@ -10018,7 +8588,7 @@
               </a:lnSpc>
             </a:pPr>
             <a:r>
-              <a:rPr lang="en-US" altLang="ko-KR" sz="1800" b="1" strike="noStrike" spc="-1" dirty="0">
+              <a:rPr lang="ko-KR" altLang="en-US" sz="1800" b="1" strike="noStrike" spc="-1" dirty="0">
                 <a:solidFill>
                   <a:srgbClr val="000000"/>
                 </a:solidFill>
@@ -10029,35 +8599,7 @@
                 </a:uFill>
                 <a:latin typeface="Arial"/>
               </a:rPr>
-              <a:t>(</a:t>
-            </a:r>
-            <a:r>
-              <a:rPr lang="ko-KR" altLang="en-US" sz="1800" b="1" strike="noStrike" spc="-1" dirty="0">
-                <a:solidFill>
-                  <a:srgbClr val="000000"/>
-                </a:solidFill>
-                <a:uFill>
-                  <a:solidFill>
-                    <a:srgbClr val="FFFFFF"/>
-                  </a:solidFill>
-                </a:uFill>
-                <a:latin typeface="Arial"/>
-              </a:rPr>
-              <a:t>ⓢ</a:t>
-            </a:r>
-            <a:r>
-              <a:rPr lang="en-US" altLang="ko-KR" sz="1800" b="1" strike="noStrike" spc="-1" dirty="0">
-                <a:solidFill>
-                  <a:srgbClr val="000000"/>
-                </a:solidFill>
-                <a:uFill>
-                  <a:solidFill>
-                    <a:srgbClr val="FFFFFF"/>
-                  </a:solidFill>
-                </a:uFill>
-                <a:latin typeface="Arial"/>
-              </a:rPr>
-              <a:t>)</a:t>
+              <a:t>바로 인식하는 함수</a:t>
             </a:r>
             <a:endParaRPr lang="en-US" sz="1800" b="1" strike="noStrike" spc="-1" dirty="0">
               <a:solidFill>
@@ -10087,7 +8629,7 @@
         </p:nvSpPr>
         <p:spPr>
           <a:xfrm>
-            <a:off x="1786028" y="2108102"/>
+            <a:off x="1451520" y="2240900"/>
             <a:ext cx="1636545" cy="562680"/>
           </a:xfrm>
           <a:prstGeom prst="roundRect">
@@ -10137,7 +8679,35 @@
                 </a:uFill>
                 <a:latin typeface="Arial"/>
               </a:rPr>
-              <a:t>Item_switch</a:t>
+              <a:t>Int</a:t>
+            </a:r>
+            <a:r>
+              <a:rPr lang="en-US" altLang="ko-KR" sz="1800" b="1" strike="noStrike" spc="-1" dirty="0">
+                <a:solidFill>
+                  <a:srgbClr val="000000"/>
+                </a:solidFill>
+                <a:uFill>
+                  <a:solidFill>
+                    <a:srgbClr val="FFFFFF"/>
+                  </a:solidFill>
+                </a:uFill>
+                <a:latin typeface="Arial"/>
+              </a:rPr>
+              <a:t> </a:t>
+            </a:r>
+            <a:r>
+              <a:rPr lang="en-US" altLang="ko-KR" sz="1800" b="1" strike="noStrike" spc="-1" dirty="0" err="1">
+                <a:solidFill>
+                  <a:srgbClr val="000000"/>
+                </a:solidFill>
+                <a:uFill>
+                  <a:solidFill>
+                    <a:srgbClr val="FFFFFF"/>
+                  </a:solidFill>
+                </a:uFill>
+                <a:latin typeface="Arial"/>
+              </a:rPr>
+              <a:t>getch</a:t>
             </a:r>
             <a:endParaRPr lang="en-US" sz="1800" b="1" strike="noStrike" spc="-1" dirty="0">
               <a:solidFill>
@@ -10167,7 +8737,7 @@
         </p:nvSpPr>
         <p:spPr>
           <a:xfrm>
-            <a:off x="4118924" y="2304529"/>
+            <a:off x="3898088" y="2447900"/>
             <a:ext cx="2320953" cy="1477080"/>
           </a:xfrm>
           <a:prstGeom prst="roundRect">
@@ -10176,7 +8746,10 @@
             </a:avLst>
           </a:prstGeom>
           <a:solidFill>
-            <a:srgbClr val="66FF66"/>
+            <a:schemeClr val="accent4">
+              <a:lumMod val="20000"/>
+              <a:lumOff val="80000"/>
+            </a:schemeClr>
           </a:solidFill>
           <a:ln>
             <a:round/>
@@ -10205,7 +8778,7 @@
                 <a:spcPct val="100000"/>
               </a:lnSpc>
             </a:pPr>
-            <a:endParaRPr lang="en-US" sz="1600" b="1" strike="noStrike" spc="-1" dirty="0">
+            <a:endParaRPr lang="en-US" sz="1800" b="1" strike="noStrike" spc="-1" dirty="0">
               <a:solidFill>
                 <a:srgbClr val="000000"/>
               </a:solidFill>
@@ -10224,7 +8797,7 @@
               </a:lnSpc>
             </a:pPr>
             <a:r>
-              <a:rPr lang="en-US" altLang="ko-KR" sz="1600" b="1" strike="noStrike" spc="-1" dirty="0">
+              <a:rPr lang="ko-KR" altLang="en-US" sz="1800" b="1" strike="noStrike" spc="-1" dirty="0">
                 <a:solidFill>
                   <a:srgbClr val="000000"/>
                 </a:solidFill>
@@ -10235,10 +8808,10 @@
                 </a:uFill>
                 <a:latin typeface="Arial"/>
               </a:rPr>
-              <a:t>Queue </a:t>
-            </a:r>
-            <a:r>
-              <a:rPr lang="ko-KR" altLang="en-US" sz="1600" b="1" strike="noStrike" spc="-1" dirty="0">
+              <a:t>맵 전부를 </a:t>
+            </a:r>
+            <a:r>
+              <a:rPr lang="en-US" altLang="ko-KR" sz="1800" b="1" strike="noStrike" spc="-1" dirty="0">
                 <a:solidFill>
                   <a:srgbClr val="000000"/>
                 </a:solidFill>
@@ -10249,10 +8822,10 @@
                 </a:uFill>
                 <a:latin typeface="Arial"/>
               </a:rPr>
-              <a:t>구조체를 생성</a:t>
-            </a:r>
-            <a:r>
-              <a:rPr lang="en-US" altLang="ko-KR" sz="1600" b="1" strike="noStrike" spc="-1" dirty="0">
+              <a:t>0</a:t>
+            </a:r>
+            <a:r>
+              <a:rPr lang="ko-KR" altLang="en-US" sz="1800" b="1" strike="noStrike" spc="-1" dirty="0">
                 <a:solidFill>
                   <a:srgbClr val="000000"/>
                 </a:solidFill>
@@ -10263,10 +8836,28 @@
                 </a:uFill>
                 <a:latin typeface="Arial"/>
               </a:rPr>
-              <a:t>, </a:t>
-            </a:r>
-            <a:r>
-              <a:rPr lang="ko-KR" altLang="en-US" sz="1600" b="1" strike="noStrike" spc="-1" dirty="0">
+              <a:t>으로</a:t>
+            </a:r>
+            <a:endParaRPr lang="en-US" altLang="ko-KR" sz="1800" b="1" strike="noStrike" spc="-1" dirty="0">
+              <a:solidFill>
+                <a:srgbClr val="000000"/>
+              </a:solidFill>
+              <a:uFill>
+                <a:solidFill>
+                  <a:srgbClr val="FFFFFF"/>
+                </a:solidFill>
+              </a:uFill>
+              <a:latin typeface="Arial"/>
+            </a:endParaRPr>
+          </a:p>
+          <a:p>
+            <a:pPr algn="ctr">
+              <a:lnSpc>
+                <a:spcPct val="100000"/>
+              </a:lnSpc>
+            </a:pPr>
+            <a:r>
+              <a:rPr lang="ko-KR" altLang="en-US" sz="1800" b="1" strike="noStrike" spc="-1" dirty="0">
                 <a:solidFill>
                   <a:srgbClr val="000000"/>
                 </a:solidFill>
@@ -10277,9 +8868,9 @@
                 </a:uFill>
                 <a:latin typeface="Arial"/>
               </a:rPr>
-              <a:t>포인터 형으로 리턴</a:t>
-            </a:r>
-            <a:endParaRPr lang="en-US" sz="1600" b="1" strike="noStrike" spc="-1" dirty="0">
+              <a:t>초기화 하는 함수</a:t>
+            </a:r>
+            <a:endParaRPr lang="en-US" sz="1800" b="1" strike="noStrike" spc="-1" dirty="0">
               <a:solidFill>
                 <a:srgbClr val="000000"/>
               </a:solidFill>
@@ -10307,8 +8898,8 @@
         </p:nvSpPr>
         <p:spPr>
           <a:xfrm>
-            <a:off x="4445997" y="2097529"/>
-            <a:ext cx="1666217" cy="562680"/>
+            <a:off x="4255423" y="2240900"/>
+            <a:ext cx="1636545" cy="562680"/>
           </a:xfrm>
           <a:prstGeom prst="roundRect">
             <a:avLst>
@@ -10346,7 +8937,7 @@
               </a:lnSpc>
             </a:pPr>
             <a:r>
-              <a:rPr lang="en-US" altLang="ko-KR" sz="1700" b="1" strike="noStrike" spc="-1" dirty="0" err="1">
+              <a:rPr lang="en-US" altLang="ko-KR" sz="1800" b="1" strike="noStrike" spc="-1" dirty="0" err="1">
                 <a:solidFill>
                   <a:srgbClr val="000000"/>
                 </a:solidFill>
@@ -10357,9 +8948,9 @@
                 </a:uFill>
                 <a:latin typeface="Arial"/>
               </a:rPr>
-              <a:t>Create_queue</a:t>
-            </a:r>
-            <a:endParaRPr lang="en-US" sz="1700" b="1" strike="noStrike" spc="-1" dirty="0">
+              <a:t>Map_clear</a:t>
+            </a:r>
+            <a:endParaRPr lang="en-US" sz="1800" b="1" strike="noStrike" spc="-1" dirty="0">
               <a:solidFill>
                 <a:srgbClr val="000000"/>
               </a:solidFill>
@@ -10387,7 +8978,7 @@
         </p:nvSpPr>
         <p:spPr>
           <a:xfrm>
-            <a:off x="6761041" y="2315102"/>
+            <a:off x="6732253" y="2447900"/>
             <a:ext cx="2320953" cy="1477080"/>
           </a:xfrm>
           <a:prstGeom prst="roundRect">
@@ -10396,7 +8987,10 @@
             </a:avLst>
           </a:prstGeom>
           <a:solidFill>
-            <a:srgbClr val="66FF66"/>
+            <a:schemeClr val="accent4">
+              <a:lumMod val="20000"/>
+              <a:lumOff val="80000"/>
+            </a:schemeClr>
           </a:solidFill>
           <a:ln>
             <a:round/>
@@ -10444,6 +9038,34 @@
               </a:lnSpc>
             </a:pPr>
             <a:r>
+              <a:rPr lang="ko-KR" altLang="en-US" sz="1700" b="1" strike="noStrike" spc="-1" dirty="0">
+                <a:solidFill>
+                  <a:srgbClr val="000000"/>
+                </a:solidFill>
+                <a:uFill>
+                  <a:solidFill>
+                    <a:srgbClr val="FFFFFF"/>
+                  </a:solidFill>
+                </a:uFill>
+                <a:latin typeface="Arial"/>
+              </a:rPr>
+              <a:t>도착 지점 위치 변경</a:t>
+            </a:r>
+            <a:r>
+              <a:rPr lang="en-US" altLang="ko-KR" sz="1800" b="1" strike="noStrike" spc="-1" dirty="0">
+                <a:solidFill>
+                  <a:srgbClr val="000000"/>
+                </a:solidFill>
+                <a:uFill>
+                  <a:solidFill>
+                    <a:srgbClr val="FFFFFF"/>
+                  </a:solidFill>
+                </a:uFill>
+                <a:latin typeface="Arial"/>
+              </a:rPr>
+              <a:t>(</a:t>
+            </a:r>
+            <a:r>
               <a:rPr lang="ko-KR" altLang="en-US" sz="1800" b="1" strike="noStrike" spc="-1" dirty="0">
                 <a:solidFill>
                   <a:srgbClr val="000000"/>
@@ -10455,10 +9077,10 @@
                 </a:uFill>
                 <a:latin typeface="Arial"/>
               </a:rPr>
-              <a:t>아이템 </a:t>
-            </a:r>
-            <a:r>
-              <a:rPr lang="ko-KR" altLang="en-US" sz="1800" b="1" strike="noStrike" spc="-1" dirty="0" err="1">
+              <a:t>랜덤 초기화</a:t>
+            </a:r>
+            <a:r>
+              <a:rPr lang="en-US" altLang="ko-KR" sz="1800" b="1" strike="noStrike" spc="-1" dirty="0">
                 <a:solidFill>
                   <a:srgbClr val="000000"/>
                 </a:solidFill>
@@ -10469,67 +9091,7 @@
                 </a:uFill>
                 <a:latin typeface="Arial"/>
               </a:rPr>
-              <a:t>획득시</a:t>
-            </a:r>
-            <a:r>
-              <a:rPr lang="ko-KR" altLang="en-US" sz="1800" b="1" strike="noStrike" spc="-1" dirty="0">
-                <a:solidFill>
-                  <a:srgbClr val="000000"/>
-                </a:solidFill>
-                <a:uFill>
-                  <a:solidFill>
-                    <a:srgbClr val="FFFFFF"/>
-                  </a:solidFill>
-                </a:uFill>
-                <a:latin typeface="Arial"/>
-              </a:rPr>
-              <a:t> </a:t>
-            </a:r>
-            <a:endParaRPr lang="en-US" altLang="ko-KR" sz="1800" b="1" strike="noStrike" spc="-1" dirty="0">
-              <a:solidFill>
-                <a:srgbClr val="000000"/>
-              </a:solidFill>
-              <a:uFill>
-                <a:solidFill>
-                  <a:srgbClr val="FFFFFF"/>
-                </a:solidFill>
-              </a:uFill>
-              <a:latin typeface="Arial"/>
-            </a:endParaRPr>
-          </a:p>
-          <a:p>
-            <a:pPr algn="ctr">
-              <a:lnSpc>
-                <a:spcPct val="100000"/>
-              </a:lnSpc>
-            </a:pPr>
-            <a:r>
-              <a:rPr lang="ko-KR" altLang="en-US" sz="1800" b="1" strike="noStrike" spc="-1" dirty="0">
-                <a:solidFill>
-                  <a:srgbClr val="000000"/>
-                </a:solidFill>
-                <a:uFill>
-                  <a:solidFill>
-                    <a:srgbClr val="FFFFFF"/>
-                  </a:solidFill>
-                </a:uFill>
-                <a:latin typeface="Arial"/>
-              </a:rPr>
-              <a:t>큐에 삽입</a:t>
-            </a:r>
-            <a:r>
-              <a:rPr lang="en-US" altLang="ko-KR" sz="1800" b="1" strike="noStrike" spc="-1" dirty="0">
-                <a:solidFill>
-                  <a:srgbClr val="000000"/>
-                </a:solidFill>
-                <a:uFill>
-                  <a:solidFill>
-                    <a:srgbClr val="FFFFFF"/>
-                  </a:solidFill>
-                </a:uFill>
-                <a:latin typeface="Arial"/>
-              </a:rPr>
-              <a:t>.</a:t>
+              <a:t>)</a:t>
             </a:r>
             <a:endParaRPr lang="en-US" sz="1800" b="1" strike="noStrike" spc="-1" dirty="0">
               <a:solidFill>
@@ -10559,7 +9121,7 @@
         </p:nvSpPr>
         <p:spPr>
           <a:xfrm>
-            <a:off x="7118376" y="2108102"/>
+            <a:off x="7089588" y="2240900"/>
             <a:ext cx="1636545" cy="562680"/>
           </a:xfrm>
           <a:prstGeom prst="roundRect">
@@ -10598,7 +9160,7 @@
               </a:lnSpc>
             </a:pPr>
             <a:r>
-              <a:rPr lang="en-US" altLang="ko-KR" sz="1800" b="1" strike="noStrike" spc="-1" dirty="0">
+              <a:rPr lang="en-US" altLang="ko-KR" sz="1800" b="1" strike="noStrike" spc="-1" dirty="0" err="1">
                 <a:solidFill>
                   <a:srgbClr val="000000"/>
                 </a:solidFill>
@@ -10609,7 +9171,7 @@
                 </a:uFill>
                 <a:latin typeface="Arial"/>
               </a:rPr>
-              <a:t>Enqueue</a:t>
+              <a:t>Goal_set</a:t>
             </a:r>
             <a:endParaRPr lang="en-US" sz="1800" b="1" strike="noStrike" spc="-1" dirty="0">
               <a:solidFill>
@@ -10627,10 +9189,10 @@
       </p:sp>
       <p:sp>
         <p:nvSpPr>
-          <p:cNvPr id="32" name="CustomShape 4">
+          <p:cNvPr id="30" name="CustomShape 4">
             <a:extLst>
               <a:ext uri="{FF2B5EF4-FFF2-40B4-BE49-F238E27FC236}">
-                <a16:creationId xmlns:a16="http://schemas.microsoft.com/office/drawing/2014/main" id="{C46E3966-5E00-4B49-9E24-15C5F7D7E8CE}"/>
+                <a16:creationId xmlns:a16="http://schemas.microsoft.com/office/drawing/2014/main" id="{C3B404CF-E06C-4B75-909A-DE2412847E73}"/>
               </a:ext>
             </a:extLst>
           </p:cNvPr>
@@ -10639,7 +9201,7 @@
         </p:nvSpPr>
         <p:spPr>
           <a:xfrm>
-            <a:off x="8084224" y="4333533"/>
+            <a:off x="9505894" y="4424185"/>
             <a:ext cx="2320953" cy="1477080"/>
           </a:xfrm>
           <a:prstGeom prst="roundRect">
@@ -10648,7 +9210,10 @@
             </a:avLst>
           </a:prstGeom>
           <a:solidFill>
-            <a:srgbClr val="66FF66"/>
+            <a:schemeClr val="accent4">
+              <a:lumMod val="20000"/>
+              <a:lumOff val="80000"/>
+            </a:schemeClr>
           </a:solidFill>
           <a:ln>
             <a:round/>
@@ -10677,21 +9242,7 @@
                 <a:spcPct val="100000"/>
               </a:lnSpc>
             </a:pPr>
-            <a:r>
-              <a:rPr lang="ko-KR" altLang="en-US" b="1" spc="-1" dirty="0">
-                <a:solidFill>
-                  <a:srgbClr val="000000"/>
-                </a:solidFill>
-                <a:uFill>
-                  <a:solidFill>
-                    <a:srgbClr val="FFFFFF"/>
-                  </a:solidFill>
-                </a:uFill>
-                <a:latin typeface="Arial"/>
-              </a:rPr>
-              <a:t>도착지점 이동 </a:t>
-            </a:r>
-            <a:endParaRPr lang="en-US" altLang="ko-KR" b="1" spc="-1" dirty="0">
+            <a:endParaRPr lang="en-US" sz="1800" b="1" strike="noStrike" spc="-1" dirty="0">
               <a:solidFill>
                 <a:srgbClr val="000000"/>
               </a:solidFill>
@@ -10710,7 +9261,7 @@
               </a:lnSpc>
             </a:pPr>
             <a:r>
-              <a:rPr lang="ko-KR" altLang="en-US" b="1" spc="-1" dirty="0">
+              <a:rPr lang="ko-KR" altLang="en-US" sz="1800" b="1" strike="noStrike" spc="-1" dirty="0">
                 <a:solidFill>
                   <a:srgbClr val="000000"/>
                 </a:solidFill>
@@ -10721,7 +9272,67 @@
                 </a:uFill>
                 <a:latin typeface="Arial"/>
               </a:rPr>
-              <a:t>쓰레드</a:t>
+              <a:t>유저 봇 위치</a:t>
+            </a:r>
+            <a:endParaRPr lang="en-US" altLang="ko-KR" sz="1800" b="1" strike="noStrike" spc="-1" dirty="0">
+              <a:solidFill>
+                <a:srgbClr val="000000"/>
+              </a:solidFill>
+              <a:uFill>
+                <a:solidFill>
+                  <a:srgbClr val="FFFFFF"/>
+                </a:solidFill>
+              </a:uFill>
+              <a:latin typeface="Arial"/>
+            </a:endParaRPr>
+          </a:p>
+          <a:p>
+            <a:pPr algn="ctr">
+              <a:lnSpc>
+                <a:spcPct val="100000"/>
+              </a:lnSpc>
+            </a:pPr>
+            <a:r>
+              <a:rPr lang="en-US" altLang="ko-KR" sz="1800" b="1" strike="noStrike" spc="-1" dirty="0">
+                <a:solidFill>
+                  <a:srgbClr val="000000"/>
+                </a:solidFill>
+                <a:uFill>
+                  <a:solidFill>
+                    <a:srgbClr val="FFFFFF"/>
+                  </a:solidFill>
+                </a:uFill>
+                <a:latin typeface="Arial"/>
+              </a:rPr>
+              <a:t>(</a:t>
+            </a:r>
+            <a:r>
+              <a:rPr lang="ko-KR" altLang="en-US" sz="1800" b="1" strike="noStrike" spc="-1" dirty="0">
+                <a:solidFill>
+                  <a:srgbClr val="000000"/>
+                </a:solidFill>
+                <a:uFill>
+                  <a:solidFill>
+                    <a:srgbClr val="FFFFFF"/>
+                  </a:solidFill>
+                </a:uFill>
+                <a:latin typeface="Arial"/>
+              </a:rPr>
+              <a:t>랜덤 초기화</a:t>
+            </a:r>
+            <a:r>
+              <a:rPr lang="en-US" altLang="ko-KR" sz="1800" b="1" strike="noStrike" spc="-1" dirty="0">
+                <a:solidFill>
+                  <a:srgbClr val="000000"/>
+                </a:solidFill>
+                <a:uFill>
+                  <a:solidFill>
+                    <a:srgbClr val="FFFFFF"/>
+                  </a:solidFill>
+                </a:uFill>
+                <a:latin typeface="Arial"/>
+              </a:rPr>
+              <a:t>)</a:t>
             </a:r>
             <a:endParaRPr lang="en-US" sz="1800" b="1" strike="noStrike" spc="-1" dirty="0">
               <a:solidFill>
@@ -10739,10 +9350,10 @@
       </p:sp>
       <p:sp>
         <p:nvSpPr>
-          <p:cNvPr id="33" name="CustomShape 5">
+          <p:cNvPr id="31" name="CustomShape 5">
             <a:extLst>
               <a:ext uri="{FF2B5EF4-FFF2-40B4-BE49-F238E27FC236}">
-                <a16:creationId xmlns:a16="http://schemas.microsoft.com/office/drawing/2014/main" id="{412B307E-194E-450C-860B-25D28F5B9D84}"/>
+                <a16:creationId xmlns:a16="http://schemas.microsoft.com/office/drawing/2014/main" id="{D78F20EE-50E0-420A-89CD-35DBE1BDBB93}"/>
               </a:ext>
             </a:extLst>
           </p:cNvPr>
@@ -10751,7 +9362,7 @@
         </p:nvSpPr>
         <p:spPr>
           <a:xfrm>
-            <a:off x="8441559" y="4126533"/>
+            <a:off x="9863229" y="4217185"/>
             <a:ext cx="1636545" cy="562680"/>
           </a:xfrm>
           <a:prstGeom prst="roundRect">
@@ -10790,7 +9401,7 @@
               </a:lnSpc>
             </a:pPr>
             <a:r>
-              <a:rPr lang="en-US" sz="1800" b="1" strike="noStrike" spc="-1" dirty="0" err="1">
+              <a:rPr lang="en-US" altLang="ko-KR" sz="1800" b="1" strike="noStrike" spc="-1" dirty="0" err="1">
                 <a:solidFill>
                   <a:srgbClr val="000000"/>
                 </a:solidFill>
@@ -10801,7 +9412,7 @@
                 </a:uFill>
                 <a:latin typeface="Arial"/>
               </a:rPr>
-              <a:t>Goal_thread</a:t>
+              <a:t>User_set</a:t>
             </a:r>
             <a:endParaRPr lang="en-US" sz="1800" b="1" strike="noStrike" spc="-1" dirty="0">
               <a:solidFill>
@@ -10819,10 +9430,10 @@
       </p:sp>
       <p:sp>
         <p:nvSpPr>
-          <p:cNvPr id="34" name="CustomShape 4">
+          <p:cNvPr id="32" name="CustomShape 4">
             <a:extLst>
               <a:ext uri="{FF2B5EF4-FFF2-40B4-BE49-F238E27FC236}">
-                <a16:creationId xmlns:a16="http://schemas.microsoft.com/office/drawing/2014/main" id="{414387EF-25E7-491F-80EE-C195B76AF351}"/>
+                <a16:creationId xmlns:a16="http://schemas.microsoft.com/office/drawing/2014/main" id="{C46E3966-5E00-4B49-9E24-15C5F7D7E8CE}"/>
               </a:ext>
             </a:extLst>
           </p:cNvPr>
@@ -10831,7 +9442,7 @@
         </p:nvSpPr>
         <p:spPr>
           <a:xfrm>
-            <a:off x="2685458" y="4333533"/>
+            <a:off x="6701991" y="4424185"/>
             <a:ext cx="2320953" cy="1477080"/>
           </a:xfrm>
           <a:prstGeom prst="roundRect">
@@ -10840,7 +9451,10 @@
             </a:avLst>
           </a:prstGeom>
           <a:solidFill>
-            <a:srgbClr val="66FF66"/>
+            <a:schemeClr val="accent4">
+              <a:lumMod val="20000"/>
+              <a:lumOff val="80000"/>
+            </a:schemeClr>
           </a:solidFill>
           <a:ln>
             <a:round/>
@@ -10869,26 +9483,8 @@
                 <a:spcPct val="100000"/>
               </a:lnSpc>
             </a:pPr>
-            <a:endParaRPr lang="en-US" sz="1630" b="1" strike="noStrike" spc="-1" dirty="0">
-              <a:solidFill>
-                <a:srgbClr val="000000"/>
-              </a:solidFill>
-              <a:uFill>
-                <a:solidFill>
-                  <a:srgbClr val="FFFFFF"/>
-                </a:solidFill>
-              </a:uFill>
-              <a:latin typeface="Arial"/>
-            </a:endParaRPr>
-          </a:p>
-          <a:p>
-            <a:pPr algn="ctr">
-              <a:lnSpc>
-                <a:spcPct val="100000"/>
-              </a:lnSpc>
-            </a:pPr>
-            <a:r>
-              <a:rPr lang="ko-KR" altLang="en-US" sz="1630" b="1" strike="noStrike" spc="-1" dirty="0">
+            <a:r>
+              <a:rPr lang="ko-KR" altLang="en-US" sz="1800" b="1" strike="noStrike" spc="-1" dirty="0">
                 <a:solidFill>
                   <a:srgbClr val="000000"/>
                 </a:solidFill>
@@ -10899,73 +9495,9 @@
                 </a:uFill>
                 <a:latin typeface="Arial"/>
               </a:rPr>
-              <a:t>아이템 사용시 </a:t>
-            </a:r>
-            <a:endParaRPr lang="en-US" altLang="ko-KR" sz="1630" b="1" strike="noStrike" spc="-1" dirty="0">
-              <a:solidFill>
-                <a:srgbClr val="000000"/>
-              </a:solidFill>
-              <a:uFill>
-                <a:solidFill>
-                  <a:srgbClr val="FFFFFF"/>
-                </a:solidFill>
-              </a:uFill>
-              <a:latin typeface="Arial"/>
-            </a:endParaRPr>
-          </a:p>
-          <a:p>
-            <a:pPr algn="ctr">
-              <a:lnSpc>
-                <a:spcPct val="100000"/>
-              </a:lnSpc>
-            </a:pPr>
-            <a:r>
-              <a:rPr lang="ko-KR" altLang="en-US" sz="1630" b="1" strike="noStrike" spc="-1" dirty="0">
-                <a:solidFill>
-                  <a:srgbClr val="000000"/>
-                </a:solidFill>
-                <a:uFill>
-                  <a:solidFill>
-                    <a:srgbClr val="FFFFFF"/>
-                  </a:solidFill>
-                </a:uFill>
-                <a:latin typeface="Arial"/>
-              </a:rPr>
-              <a:t>큐에서 삭제 </a:t>
-            </a:r>
-            <a:endParaRPr lang="en-US" altLang="ko-KR" sz="1630" b="1" strike="noStrike" spc="-1" dirty="0">
-              <a:solidFill>
-                <a:srgbClr val="000000"/>
-              </a:solidFill>
-              <a:uFill>
-                <a:solidFill>
-                  <a:srgbClr val="FFFFFF"/>
-                </a:solidFill>
-              </a:uFill>
-              <a:latin typeface="Arial"/>
-            </a:endParaRPr>
-          </a:p>
-          <a:p>
-            <a:pPr algn="ctr">
-              <a:lnSpc>
-                <a:spcPct val="100000"/>
-              </a:lnSpc>
-            </a:pPr>
-            <a:r>
-              <a:rPr lang="ko-KR" altLang="en-US" sz="1630" b="1" strike="noStrike" spc="-1" dirty="0">
-                <a:solidFill>
-                  <a:srgbClr val="000000"/>
-                </a:solidFill>
-                <a:uFill>
-                  <a:solidFill>
-                    <a:srgbClr val="FFFFFF"/>
-                  </a:solidFill>
-                </a:uFill>
-                <a:latin typeface="Arial"/>
-              </a:rPr>
-              <a:t>해당 아이템번호 리턴</a:t>
-            </a:r>
-            <a:endParaRPr lang="en-US" sz="1630" b="1" strike="noStrike" spc="-1" dirty="0">
+              <a:t>초기 맵 셋팅</a:t>
+            </a:r>
+            <a:endParaRPr lang="en-US" sz="1800" b="1" strike="noStrike" spc="-1" dirty="0">
               <a:solidFill>
                 <a:srgbClr val="000000"/>
               </a:solidFill>
@@ -10981,10 +9513,10 @@
       </p:sp>
       <p:sp>
         <p:nvSpPr>
-          <p:cNvPr id="35" name="CustomShape 5">
+          <p:cNvPr id="33" name="CustomShape 5">
             <a:extLst>
               <a:ext uri="{FF2B5EF4-FFF2-40B4-BE49-F238E27FC236}">
-                <a16:creationId xmlns:a16="http://schemas.microsoft.com/office/drawing/2014/main" id="{9595BCA2-2AF9-4050-AE5B-A072D103CEF8}"/>
+                <a16:creationId xmlns:a16="http://schemas.microsoft.com/office/drawing/2014/main" id="{412B307E-194E-450C-860B-25D28F5B9D84}"/>
               </a:ext>
             </a:extLst>
           </p:cNvPr>
@@ -10993,7 +9525,7 @@
         </p:nvSpPr>
         <p:spPr>
           <a:xfrm>
-            <a:off x="3042793" y="4126533"/>
+            <a:off x="7059326" y="4217185"/>
             <a:ext cx="1636545" cy="562680"/>
           </a:xfrm>
           <a:prstGeom prst="roundRect">
@@ -11043,21 +9575,7 @@
                 </a:uFill>
                 <a:latin typeface="Arial"/>
               </a:rPr>
-              <a:t>Int</a:t>
-            </a:r>
-            <a:r>
-              <a:rPr lang="en-US" altLang="ko-KR" sz="1800" b="1" strike="noStrike" spc="-1" dirty="0">
-                <a:solidFill>
-                  <a:srgbClr val="000000"/>
-                </a:solidFill>
-                <a:uFill>
-                  <a:solidFill>
-                    <a:srgbClr val="FFFFFF"/>
-                  </a:solidFill>
-                </a:uFill>
-                <a:latin typeface="Arial"/>
-              </a:rPr>
-              <a:t> Dequeue</a:t>
+              <a:t>Map_set</a:t>
             </a:r>
             <a:endParaRPr lang="en-US" sz="1800" b="1" strike="noStrike" spc="-1" dirty="0">
               <a:solidFill>
@@ -11075,10 +9593,10 @@
       </p:sp>
       <p:sp>
         <p:nvSpPr>
-          <p:cNvPr id="36" name="CustomShape 4">
+          <p:cNvPr id="34" name="CustomShape 4">
             <a:extLst>
               <a:ext uri="{FF2B5EF4-FFF2-40B4-BE49-F238E27FC236}">
-                <a16:creationId xmlns:a16="http://schemas.microsoft.com/office/drawing/2014/main" id="{3CC6F081-472B-44CB-B127-30D8C877350C}"/>
+                <a16:creationId xmlns:a16="http://schemas.microsoft.com/office/drawing/2014/main" id="{414387EF-25E7-491F-80EE-C195B76AF351}"/>
               </a:ext>
             </a:extLst>
           </p:cNvPr>
@@ -11087,7 +9605,7 @@
         </p:nvSpPr>
         <p:spPr>
           <a:xfrm>
-            <a:off x="5333484" y="4333533"/>
+            <a:off x="1094185" y="4424185"/>
             <a:ext cx="2320953" cy="1477080"/>
           </a:xfrm>
           <a:prstGeom prst="roundRect">
@@ -11096,7 +9614,10 @@
             </a:avLst>
           </a:prstGeom>
           <a:solidFill>
-            <a:srgbClr val="66FF66"/>
+            <a:schemeClr val="accent4">
+              <a:lumMod val="20000"/>
+              <a:lumOff val="80000"/>
+            </a:schemeClr>
           </a:solidFill>
           <a:ln>
             <a:round/>
@@ -11125,7 +9646,7 @@
                 <a:spcPct val="100000"/>
               </a:lnSpc>
             </a:pPr>
-            <a:endParaRPr lang="en-US" b="1" spc="-1" dirty="0">
+            <a:endParaRPr lang="en-US" sz="1800" b="1" strike="noStrike" spc="-1" dirty="0">
               <a:solidFill>
                 <a:srgbClr val="000000"/>
               </a:solidFill>
@@ -11144,7 +9665,7 @@
               </a:lnSpc>
             </a:pPr>
             <a:r>
-              <a:rPr lang="en-US" b="1" spc="-1" dirty="0">
+              <a:rPr lang="en-US" altLang="ko-KR" sz="1800" b="1" strike="noStrike" spc="-1" dirty="0">
                 <a:solidFill>
                   <a:srgbClr val="000000"/>
                 </a:solidFill>
@@ -11155,10 +9676,10 @@
                 </a:uFill>
                 <a:latin typeface="Arial"/>
               </a:rPr>
-              <a:t>Bot </a:t>
-            </a:r>
-            <a:r>
-              <a:rPr lang="ko-KR" altLang="en-US" b="1" spc="-1" dirty="0">
+              <a:t>User</a:t>
+            </a:r>
+            <a:r>
+              <a:rPr lang="ko-KR" altLang="en-US" sz="1800" b="1" strike="noStrike" spc="-1" dirty="0">
                 <a:solidFill>
                   <a:srgbClr val="000000"/>
                 </a:solidFill>
@@ -11169,19 +9690,22 @@
                 </a:uFill>
                 <a:latin typeface="Arial"/>
               </a:rPr>
-              <a:t>캐릭터</a:t>
-            </a:r>
-            <a:endParaRPr lang="en-US" altLang="ko-KR" b="1" spc="-1" dirty="0">
-              <a:solidFill>
-                <a:srgbClr val="000000"/>
-              </a:solidFill>
-              <a:uFill>
-                <a:solidFill>
-                  <a:srgbClr val="FFFFFF"/>
-                </a:solidFill>
-              </a:uFill>
-              <a:latin typeface="Arial"/>
-            </a:endParaRPr>
+              <a:t>구조체 생성</a:t>
+            </a:r>
+            <a:r>
+              <a:rPr lang="en-US" altLang="ko-KR" sz="1800" b="1" strike="noStrike" spc="-1" dirty="0">
+                <a:solidFill>
+                  <a:srgbClr val="000000"/>
+                </a:solidFill>
+                <a:uFill>
+                  <a:solidFill>
+                    <a:srgbClr val="FFFFFF"/>
+                  </a:solidFill>
+                </a:uFill>
+                <a:latin typeface="Arial"/>
+              </a:rPr>
+              <a:t>,</a:t>
+            </a:r>
           </a:p>
           <a:p>
             <a:pPr algn="ctr">
@@ -11190,7 +9714,7 @@
               </a:lnSpc>
             </a:pPr>
             <a:r>
-              <a:rPr lang="en-US" sz="1800" b="1" strike="noStrike" spc="-1" dirty="0">
+              <a:rPr lang="ko-KR" altLang="en-US" sz="1800" b="1" strike="noStrike" spc="-1" dirty="0">
                 <a:solidFill>
                   <a:srgbClr val="000000"/>
                 </a:solidFill>
@@ -11201,21 +9725,7 @@
                 </a:uFill>
                 <a:latin typeface="Arial"/>
               </a:rPr>
-              <a:t>Item </a:t>
-            </a:r>
-            <a:r>
-              <a:rPr lang="ko-KR" altLang="en-US" sz="1800" b="1" strike="noStrike" spc="-1" dirty="0">
-                <a:solidFill>
-                  <a:srgbClr val="000000"/>
-                </a:solidFill>
-                <a:uFill>
-                  <a:solidFill>
-                    <a:srgbClr val="FFFFFF"/>
-                  </a:solidFill>
-                </a:uFill>
-                <a:latin typeface="Arial"/>
-              </a:rPr>
-              <a:t>사용 쓰레드</a:t>
+              <a:t>포인터형으로 리턴</a:t>
             </a:r>
             <a:endParaRPr lang="en-US" sz="1800" b="1" strike="noStrike" spc="-1" dirty="0">
               <a:solidFill>
@@ -11233,10 +9743,10 @@
       </p:sp>
       <p:sp>
         <p:nvSpPr>
-          <p:cNvPr id="37" name="CustomShape 5">
+          <p:cNvPr id="35" name="CustomShape 5">
             <a:extLst>
               <a:ext uri="{FF2B5EF4-FFF2-40B4-BE49-F238E27FC236}">
-                <a16:creationId xmlns:a16="http://schemas.microsoft.com/office/drawing/2014/main" id="{01DDBE04-9566-4E0B-8CEB-084504CE8F91}"/>
+                <a16:creationId xmlns:a16="http://schemas.microsoft.com/office/drawing/2014/main" id="{9595BCA2-2AF9-4050-AE5B-A072D103CEF8}"/>
               </a:ext>
             </a:extLst>
           </p:cNvPr>
@@ -11245,7 +9755,7 @@
         </p:nvSpPr>
         <p:spPr>
           <a:xfrm>
-            <a:off x="5690819" y="4126533"/>
+            <a:off x="1451520" y="4217185"/>
             <a:ext cx="1636545" cy="562680"/>
           </a:xfrm>
           <a:prstGeom prst="roundRect">
@@ -11295,7 +9805,7 @@
                 </a:uFill>
                 <a:latin typeface="Arial"/>
               </a:rPr>
-              <a:t>Item_thread</a:t>
+              <a:t>Creat_user</a:t>
             </a:r>
             <a:endParaRPr lang="en-US" sz="1800" b="1" strike="noStrike" spc="-1" dirty="0">
               <a:solidFill>
@@ -11313,10 +9823,10 @@
       </p:sp>
       <p:sp>
         <p:nvSpPr>
-          <p:cNvPr id="17" name="CustomShape 4">
+          <p:cNvPr id="36" name="CustomShape 4">
             <a:extLst>
               <a:ext uri="{FF2B5EF4-FFF2-40B4-BE49-F238E27FC236}">
-                <a16:creationId xmlns:a16="http://schemas.microsoft.com/office/drawing/2014/main" id="{AF3D91EF-9DE1-4A03-A941-551E6ACD777D}"/>
+                <a16:creationId xmlns:a16="http://schemas.microsoft.com/office/drawing/2014/main" id="{3CC6F081-472B-44CB-B127-30D8C877350C}"/>
               </a:ext>
             </a:extLst>
           </p:cNvPr>
@@ -11325,7 +9835,7 @@
         </p:nvSpPr>
         <p:spPr>
           <a:xfrm>
-            <a:off x="9403748" y="2315102"/>
+            <a:off x="3898088" y="4424185"/>
             <a:ext cx="2320953" cy="1477080"/>
           </a:xfrm>
           <a:prstGeom prst="roundRect">
@@ -11334,7 +9844,10 @@
             </a:avLst>
           </a:prstGeom>
           <a:solidFill>
-            <a:srgbClr val="66FF66"/>
+            <a:schemeClr val="accent4">
+              <a:lumMod val="20000"/>
+              <a:lumOff val="80000"/>
+            </a:schemeClr>
           </a:solidFill>
           <a:ln>
             <a:round/>
@@ -11363,7 +9876,7 @@
                 <a:spcPct val="100000"/>
               </a:lnSpc>
             </a:pPr>
-            <a:endParaRPr lang="en-US" altLang="ko-KR" sz="1800" b="1" strike="noStrike" spc="-1" dirty="0">
+            <a:endParaRPr lang="en-US" sz="1800" b="1" strike="noStrike" spc="-1" dirty="0">
               <a:solidFill>
                 <a:srgbClr val="000000"/>
               </a:solidFill>
@@ -11382,6 +9895,20 @@
               </a:lnSpc>
             </a:pPr>
             <a:r>
+              <a:rPr lang="en-US" altLang="ko-KR" sz="1800" b="1" strike="noStrike" spc="-1" dirty="0">
+                <a:solidFill>
+                  <a:srgbClr val="000000"/>
+                </a:solidFill>
+                <a:uFill>
+                  <a:solidFill>
+                    <a:srgbClr val="FFFFFF"/>
+                  </a:solidFill>
+                </a:uFill>
+                <a:latin typeface="Arial"/>
+              </a:rPr>
+              <a:t>User </a:t>
+            </a:r>
+            <a:r>
               <a:rPr lang="ko-KR" altLang="en-US" sz="1800" b="1" strike="noStrike" spc="-1" dirty="0">
                 <a:solidFill>
                   <a:srgbClr val="000000"/>
@@ -11393,53 +9920,7 @@
                 </a:uFill>
                 <a:latin typeface="Arial"/>
               </a:rPr>
-              <a:t>점프아이템 잘못 </a:t>
-            </a:r>
-            <a:endParaRPr lang="en-US" altLang="ko-KR" sz="1800" b="1" strike="noStrike" spc="-1" dirty="0">
-              <a:solidFill>
-                <a:srgbClr val="000000"/>
-              </a:solidFill>
-              <a:uFill>
-                <a:solidFill>
-                  <a:srgbClr val="FFFFFF"/>
-                </a:solidFill>
-              </a:uFill>
-              <a:latin typeface="Arial"/>
-            </a:endParaRPr>
-          </a:p>
-          <a:p>
-            <a:pPr algn="ctr">
-              <a:lnSpc>
-                <a:spcPct val="100000"/>
-              </a:lnSpc>
-            </a:pPr>
-            <a:r>
-              <a:rPr lang="ko-KR" altLang="en-US" sz="1800" b="1" strike="noStrike" spc="-1" dirty="0">
-                <a:solidFill>
-                  <a:srgbClr val="000000"/>
-                </a:solidFill>
-                <a:uFill>
-                  <a:solidFill>
-                    <a:srgbClr val="FFFFFF"/>
-                  </a:solidFill>
-                </a:uFill>
-                <a:latin typeface="Arial"/>
-              </a:rPr>
-              <a:t>사용시 되돌림</a:t>
-            </a:r>
-            <a:r>
-              <a:rPr lang="en-US" altLang="ko-KR" sz="1800" b="1" strike="noStrike" spc="-1" dirty="0">
-                <a:solidFill>
-                  <a:srgbClr val="000000"/>
-                </a:solidFill>
-                <a:uFill>
-                  <a:solidFill>
-                    <a:srgbClr val="FFFFFF"/>
-                  </a:solidFill>
-                </a:uFill>
-                <a:latin typeface="Arial"/>
-              </a:rPr>
-              <a:t>.</a:t>
+              <a:t>캐릭터 쓰레드</a:t>
             </a:r>
             <a:endParaRPr lang="en-US" sz="1800" b="1" strike="noStrike" spc="-1" dirty="0">
               <a:solidFill>
@@ -11457,10 +9938,10 @@
       </p:sp>
       <p:sp>
         <p:nvSpPr>
-          <p:cNvPr id="18" name="CustomShape 5">
+          <p:cNvPr id="37" name="CustomShape 5">
             <a:extLst>
               <a:ext uri="{FF2B5EF4-FFF2-40B4-BE49-F238E27FC236}">
-                <a16:creationId xmlns:a16="http://schemas.microsoft.com/office/drawing/2014/main" id="{B63AEB41-C0B5-499B-8C85-31FA143481B3}"/>
+                <a16:creationId xmlns:a16="http://schemas.microsoft.com/office/drawing/2014/main" id="{01DDBE04-9566-4E0B-8CEB-084504CE8F91}"/>
               </a:ext>
             </a:extLst>
           </p:cNvPr>
@@ -11469,8 +9950,8 @@
         </p:nvSpPr>
         <p:spPr>
           <a:xfrm>
-            <a:off x="9760492" y="2108102"/>
-            <a:ext cx="1714299" cy="562680"/>
+            <a:off x="4255423" y="4217185"/>
+            <a:ext cx="1636545" cy="562680"/>
           </a:xfrm>
           <a:prstGeom prst="roundRect">
             <a:avLst>
@@ -11508,7 +9989,7 @@
               </a:lnSpc>
             </a:pPr>
             <a:r>
-              <a:rPr lang="en-US" altLang="ko-KR" sz="1700" b="1" strike="noStrike" spc="-1" dirty="0" err="1">
+              <a:rPr lang="ko-KR" altLang="en-US" sz="1800" b="1" strike="noStrike" spc="-1" dirty="0">
                 <a:solidFill>
                   <a:srgbClr val="000000"/>
                 </a:solidFill>
@@ -11519,9 +10000,186 @@
                 </a:uFill>
                 <a:latin typeface="Arial"/>
               </a:rPr>
-              <a:t>sub_Enqueue</a:t>
-            </a:r>
-            <a:endParaRPr lang="en-US" sz="1700" b="1" strike="noStrike" spc="-1" dirty="0">
+              <a:t>*</a:t>
+            </a:r>
+            <a:r>
+              <a:rPr lang="en-US" altLang="ko-KR" sz="1800" b="1" strike="noStrike" spc="-1" dirty="0" err="1">
+                <a:solidFill>
+                  <a:srgbClr val="000000"/>
+                </a:solidFill>
+                <a:uFill>
+                  <a:solidFill>
+                    <a:srgbClr val="FFFFFF"/>
+                  </a:solidFill>
+                </a:uFill>
+                <a:latin typeface="Arial"/>
+              </a:rPr>
+              <a:t>user_thread</a:t>
+            </a:r>
+            <a:endParaRPr lang="en-US" sz="1800" b="1" strike="noStrike" spc="-1" dirty="0">
+              <a:solidFill>
+                <a:srgbClr val="000000"/>
+              </a:solidFill>
+              <a:uFill>
+                <a:solidFill>
+                  <a:srgbClr val="FFFFFF"/>
+                </a:solidFill>
+              </a:uFill>
+              <a:latin typeface="Arial"/>
+            </a:endParaRPr>
+          </a:p>
+        </p:txBody>
+      </p:sp>
+      <p:sp>
+        <p:nvSpPr>
+          <p:cNvPr id="17" name="CustomShape 4">
+            <a:extLst>
+              <a:ext uri="{FF2B5EF4-FFF2-40B4-BE49-F238E27FC236}">
+                <a16:creationId xmlns:a16="http://schemas.microsoft.com/office/drawing/2014/main" id="{AF3D91EF-9DE1-4A03-A941-551E6ACD777D}"/>
+              </a:ext>
+            </a:extLst>
+          </p:cNvPr>
+          <p:cNvSpPr/>
+          <p:nvPr/>
+        </p:nvSpPr>
+        <p:spPr>
+          <a:xfrm>
+            <a:off x="9505894" y="2460856"/>
+            <a:ext cx="2320953" cy="1477080"/>
+          </a:xfrm>
+          <a:prstGeom prst="roundRect">
+            <a:avLst>
+              <a:gd name="adj" fmla="val 16667"/>
+            </a:avLst>
+          </a:prstGeom>
+          <a:solidFill>
+            <a:schemeClr val="accent4">
+              <a:lumMod val="20000"/>
+              <a:lumOff val="80000"/>
+            </a:schemeClr>
+          </a:solidFill>
+          <a:ln>
+            <a:round/>
+          </a:ln>
+        </p:spPr>
+        <p:style>
+          <a:lnRef idx="2">
+            <a:schemeClr val="accent1">
+              <a:shade val="50000"/>
+            </a:schemeClr>
+          </a:lnRef>
+          <a:fillRef idx="1">
+            <a:schemeClr val="accent1"/>
+          </a:fillRef>
+          <a:effectRef idx="0">
+            <a:schemeClr val="accent1"/>
+          </a:effectRef>
+          <a:fontRef idx="minor"/>
+        </p:style>
+        <p:txBody>
+          <a:bodyPr lIns="90000" tIns="45000" rIns="90000" bIns="45000" anchor="ctr"/>
+          <a:lstStyle/>
+          <a:p>
+            <a:pPr algn="ctr">
+              <a:lnSpc>
+                <a:spcPct val="100000"/>
+              </a:lnSpc>
+            </a:pPr>
+            <a:r>
+              <a:rPr lang="ko-KR" altLang="en-US" sz="1800" b="1" strike="noStrike" spc="-1" dirty="0">
+                <a:solidFill>
+                  <a:srgbClr val="000000"/>
+                </a:solidFill>
+                <a:uFill>
+                  <a:solidFill>
+                    <a:srgbClr val="FFFFFF"/>
+                  </a:solidFill>
+                </a:uFill>
+                <a:latin typeface="Arial"/>
+              </a:rPr>
+              <a:t>맵 출력</a:t>
+            </a:r>
+            <a:endParaRPr lang="en-US" sz="1800" b="1" strike="noStrike" spc="-1" dirty="0">
+              <a:solidFill>
+                <a:srgbClr val="000000"/>
+              </a:solidFill>
+              <a:uFill>
+                <a:solidFill>
+                  <a:srgbClr val="FFFFFF"/>
+                </a:solidFill>
+              </a:uFill>
+              <a:latin typeface="Arial"/>
+            </a:endParaRPr>
+          </a:p>
+        </p:txBody>
+      </p:sp>
+      <p:sp>
+        <p:nvSpPr>
+          <p:cNvPr id="18" name="CustomShape 5">
+            <a:extLst>
+              <a:ext uri="{FF2B5EF4-FFF2-40B4-BE49-F238E27FC236}">
+                <a16:creationId xmlns:a16="http://schemas.microsoft.com/office/drawing/2014/main" id="{B63AEB41-C0B5-499B-8C85-31FA143481B3}"/>
+              </a:ext>
+            </a:extLst>
+          </p:cNvPr>
+          <p:cNvSpPr/>
+          <p:nvPr/>
+        </p:nvSpPr>
+        <p:spPr>
+          <a:xfrm>
+            <a:off x="9863229" y="2253856"/>
+            <a:ext cx="1636545" cy="562680"/>
+          </a:xfrm>
+          <a:prstGeom prst="roundRect">
+            <a:avLst>
+              <a:gd name="adj" fmla="val 16667"/>
+            </a:avLst>
+          </a:prstGeom>
+          <a:solidFill>
+            <a:schemeClr val="bg1"/>
+          </a:solidFill>
+          <a:ln>
+            <a:round/>
+          </a:ln>
+        </p:spPr>
+        <p:style>
+          <a:lnRef idx="2">
+            <a:schemeClr val="accent1">
+              <a:shade val="50000"/>
+            </a:schemeClr>
+          </a:lnRef>
+          <a:fillRef idx="1">
+            <a:schemeClr val="accent1"/>
+          </a:fillRef>
+          <a:effectRef idx="0">
+            <a:schemeClr val="accent1"/>
+          </a:effectRef>
+          <a:fontRef idx="minor"/>
+        </p:style>
+        <p:txBody>
+          <a:bodyPr lIns="90000" tIns="45000" rIns="90000" bIns="45000" anchor="ctr"/>
+          <a:lstStyle/>
+          <a:p>
+            <a:pPr algn="ctr">
+              <a:lnSpc>
+                <a:spcPct val="100000"/>
+              </a:lnSpc>
+            </a:pPr>
+            <a:r>
+              <a:rPr lang="en-US" altLang="ko-KR" sz="1800" b="1" strike="noStrike" spc="-1" dirty="0" err="1">
+                <a:solidFill>
+                  <a:srgbClr val="000000"/>
+                </a:solidFill>
+                <a:uFill>
+                  <a:solidFill>
+                    <a:srgbClr val="FFFFFF"/>
+                  </a:solidFill>
+                </a:uFill>
+                <a:latin typeface="Arial"/>
+              </a:rPr>
+              <a:t>Map_print</a:t>
+            </a:r>
+            <a:endParaRPr lang="en-US" sz="1800" b="1" strike="noStrike" spc="-1" dirty="0">
               <a:solidFill>
                 <a:srgbClr val="000000"/>
               </a:solidFill>
@@ -11538,7 +10196,7 @@
     </p:spTree>
     <p:extLst>
       <p:ext uri="{BB962C8B-B14F-4D97-AF65-F5344CB8AC3E}">
-        <p14:creationId xmlns:p14="http://schemas.microsoft.com/office/powerpoint/2010/main" val="2794017537"/>
+        <p14:creationId xmlns:p14="http://schemas.microsoft.com/office/powerpoint/2010/main" val="1552896790"/>
       </p:ext>
     </p:extLst>
   </p:cSld>
@@ -11714,7 +10372,7 @@
                 </a:uFill>
                 <a:latin typeface="Gill Sans MT"/>
               </a:rPr>
-              <a:t>이요나</a:t>
+              <a:t>송효준</a:t>
             </a:r>
             <a:endParaRPr lang="en-US" sz="1800" b="0" strike="noStrike" spc="-1" dirty="0">
               <a:solidFill>
@@ -11762,7 +10420,7 @@
         </p:nvSpPr>
         <p:spPr>
           <a:xfrm>
-            <a:off x="1451520" y="2277853"/>
+            <a:off x="1428693" y="2315102"/>
             <a:ext cx="2320953" cy="1477080"/>
           </a:xfrm>
           <a:prstGeom prst="roundRect">
@@ -11771,7 +10429,7 @@
             </a:avLst>
           </a:prstGeom>
           <a:solidFill>
-            <a:srgbClr val="FFCC66"/>
+            <a:srgbClr val="66FF66"/>
           </a:solidFill>
           <a:ln>
             <a:round/>
@@ -11819,7 +10477,7 @@
               </a:lnSpc>
             </a:pPr>
             <a:r>
-              <a:rPr lang="ko-KR" altLang="en-US" b="1" spc="-1" dirty="0">
+              <a:rPr lang="ko-KR" altLang="en-US" sz="1800" b="1" strike="noStrike" spc="-1" dirty="0">
                 <a:solidFill>
                   <a:srgbClr val="000000"/>
                 </a:solidFill>
@@ -11830,9 +10488,9 @@
                 </a:uFill>
                 <a:latin typeface="Arial"/>
               </a:rPr>
-              <a:t>벽 쌓기 아이템</a:t>
-            </a:r>
-            <a:endParaRPr lang="en-US" altLang="ko-KR" b="1" spc="-1" dirty="0">
+              <a:t>위치 반전 아이템</a:t>
+            </a:r>
+            <a:endParaRPr lang="en-US" altLang="ko-KR" sz="1800" b="1" strike="noStrike" spc="-1" dirty="0">
               <a:solidFill>
                 <a:srgbClr val="000000"/>
               </a:solidFill>
@@ -11851,7 +10509,7 @@
               </a:lnSpc>
             </a:pPr>
             <a:r>
-              <a:rPr lang="en-US" altLang="ko-KR" b="1" spc="-1" dirty="0">
+              <a:rPr lang="en-US" altLang="ko-KR" sz="1800" b="1" strike="noStrike" spc="-1" dirty="0">
                 <a:solidFill>
                   <a:srgbClr val="000000"/>
                 </a:solidFill>
@@ -11865,7 +10523,7 @@
               <a:t>(</a:t>
             </a:r>
             <a:r>
-              <a:rPr lang="ko-KR" altLang="en-US" b="1" spc="-1" dirty="0">
+              <a:rPr lang="ko-KR" altLang="en-US" sz="1800" b="1" strike="noStrike" spc="-1" dirty="0">
                 <a:solidFill>
                   <a:srgbClr val="000000"/>
                 </a:solidFill>
@@ -11876,10 +10534,10 @@
                 </a:uFill>
                 <a:latin typeface="Arial"/>
               </a:rPr>
-              <a:t>ⓦ</a:t>
-            </a:r>
-            <a:r>
-              <a:rPr lang="en-US" altLang="ko-KR" b="1" spc="-1" dirty="0">
+              <a:t>ⓢ</a:t>
+            </a:r>
+            <a:r>
+              <a:rPr lang="en-US" altLang="ko-KR" sz="1800" b="1" strike="noStrike" spc="-1" dirty="0">
                 <a:solidFill>
                   <a:srgbClr val="000000"/>
                 </a:solidFill>
@@ -11920,7 +10578,7 @@
         </p:nvSpPr>
         <p:spPr>
           <a:xfrm>
-            <a:off x="1808855" y="2070853"/>
+            <a:off x="1786028" y="2108102"/>
             <a:ext cx="1636545" cy="562680"/>
           </a:xfrm>
           <a:prstGeom prst="roundRect">
@@ -11959,7 +10617,7 @@
               </a:lnSpc>
             </a:pPr>
             <a:r>
-              <a:rPr lang="en-US" b="1" spc="-1" dirty="0" err="1">
+              <a:rPr lang="en-US" altLang="ko-KR" sz="1800" b="1" strike="noStrike" spc="-1" dirty="0" err="1">
                 <a:solidFill>
                   <a:srgbClr val="000000"/>
                 </a:solidFill>
@@ -11970,7 +10628,7 @@
                 </a:uFill>
                 <a:latin typeface="Arial"/>
               </a:rPr>
-              <a:t>Itme_wall</a:t>
+              <a:t>Item_switch</a:t>
             </a:r>
             <a:endParaRPr lang="en-US" sz="1800" b="1" strike="noStrike" spc="-1" dirty="0">
               <a:solidFill>
@@ -12000,7 +10658,7 @@
         </p:nvSpPr>
         <p:spPr>
           <a:xfrm>
-            <a:off x="4141751" y="2267280"/>
+            <a:off x="4118924" y="2304529"/>
             <a:ext cx="2320953" cy="1477080"/>
           </a:xfrm>
           <a:prstGeom prst="roundRect">
@@ -12009,7 +10667,7 @@
             </a:avLst>
           </a:prstGeom>
           <a:solidFill>
-            <a:srgbClr val="FFCC66"/>
+            <a:srgbClr val="66FF66"/>
           </a:solidFill>
           <a:ln>
             <a:round/>
@@ -12038,7 +10696,7 @@
                 <a:spcPct val="100000"/>
               </a:lnSpc>
             </a:pPr>
-            <a:endParaRPr lang="en-US" altLang="ko-KR" sz="1600" b="1" spc="-1" dirty="0">
+            <a:endParaRPr lang="en-US" sz="1600" b="1" strike="noStrike" spc="-1" dirty="0">
               <a:solidFill>
                 <a:srgbClr val="000000"/>
               </a:solidFill>
@@ -12057,7 +10715,7 @@
               </a:lnSpc>
             </a:pPr>
             <a:r>
-              <a:rPr lang="ko-KR" altLang="en-US" sz="1600" b="1" spc="-1" dirty="0">
+              <a:rPr lang="en-US" altLang="ko-KR" sz="1600" b="1" strike="noStrike" spc="-1" dirty="0">
                 <a:solidFill>
                   <a:srgbClr val="000000"/>
                 </a:solidFill>
@@ -12068,28 +10726,10 @@
                 </a:uFill>
                 <a:latin typeface="Arial"/>
               </a:rPr>
-              <a:t>벽 제거 아이템</a:t>
-            </a:r>
-            <a:endParaRPr lang="en-US" altLang="ko-KR" sz="1600" b="1" spc="-1" dirty="0">
-              <a:solidFill>
-                <a:srgbClr val="000000"/>
-              </a:solidFill>
-              <a:uFill>
-                <a:solidFill>
-                  <a:srgbClr val="FFFFFF"/>
-                </a:solidFill>
-              </a:uFill>
-              <a:latin typeface="Arial"/>
-            </a:endParaRPr>
-          </a:p>
-          <a:p>
-            <a:pPr algn="ctr">
-              <a:lnSpc>
-                <a:spcPct val="100000"/>
-              </a:lnSpc>
-            </a:pPr>
-            <a:r>
-              <a:rPr lang="en-US" sz="1600" b="1" spc="-1" dirty="0">
+              <a:t>Queue </a:t>
+            </a:r>
+            <a:r>
+              <a:rPr lang="ko-KR" altLang="en-US" sz="1600" b="1" strike="noStrike" spc="-1" dirty="0">
                 <a:solidFill>
                   <a:srgbClr val="000000"/>
                 </a:solidFill>
@@ -12100,35 +10740,37 @@
                 </a:uFill>
                 <a:latin typeface="Arial"/>
               </a:rPr>
-              <a:t>(</a:t>
-            </a:r>
-            <a:r>
-              <a:rPr lang="ko-KR" altLang="en-US" sz="1600" b="1" spc="-1" dirty="0">
-                <a:solidFill>
-                  <a:srgbClr val="000000"/>
-                </a:solidFill>
-                <a:uFill>
-                  <a:solidFill>
-                    <a:srgbClr val="FFFFFF"/>
-                  </a:solidFill>
-                </a:uFill>
-              </a:rPr>
-              <a:t>ⓑ</a:t>
-            </a:r>
-            <a:r>
-              <a:rPr lang="en-US" altLang="ko-KR" sz="1600" b="1" spc="-1" dirty="0">
-                <a:solidFill>
-                  <a:srgbClr val="000000"/>
-                </a:solidFill>
-                <a:uFill>
-                  <a:solidFill>
-                    <a:srgbClr val="FFFFFF"/>
-                  </a:solidFill>
-                </a:uFill>
-              </a:rPr>
-              <a:t>)</a:t>
-            </a:r>
-            <a:endParaRPr lang="en-US" sz="1600" b="1" spc="-1" dirty="0">
+              <a:t>구조체를 생성</a:t>
+            </a:r>
+            <a:r>
+              <a:rPr lang="en-US" altLang="ko-KR" sz="1600" b="1" strike="noStrike" spc="-1" dirty="0">
+                <a:solidFill>
+                  <a:srgbClr val="000000"/>
+                </a:solidFill>
+                <a:uFill>
+                  <a:solidFill>
+                    <a:srgbClr val="FFFFFF"/>
+                  </a:solidFill>
+                </a:uFill>
+                <a:latin typeface="Arial"/>
+              </a:rPr>
+              <a:t>, </a:t>
+            </a:r>
+            <a:r>
+              <a:rPr lang="ko-KR" altLang="en-US" sz="1600" b="1" strike="noStrike" spc="-1" dirty="0">
+                <a:solidFill>
+                  <a:srgbClr val="000000"/>
+                </a:solidFill>
+                <a:uFill>
+                  <a:solidFill>
+                    <a:srgbClr val="FFFFFF"/>
+                  </a:solidFill>
+                </a:uFill>
+                <a:latin typeface="Arial"/>
+              </a:rPr>
+              <a:t>포인터 형으로 리턴</a:t>
+            </a:r>
+            <a:endParaRPr lang="en-US" sz="1600" b="1" strike="noStrike" spc="-1" dirty="0">
               <a:solidFill>
                 <a:srgbClr val="000000"/>
               </a:solidFill>
@@ -12156,8 +10798,8 @@
         </p:nvSpPr>
         <p:spPr>
           <a:xfrm>
-            <a:off x="4499086" y="2060280"/>
-            <a:ext cx="1636545" cy="562680"/>
+            <a:off x="4445997" y="2097529"/>
+            <a:ext cx="1666217" cy="562680"/>
           </a:xfrm>
           <a:prstGeom prst="roundRect">
             <a:avLst>
@@ -12195,7 +10837,7 @@
               </a:lnSpc>
             </a:pPr>
             <a:r>
-              <a:rPr lang="en-US" sz="1700" b="1" strike="noStrike" spc="-1" dirty="0" err="1">
+              <a:rPr lang="en-US" altLang="ko-KR" sz="1700" b="1" strike="noStrike" spc="-1" dirty="0" err="1">
                 <a:solidFill>
                   <a:srgbClr val="000000"/>
                 </a:solidFill>
@@ -12206,7 +10848,7 @@
                 </a:uFill>
                 <a:latin typeface="Arial"/>
               </a:rPr>
-              <a:t>Item_break</a:t>
+              <a:t>Create_queue</a:t>
             </a:r>
             <a:endParaRPr lang="en-US" sz="1700" b="1" strike="noStrike" spc="-1" dirty="0">
               <a:solidFill>
@@ -12236,7 +10878,7 @@
         </p:nvSpPr>
         <p:spPr>
           <a:xfrm>
-            <a:off x="6783868" y="2277853"/>
+            <a:off x="6761041" y="2315102"/>
             <a:ext cx="2320953" cy="1477080"/>
           </a:xfrm>
           <a:prstGeom prst="roundRect">
@@ -12245,7 +10887,7 @@
             </a:avLst>
           </a:prstGeom>
           <a:solidFill>
-            <a:srgbClr val="FFCC66"/>
+            <a:srgbClr val="66FF66"/>
           </a:solidFill>
           <a:ln>
             <a:round/>
@@ -12293,7 +10935,7 @@
               </a:lnSpc>
             </a:pPr>
             <a:r>
-              <a:rPr lang="en-US" b="1" spc="-1" dirty="0">
+              <a:rPr lang="ko-KR" altLang="en-US" sz="1800" b="1" strike="noStrike" spc="-1" dirty="0">
                 <a:solidFill>
                   <a:srgbClr val="000000"/>
                 </a:solidFill>
@@ -12304,10 +10946,10 @@
                 </a:uFill>
                 <a:latin typeface="Arial"/>
               </a:rPr>
-              <a:t>Bot </a:t>
-            </a:r>
-            <a:r>
-              <a:rPr lang="ko-KR" altLang="en-US" b="1" spc="-1" dirty="0">
+              <a:t>아이템 </a:t>
+            </a:r>
+            <a:r>
+              <a:rPr lang="ko-KR" altLang="en-US" sz="1800" b="1" strike="noStrike" spc="-1" dirty="0" err="1">
                 <a:solidFill>
                   <a:srgbClr val="000000"/>
                 </a:solidFill>
@@ -12318,7 +10960,67 @@
                 </a:uFill>
                 <a:latin typeface="Arial"/>
               </a:rPr>
-              <a:t>캐릭터 쓰레드</a:t>
+              <a:t>획득시</a:t>
+            </a:r>
+            <a:r>
+              <a:rPr lang="ko-KR" altLang="en-US" sz="1800" b="1" strike="noStrike" spc="-1" dirty="0">
+                <a:solidFill>
+                  <a:srgbClr val="000000"/>
+                </a:solidFill>
+                <a:uFill>
+                  <a:solidFill>
+                    <a:srgbClr val="FFFFFF"/>
+                  </a:solidFill>
+                </a:uFill>
+                <a:latin typeface="Arial"/>
+              </a:rPr>
+              <a:t> </a:t>
+            </a:r>
+            <a:endParaRPr lang="en-US" altLang="ko-KR" sz="1800" b="1" strike="noStrike" spc="-1" dirty="0">
+              <a:solidFill>
+                <a:srgbClr val="000000"/>
+              </a:solidFill>
+              <a:uFill>
+                <a:solidFill>
+                  <a:srgbClr val="FFFFFF"/>
+                </a:solidFill>
+              </a:uFill>
+              <a:latin typeface="Arial"/>
+            </a:endParaRPr>
+          </a:p>
+          <a:p>
+            <a:pPr algn="ctr">
+              <a:lnSpc>
+                <a:spcPct val="100000"/>
+              </a:lnSpc>
+            </a:pPr>
+            <a:r>
+              <a:rPr lang="ko-KR" altLang="en-US" sz="1800" b="1" strike="noStrike" spc="-1" dirty="0">
+                <a:solidFill>
+                  <a:srgbClr val="000000"/>
+                </a:solidFill>
+                <a:uFill>
+                  <a:solidFill>
+                    <a:srgbClr val="FFFFFF"/>
+                  </a:solidFill>
+                </a:uFill>
+                <a:latin typeface="Arial"/>
+              </a:rPr>
+              <a:t>큐에 삽입</a:t>
+            </a:r>
+            <a:r>
+              <a:rPr lang="en-US" altLang="ko-KR" sz="1800" b="1" strike="noStrike" spc="-1" dirty="0">
+                <a:solidFill>
+                  <a:srgbClr val="000000"/>
+                </a:solidFill>
+                <a:uFill>
+                  <a:solidFill>
+                    <a:srgbClr val="FFFFFF"/>
+                  </a:solidFill>
+                </a:uFill>
+                <a:latin typeface="Arial"/>
+              </a:rPr>
+              <a:t>.</a:t>
             </a:r>
             <a:endParaRPr lang="en-US" sz="1800" b="1" strike="noStrike" spc="-1" dirty="0">
               <a:solidFill>
@@ -12348,7 +11050,7 @@
         </p:nvSpPr>
         <p:spPr>
           <a:xfrm>
-            <a:off x="7141203" y="2070853"/>
+            <a:off x="7118376" y="2108102"/>
             <a:ext cx="1636545" cy="562680"/>
           </a:xfrm>
           <a:prstGeom prst="roundRect">
@@ -12387,7 +11089,7 @@
               </a:lnSpc>
             </a:pPr>
             <a:r>
-              <a:rPr lang="en-US" b="1" spc="-1" dirty="0" err="1">
+              <a:rPr lang="en-US" altLang="ko-KR" sz="1800" b="1" strike="noStrike" spc="-1" dirty="0">
                 <a:solidFill>
                   <a:srgbClr val="000000"/>
                 </a:solidFill>
@@ -12398,7 +11100,7 @@
                 </a:uFill>
                 <a:latin typeface="Arial"/>
               </a:rPr>
-              <a:t>Bot_thread</a:t>
+              <a:t>Enqueue</a:t>
             </a:r>
             <a:endParaRPr lang="en-US" sz="1800" b="1" strike="noStrike" spc="-1" dirty="0">
               <a:solidFill>
@@ -12428,7 +11130,7 @@
         </p:nvSpPr>
         <p:spPr>
           <a:xfrm>
-            <a:off x="8158651" y="4365360"/>
+            <a:off x="8084224" y="4333533"/>
             <a:ext cx="2320953" cy="1477080"/>
           </a:xfrm>
           <a:prstGeom prst="roundRect">
@@ -12437,7 +11139,7 @@
             </a:avLst>
           </a:prstGeom>
           <a:solidFill>
-            <a:srgbClr val="FFCC66"/>
+            <a:srgbClr val="66FF66"/>
           </a:solidFill>
           <a:ln>
             <a:round/>
@@ -12466,6 +11168,20 @@
                 <a:spcPct val="100000"/>
               </a:lnSpc>
             </a:pPr>
+            <a:r>
+              <a:rPr lang="ko-KR" altLang="en-US" b="1" spc="-1" dirty="0">
+                <a:solidFill>
+                  <a:srgbClr val="000000"/>
+                </a:solidFill>
+                <a:uFill>
+                  <a:solidFill>
+                    <a:srgbClr val="FFFFFF"/>
+                  </a:solidFill>
+                </a:uFill>
+                <a:latin typeface="Arial"/>
+              </a:rPr>
+              <a:t>도착지점 이동 </a:t>
+            </a:r>
             <a:endParaRPr lang="en-US" altLang="ko-KR" b="1" spc="-1" dirty="0">
               <a:solidFill>
                 <a:srgbClr val="000000"/>
@@ -12496,39 +11212,7 @@
                 </a:uFill>
                 <a:latin typeface="Arial"/>
               </a:rPr>
-              <a:t>이동함수</a:t>
-            </a:r>
-            <a:endParaRPr lang="en-US" altLang="ko-KR" b="1" spc="-1" dirty="0">
-              <a:solidFill>
-                <a:srgbClr val="000000"/>
-              </a:solidFill>
-              <a:uFill>
-                <a:solidFill>
-                  <a:srgbClr val="FFFFFF"/>
-                </a:solidFill>
-              </a:uFill>
-              <a:latin typeface="Arial"/>
-            </a:endParaRPr>
-          </a:p>
-          <a:p>
-            <a:pPr algn="ctr">
-              <a:lnSpc>
-                <a:spcPct val="100000"/>
-              </a:lnSpc>
-            </a:pPr>
-            <a:r>
-              <a:rPr lang="ko-KR" altLang="en-US" sz="1800" b="1" strike="noStrike" spc="-1" dirty="0">
-                <a:solidFill>
-                  <a:srgbClr val="000000"/>
-                </a:solidFill>
-                <a:uFill>
-                  <a:solidFill>
-                    <a:srgbClr val="FFFFFF"/>
-                  </a:solidFill>
-                </a:uFill>
-                <a:latin typeface="Arial"/>
-              </a:rPr>
-              <a:t>전체사용</a:t>
+              <a:t>쓰레드</a:t>
             </a:r>
             <a:endParaRPr lang="en-US" sz="1800" b="1" strike="noStrike" spc="-1" dirty="0">
               <a:solidFill>
@@ -12558,8 +11242,8 @@
         </p:nvSpPr>
         <p:spPr>
           <a:xfrm>
-            <a:off x="8413272" y="4158360"/>
-            <a:ext cx="1739259" cy="562680"/>
+            <a:off x="8441559" y="4126533"/>
+            <a:ext cx="1636545" cy="562680"/>
           </a:xfrm>
           <a:prstGeom prst="roundRect">
             <a:avLst>
@@ -12597,7 +11281,7 @@
               </a:lnSpc>
             </a:pPr>
             <a:r>
-              <a:rPr lang="en-US" sz="1500" b="1" spc="-1" dirty="0" err="1">
+              <a:rPr lang="en-US" sz="1800" b="1" strike="noStrike" spc="-1" dirty="0" err="1">
                 <a:solidFill>
                   <a:srgbClr val="000000"/>
                 </a:solidFill>
@@ -12608,9 +11292,9 @@
                 </a:uFill>
                 <a:latin typeface="Arial"/>
               </a:rPr>
-              <a:t>Move_character</a:t>
-            </a:r>
-            <a:endParaRPr lang="en-US" sz="1500" b="1" strike="noStrike" spc="-1" dirty="0">
+              <a:t>Goal_thread</a:t>
+            </a:r>
+            <a:endParaRPr lang="en-US" sz="1800" b="1" strike="noStrike" spc="-1" dirty="0">
               <a:solidFill>
                 <a:srgbClr val="000000"/>
               </a:solidFill>
@@ -12638,7 +11322,7 @@
         </p:nvSpPr>
         <p:spPr>
           <a:xfrm>
-            <a:off x="2759885" y="4365360"/>
+            <a:off x="2685458" y="4333533"/>
             <a:ext cx="2320953" cy="1477080"/>
           </a:xfrm>
           <a:prstGeom prst="roundRect">
@@ -12647,7 +11331,7 @@
             </a:avLst>
           </a:prstGeom>
           <a:solidFill>
-            <a:srgbClr val="FFCC66"/>
+            <a:srgbClr val="66FF66"/>
           </a:solidFill>
           <a:ln>
             <a:round/>
@@ -12676,6 +11360,24 @@
                 <a:spcPct val="100000"/>
               </a:lnSpc>
             </a:pPr>
+            <a:endParaRPr lang="en-US" sz="1630" b="1" strike="noStrike" spc="-1" dirty="0">
+              <a:solidFill>
+                <a:srgbClr val="000000"/>
+              </a:solidFill>
+              <a:uFill>
+                <a:solidFill>
+                  <a:srgbClr val="FFFFFF"/>
+                </a:solidFill>
+              </a:uFill>
+              <a:latin typeface="Arial"/>
+            </a:endParaRPr>
+          </a:p>
+          <a:p>
+            <a:pPr algn="ctr">
+              <a:lnSpc>
+                <a:spcPct val="100000"/>
+              </a:lnSpc>
+            </a:pPr>
             <a:r>
               <a:rPr lang="ko-KR" altLang="en-US" sz="1630" b="1" strike="noStrike" spc="-1" dirty="0">
                 <a:solidFill>
@@ -12688,7 +11390,71 @@
                 </a:uFill>
                 <a:latin typeface="Arial"/>
               </a:rPr>
-              <a:t>실제 이동 구역</a:t>
+              <a:t>아이템 사용시 </a:t>
+            </a:r>
+            <a:endParaRPr lang="en-US" altLang="ko-KR" sz="1630" b="1" strike="noStrike" spc="-1" dirty="0">
+              <a:solidFill>
+                <a:srgbClr val="000000"/>
+              </a:solidFill>
+              <a:uFill>
+                <a:solidFill>
+                  <a:srgbClr val="FFFFFF"/>
+                </a:solidFill>
+              </a:uFill>
+              <a:latin typeface="Arial"/>
+            </a:endParaRPr>
+          </a:p>
+          <a:p>
+            <a:pPr algn="ctr">
+              <a:lnSpc>
+                <a:spcPct val="100000"/>
+              </a:lnSpc>
+            </a:pPr>
+            <a:r>
+              <a:rPr lang="ko-KR" altLang="en-US" sz="1630" b="1" strike="noStrike" spc="-1" dirty="0">
+                <a:solidFill>
+                  <a:srgbClr val="000000"/>
+                </a:solidFill>
+                <a:uFill>
+                  <a:solidFill>
+                    <a:srgbClr val="FFFFFF"/>
+                  </a:solidFill>
+                </a:uFill>
+                <a:latin typeface="Arial"/>
+              </a:rPr>
+              <a:t>큐에서 삭제 </a:t>
+            </a:r>
+            <a:endParaRPr lang="en-US" altLang="ko-KR" sz="1630" b="1" strike="noStrike" spc="-1" dirty="0">
+              <a:solidFill>
+                <a:srgbClr val="000000"/>
+              </a:solidFill>
+              <a:uFill>
+                <a:solidFill>
+                  <a:srgbClr val="FFFFFF"/>
+                </a:solidFill>
+              </a:uFill>
+              <a:latin typeface="Arial"/>
+            </a:endParaRPr>
+          </a:p>
+          <a:p>
+            <a:pPr algn="ctr">
+              <a:lnSpc>
+                <a:spcPct val="100000"/>
+              </a:lnSpc>
+            </a:pPr>
+            <a:r>
+              <a:rPr lang="ko-KR" altLang="en-US" sz="1630" b="1" strike="noStrike" spc="-1" dirty="0">
+                <a:solidFill>
+                  <a:srgbClr val="000000"/>
+                </a:solidFill>
+                <a:uFill>
+                  <a:solidFill>
+                    <a:srgbClr val="FFFFFF"/>
+                  </a:solidFill>
+                </a:uFill>
+                <a:latin typeface="Arial"/>
+              </a:rPr>
+              <a:t>해당 아이템번호 리턴</a:t>
             </a:r>
             <a:endParaRPr lang="en-US" sz="1630" b="1" strike="noStrike" spc="-1" dirty="0">
               <a:solidFill>
@@ -12718,7 +11484,7 @@
         </p:nvSpPr>
         <p:spPr>
           <a:xfrm>
-            <a:off x="3117220" y="4158360"/>
+            <a:off x="3042793" y="4126533"/>
             <a:ext cx="1636545" cy="562680"/>
           </a:xfrm>
           <a:prstGeom prst="roundRect">
@@ -12757,6 +11523,20 @@
               </a:lnSpc>
             </a:pPr>
             <a:r>
+              <a:rPr lang="en-US" altLang="ko-KR" sz="1800" b="1" strike="noStrike" spc="-1" dirty="0" err="1">
+                <a:solidFill>
+                  <a:srgbClr val="000000"/>
+                </a:solidFill>
+                <a:uFill>
+                  <a:solidFill>
+                    <a:srgbClr val="FFFFFF"/>
+                  </a:solidFill>
+                </a:uFill>
+                <a:latin typeface="Arial"/>
+              </a:rPr>
+              <a:t>Int</a:t>
+            </a:r>
+            <a:r>
               <a:rPr lang="en-US" altLang="ko-KR" sz="1800" b="1" strike="noStrike" spc="-1" dirty="0">
                 <a:solidFill>
                   <a:srgbClr val="000000"/>
@@ -12768,7 +11548,7 @@
                 </a:uFill>
                 <a:latin typeface="Arial"/>
               </a:rPr>
-              <a:t>move</a:t>
+              <a:t> Dequeue</a:t>
             </a:r>
             <a:endParaRPr lang="en-US" sz="1800" b="1" strike="noStrike" spc="-1" dirty="0">
               <a:solidFill>
@@ -12798,7 +11578,7 @@
         </p:nvSpPr>
         <p:spPr>
           <a:xfrm>
-            <a:off x="5407911" y="4365360"/>
+            <a:off x="5333484" y="4333533"/>
             <a:ext cx="2320953" cy="1477080"/>
           </a:xfrm>
           <a:prstGeom prst="roundRect">
@@ -12807,7 +11587,7 @@
             </a:avLst>
           </a:prstGeom>
           <a:solidFill>
-            <a:srgbClr val="FFCC66"/>
+            <a:srgbClr val="66FF66"/>
           </a:solidFill>
           <a:ln>
             <a:round/>
@@ -12836,7 +11616,7 @@
                 <a:spcPct val="100000"/>
               </a:lnSpc>
             </a:pPr>
-            <a:endParaRPr lang="en-US" altLang="ko-KR" sz="1800" b="1" strike="noStrike" spc="-1" dirty="0">
+            <a:endParaRPr lang="en-US" b="1" spc="-1" dirty="0">
               <a:solidFill>
                 <a:srgbClr val="000000"/>
               </a:solidFill>
@@ -12855,7 +11635,7 @@
               </a:lnSpc>
             </a:pPr>
             <a:r>
-              <a:rPr lang="ko-KR" altLang="en-US" sz="1800" b="1" strike="noStrike" spc="-1" dirty="0">
+              <a:rPr lang="en-US" b="1" spc="-1" dirty="0">
                 <a:solidFill>
                   <a:srgbClr val="000000"/>
                 </a:solidFill>
@@ -12866,9 +11646,23 @@
                 </a:uFill>
                 <a:latin typeface="Arial"/>
               </a:rPr>
-              <a:t>상하좌우 </a:t>
-            </a:r>
-            <a:endParaRPr lang="en-US" altLang="ko-KR" sz="1800" b="1" strike="noStrike" spc="-1" dirty="0">
+              <a:t>Bot </a:t>
+            </a:r>
+            <a:r>
+              <a:rPr lang="ko-KR" altLang="en-US" b="1" spc="-1" dirty="0">
+                <a:solidFill>
+                  <a:srgbClr val="000000"/>
+                </a:solidFill>
+                <a:uFill>
+                  <a:solidFill>
+                    <a:srgbClr val="FFFFFF"/>
+                  </a:solidFill>
+                </a:uFill>
+                <a:latin typeface="Arial"/>
+              </a:rPr>
+              <a:t>캐릭터</a:t>
+            </a:r>
+            <a:endParaRPr lang="en-US" altLang="ko-KR" b="1" spc="-1" dirty="0">
               <a:solidFill>
                 <a:srgbClr val="000000"/>
               </a:solidFill>
@@ -12887,7 +11681,7 @@
               </a:lnSpc>
             </a:pPr>
             <a:r>
-              <a:rPr lang="ko-KR" altLang="en-US" b="1" spc="-1" dirty="0">
+              <a:rPr lang="en-US" sz="1800" b="1" strike="noStrike" spc="-1" dirty="0">
                 <a:solidFill>
                   <a:srgbClr val="000000"/>
                 </a:solidFill>
@@ -12898,28 +11692,10 @@
                 </a:uFill>
                 <a:latin typeface="Arial"/>
               </a:rPr>
-              <a:t>상태에 따라 </a:t>
-            </a:r>
-            <a:endParaRPr lang="en-US" altLang="ko-KR" b="1" spc="-1" dirty="0">
-              <a:solidFill>
-                <a:srgbClr val="000000"/>
-              </a:solidFill>
-              <a:uFill>
-                <a:solidFill>
-                  <a:srgbClr val="FFFFFF"/>
-                </a:solidFill>
-              </a:uFill>
-              <a:latin typeface="Arial"/>
-            </a:endParaRPr>
-          </a:p>
-          <a:p>
-            <a:pPr algn="ctr">
-              <a:lnSpc>
-                <a:spcPct val="100000"/>
-              </a:lnSpc>
-            </a:pPr>
-            <a:r>
-              <a:rPr lang="en-US" sz="1800" b="1" strike="noStrike" spc="-1" dirty="0">
+              <a:t>Item </a:t>
+            </a:r>
+            <a:r>
+              <a:rPr lang="ko-KR" altLang="en-US" sz="1800" b="1" strike="noStrike" spc="-1" dirty="0">
                 <a:solidFill>
                   <a:srgbClr val="000000"/>
                 </a:solidFill>
@@ -12930,21 +11706,7 @@
                 </a:uFill>
                 <a:latin typeface="Arial"/>
               </a:rPr>
-              <a:t>0/1</a:t>
-            </a:r>
-            <a:r>
-              <a:rPr lang="ko-KR" altLang="en-US" sz="1800" b="1" strike="noStrike" spc="-1" dirty="0">
-                <a:solidFill>
-                  <a:srgbClr val="000000"/>
-                </a:solidFill>
-                <a:uFill>
-                  <a:solidFill>
-                    <a:srgbClr val="FFFFFF"/>
-                  </a:solidFill>
-                </a:uFill>
-                <a:latin typeface="Arial"/>
-              </a:rPr>
-              <a:t>리턴</a:t>
+              <a:t>사용 쓰레드</a:t>
             </a:r>
             <a:endParaRPr lang="en-US" sz="1800" b="1" strike="noStrike" spc="-1" dirty="0">
               <a:solidFill>
@@ -12974,8 +11736,8 @@
         </p:nvSpPr>
         <p:spPr>
           <a:xfrm>
-            <a:off x="5677712" y="4158360"/>
-            <a:ext cx="1739259" cy="562680"/>
+            <a:off x="5690819" y="4126533"/>
+            <a:ext cx="1636545" cy="562680"/>
           </a:xfrm>
           <a:prstGeom prst="roundRect">
             <a:avLst>
@@ -13013,7 +11775,7 @@
               </a:lnSpc>
             </a:pPr>
             <a:r>
-              <a:rPr lang="en-US" altLang="ko-KR" sz="1600" b="1" strike="noStrike" spc="-1" dirty="0" err="1">
+              <a:rPr lang="en-US" altLang="ko-KR" sz="1800" b="1" strike="noStrike" spc="-1" dirty="0" err="1">
                 <a:solidFill>
                   <a:srgbClr val="000000"/>
                 </a:solidFill>
@@ -13024,9 +11786,9 @@
                 </a:uFill>
                 <a:latin typeface="Arial"/>
               </a:rPr>
-              <a:t>Position_check</a:t>
-            </a:r>
-            <a:endParaRPr lang="en-US" sz="1600" b="1" strike="noStrike" spc="-1" dirty="0">
+              <a:t>Item_thread</a:t>
+            </a:r>
+            <a:endParaRPr lang="en-US" sz="1800" b="1" strike="noStrike" spc="-1" dirty="0">
               <a:solidFill>
                 <a:srgbClr val="000000"/>
               </a:solidFill>
@@ -13054,7 +11816,7 @@
         </p:nvSpPr>
         <p:spPr>
           <a:xfrm>
-            <a:off x="9426575" y="2277853"/>
+            <a:off x="9403748" y="2315102"/>
             <a:ext cx="2320953" cy="1477080"/>
           </a:xfrm>
           <a:prstGeom prst="roundRect">
@@ -13063,7 +11825,7 @@
             </a:avLst>
           </a:prstGeom>
           <a:solidFill>
-            <a:srgbClr val="FFCC66"/>
+            <a:srgbClr val="66FF66"/>
           </a:solidFill>
           <a:ln>
             <a:round/>
@@ -13092,7 +11854,7 @@
                 <a:spcPct val="100000"/>
               </a:lnSpc>
             </a:pPr>
-            <a:endParaRPr lang="en-US" altLang="ko-KR" b="1" spc="-1" dirty="0">
+            <a:endParaRPr lang="en-US" altLang="ko-KR" sz="1800" b="1" strike="noStrike" spc="-1" dirty="0">
               <a:solidFill>
                 <a:srgbClr val="000000"/>
               </a:solidFill>
@@ -13111,7 +11873,7 @@
               </a:lnSpc>
             </a:pPr>
             <a:r>
-              <a:rPr lang="ko-KR" altLang="en-US" b="1" spc="-1" dirty="0">
+              <a:rPr lang="ko-KR" altLang="en-US" sz="1800" b="1" strike="noStrike" spc="-1" dirty="0">
                 <a:solidFill>
                   <a:srgbClr val="000000"/>
                 </a:solidFill>
@@ -13122,9 +11884,9 @@
                 </a:uFill>
                 <a:latin typeface="Arial"/>
               </a:rPr>
-              <a:t>이동가능구역</a:t>
-            </a:r>
-            <a:endParaRPr lang="en-US" altLang="ko-KR" b="1" spc="-1" dirty="0">
+              <a:t>점프아이템 잘못 </a:t>
+            </a:r>
+            <a:endParaRPr lang="en-US" altLang="ko-KR" sz="1800" b="1" strike="noStrike" spc="-1" dirty="0">
               <a:solidFill>
                 <a:srgbClr val="000000"/>
               </a:solidFill>
@@ -13143,7 +11905,7 @@
               </a:lnSpc>
             </a:pPr>
             <a:r>
-              <a:rPr lang="ko-KR" altLang="en-US" b="1" spc="-1" dirty="0">
+              <a:rPr lang="ko-KR" altLang="en-US" sz="1800" b="1" strike="noStrike" spc="-1" dirty="0">
                 <a:solidFill>
                   <a:srgbClr val="000000"/>
                 </a:solidFill>
@@ -13154,9 +11916,23 @@
                 </a:uFill>
                 <a:latin typeface="Arial"/>
               </a:rPr>
-              <a:t>탐색</a:t>
-            </a:r>
-            <a:endParaRPr lang="en-US" altLang="ko-KR" b="1" spc="-1" dirty="0">
+              <a:t>사용시 되돌림</a:t>
+            </a:r>
+            <a:r>
+              <a:rPr lang="en-US" altLang="ko-KR" sz="1800" b="1" strike="noStrike" spc="-1" dirty="0">
+                <a:solidFill>
+                  <a:srgbClr val="000000"/>
+                </a:solidFill>
+                <a:uFill>
+                  <a:solidFill>
+                    <a:srgbClr val="FFFFFF"/>
+                  </a:solidFill>
+                </a:uFill>
+                <a:latin typeface="Arial"/>
+              </a:rPr>
+              <a:t>.</a:t>
+            </a:r>
+            <a:endParaRPr lang="en-US" sz="1800" b="1" strike="noStrike" spc="-1" dirty="0">
               <a:solidFill>
                 <a:srgbClr val="000000"/>
               </a:solidFill>
@@ -13184,8 +11960,8 @@
         </p:nvSpPr>
         <p:spPr>
           <a:xfrm>
-            <a:off x="9783910" y="2070853"/>
-            <a:ext cx="1636545" cy="562680"/>
+            <a:off x="9760492" y="2108102"/>
+            <a:ext cx="1714299" cy="562680"/>
           </a:xfrm>
           <a:prstGeom prst="roundRect">
             <a:avLst>
@@ -13223,7 +11999,7 @@
               </a:lnSpc>
             </a:pPr>
             <a:r>
-              <a:rPr lang="en-US" sz="1700" b="1" spc="-1" dirty="0" err="1">
+              <a:rPr lang="en-US" altLang="ko-KR" sz="1700" b="1" strike="noStrike" spc="-1" dirty="0" err="1">
                 <a:solidFill>
                   <a:srgbClr val="000000"/>
                 </a:solidFill>
@@ -13234,7 +12010,7 @@
                 </a:uFill>
                 <a:latin typeface="Arial"/>
               </a:rPr>
-              <a:t>Move_check</a:t>
+              <a:t>sub_Enqueue</a:t>
             </a:r>
             <a:endParaRPr lang="en-US" sz="1700" b="1" strike="noStrike" spc="-1" dirty="0">
               <a:solidFill>
@@ -13253,7 +12029,7 @@
     </p:spTree>
     <p:extLst>
       <p:ext uri="{BB962C8B-B14F-4D97-AF65-F5344CB8AC3E}">
-        <p14:creationId xmlns:p14="http://schemas.microsoft.com/office/powerpoint/2010/main" val="497038701"/>
+        <p14:creationId xmlns:p14="http://schemas.microsoft.com/office/powerpoint/2010/main" val="2794017537"/>
       </p:ext>
     </p:extLst>
   </p:cSld>
@@ -13309,6 +12085,1721 @@
       </p:grpSpPr>
       <p:sp>
         <p:nvSpPr>
+          <p:cNvPr id="214" name="CustomShape 1"/>
+          <p:cNvSpPr/>
+          <p:nvPr/>
+        </p:nvSpPr>
+        <p:spPr>
+          <a:xfrm>
+            <a:off x="1451520" y="804600"/>
+            <a:ext cx="4175640" cy="1048680"/>
+          </a:xfrm>
+          <a:prstGeom prst="rect">
+            <a:avLst/>
+          </a:prstGeom>
+          <a:noFill/>
+          <a:ln>
+            <a:noFill/>
+          </a:ln>
+        </p:spPr>
+        <p:style>
+          <a:lnRef idx="0">
+            <a:scrgbClr r="0" g="0" b="0"/>
+          </a:lnRef>
+          <a:fillRef idx="0">
+            <a:scrgbClr r="0" g="0" b="0"/>
+          </a:fillRef>
+          <a:effectRef idx="0">
+            <a:scrgbClr r="0" g="0" b="0"/>
+          </a:effectRef>
+          <a:fontRef idx="minor"/>
+        </p:style>
+        <p:txBody>
+          <a:bodyPr lIns="90000" tIns="45000" rIns="90000" bIns="45000"/>
+          <a:lstStyle/>
+          <a:p>
+            <a:pPr>
+              <a:lnSpc>
+                <a:spcPct val="90000"/>
+              </a:lnSpc>
+            </a:pPr>
+            <a:r>
+              <a:rPr lang="en-US" sz="3200" b="1" strike="noStrike" cap="all" spc="-1" dirty="0" err="1">
+                <a:solidFill>
+                  <a:srgbClr val="000000"/>
+                </a:solidFill>
+                <a:uFill>
+                  <a:solidFill>
+                    <a:srgbClr val="FFFFFF"/>
+                  </a:solidFill>
+                </a:uFill>
+                <a:latin typeface="Gill Sans MT"/>
+              </a:rPr>
+              <a:t>역할</a:t>
+            </a:r>
+            <a:r>
+              <a:rPr lang="en-US" sz="3200" b="1" strike="noStrike" cap="all" spc="-1" dirty="0">
+                <a:solidFill>
+                  <a:srgbClr val="000000"/>
+                </a:solidFill>
+                <a:uFill>
+                  <a:solidFill>
+                    <a:srgbClr val="FFFFFF"/>
+                  </a:solidFill>
+                </a:uFill>
+                <a:latin typeface="Gill Sans MT"/>
+              </a:rPr>
+              <a:t> </a:t>
+            </a:r>
+            <a:r>
+              <a:rPr lang="en-US" sz="3200" b="1" strike="noStrike" cap="all" spc="-1" dirty="0" err="1">
+                <a:solidFill>
+                  <a:srgbClr val="000000"/>
+                </a:solidFill>
+                <a:uFill>
+                  <a:solidFill>
+                    <a:srgbClr val="FFFFFF"/>
+                  </a:solidFill>
+                </a:uFill>
+                <a:latin typeface="Gill Sans MT"/>
+              </a:rPr>
+              <a:t>분담</a:t>
+            </a:r>
+            <a:r>
+              <a:rPr lang="en-US" sz="3200" b="1" strike="noStrike" cap="all" spc="-1" dirty="0">
+                <a:solidFill>
+                  <a:srgbClr val="000000"/>
+                </a:solidFill>
+                <a:uFill>
+                  <a:solidFill>
+                    <a:srgbClr val="FFFFFF"/>
+                  </a:solidFill>
+                </a:uFill>
+                <a:latin typeface="Gill Sans MT"/>
+              </a:rPr>
+              <a:t> </a:t>
+            </a:r>
+            <a:r>
+              <a:rPr lang="en-US" altLang="ko-KR" sz="3200" b="1" strike="noStrike" cap="all" spc="-1" dirty="0">
+                <a:solidFill>
+                  <a:srgbClr val="000000"/>
+                </a:solidFill>
+                <a:uFill>
+                  <a:solidFill>
+                    <a:srgbClr val="FFFFFF"/>
+                  </a:solidFill>
+                </a:uFill>
+                <a:latin typeface="Gill Sans MT"/>
+              </a:rPr>
+              <a:t>– </a:t>
+            </a:r>
+            <a:r>
+              <a:rPr lang="ko-KR" altLang="en-US" sz="3200" b="1" strike="noStrike" cap="all" spc="-1" dirty="0" err="1">
+                <a:solidFill>
+                  <a:srgbClr val="000000"/>
+                </a:solidFill>
+                <a:uFill>
+                  <a:solidFill>
+                    <a:srgbClr val="FFFFFF"/>
+                  </a:solidFill>
+                </a:uFill>
+                <a:latin typeface="Gill Sans MT"/>
+              </a:rPr>
+              <a:t>이요나</a:t>
+            </a:r>
+            <a:endParaRPr lang="en-US" sz="1800" b="0" strike="noStrike" spc="-1" dirty="0">
+              <a:solidFill>
+                <a:srgbClr val="000000"/>
+              </a:solidFill>
+              <a:uFill>
+                <a:solidFill>
+                  <a:srgbClr val="FFFFFF"/>
+                </a:solidFill>
+              </a:uFill>
+              <a:latin typeface="Arial"/>
+            </a:endParaRPr>
+          </a:p>
+          <a:p>
+            <a:pPr>
+              <a:lnSpc>
+                <a:spcPct val="90000"/>
+              </a:lnSpc>
+            </a:pPr>
+            <a:endParaRPr lang="en-US" sz="1800" b="0" strike="noStrike" spc="-1" dirty="0">
+              <a:solidFill>
+                <a:srgbClr val="000000"/>
+              </a:solidFill>
+              <a:uFill>
+                <a:solidFill>
+                  <a:srgbClr val="FFFFFF"/>
+                </a:solidFill>
+              </a:uFill>
+              <a:latin typeface="Arial"/>
+            </a:endParaRPr>
+          </a:p>
+        </p:txBody>
+      </p:sp>
+      <p:sp>
+        <p:nvSpPr>
+          <p:cNvPr id="24" name="CustomShape 4">
+            <a:extLst>
+              <a:ext uri="{FF2B5EF4-FFF2-40B4-BE49-F238E27FC236}">
+                <a16:creationId xmlns:a16="http://schemas.microsoft.com/office/drawing/2014/main" id="{A0B8CC32-7DF7-4B1D-BDBD-99C8BBFC354A}"/>
+              </a:ext>
+            </a:extLst>
+          </p:cNvPr>
+          <p:cNvSpPr/>
+          <p:nvPr/>
+        </p:nvSpPr>
+        <p:spPr>
+          <a:xfrm>
+            <a:off x="1451520" y="2277853"/>
+            <a:ext cx="2320953" cy="1477080"/>
+          </a:xfrm>
+          <a:prstGeom prst="roundRect">
+            <a:avLst>
+              <a:gd name="adj" fmla="val 16667"/>
+            </a:avLst>
+          </a:prstGeom>
+          <a:solidFill>
+            <a:srgbClr val="FFCC66"/>
+          </a:solidFill>
+          <a:ln>
+            <a:round/>
+          </a:ln>
+        </p:spPr>
+        <p:style>
+          <a:lnRef idx="2">
+            <a:schemeClr val="accent1">
+              <a:shade val="50000"/>
+            </a:schemeClr>
+          </a:lnRef>
+          <a:fillRef idx="1">
+            <a:schemeClr val="accent1"/>
+          </a:fillRef>
+          <a:effectRef idx="0">
+            <a:schemeClr val="accent1"/>
+          </a:effectRef>
+          <a:fontRef idx="minor"/>
+        </p:style>
+        <p:txBody>
+          <a:bodyPr lIns="90000" tIns="45000" rIns="90000" bIns="45000" anchor="ctr"/>
+          <a:lstStyle/>
+          <a:p>
+            <a:pPr algn="ctr">
+              <a:lnSpc>
+                <a:spcPct val="100000"/>
+              </a:lnSpc>
+            </a:pPr>
+            <a:endParaRPr lang="en-US" sz="1800" b="1" strike="noStrike" spc="-1" dirty="0">
+              <a:solidFill>
+                <a:srgbClr val="000000"/>
+              </a:solidFill>
+              <a:uFill>
+                <a:solidFill>
+                  <a:srgbClr val="FFFFFF"/>
+                </a:solidFill>
+              </a:uFill>
+              <a:latin typeface="Arial"/>
+            </a:endParaRPr>
+          </a:p>
+          <a:p>
+            <a:pPr algn="ctr">
+              <a:lnSpc>
+                <a:spcPct val="100000"/>
+              </a:lnSpc>
+            </a:pPr>
+            <a:r>
+              <a:rPr lang="ko-KR" altLang="en-US" b="1" spc="-1" dirty="0">
+                <a:solidFill>
+                  <a:srgbClr val="000000"/>
+                </a:solidFill>
+                <a:uFill>
+                  <a:solidFill>
+                    <a:srgbClr val="FFFFFF"/>
+                  </a:solidFill>
+                </a:uFill>
+                <a:latin typeface="Arial"/>
+              </a:rPr>
+              <a:t>벽 쌓기 아이템</a:t>
+            </a:r>
+            <a:endParaRPr lang="en-US" altLang="ko-KR" b="1" spc="-1" dirty="0">
+              <a:solidFill>
+                <a:srgbClr val="000000"/>
+              </a:solidFill>
+              <a:uFill>
+                <a:solidFill>
+                  <a:srgbClr val="FFFFFF"/>
+                </a:solidFill>
+              </a:uFill>
+              <a:latin typeface="Arial"/>
+            </a:endParaRPr>
+          </a:p>
+          <a:p>
+            <a:pPr algn="ctr">
+              <a:lnSpc>
+                <a:spcPct val="100000"/>
+              </a:lnSpc>
+            </a:pPr>
+            <a:r>
+              <a:rPr lang="en-US" altLang="ko-KR" b="1" spc="-1" dirty="0">
+                <a:solidFill>
+                  <a:srgbClr val="000000"/>
+                </a:solidFill>
+                <a:uFill>
+                  <a:solidFill>
+                    <a:srgbClr val="FFFFFF"/>
+                  </a:solidFill>
+                </a:uFill>
+                <a:latin typeface="Arial"/>
+              </a:rPr>
+              <a:t>(</a:t>
+            </a:r>
+            <a:r>
+              <a:rPr lang="ko-KR" altLang="en-US" b="1" spc="-1" dirty="0">
+                <a:solidFill>
+                  <a:srgbClr val="000000"/>
+                </a:solidFill>
+                <a:uFill>
+                  <a:solidFill>
+                    <a:srgbClr val="FFFFFF"/>
+                  </a:solidFill>
+                </a:uFill>
+                <a:latin typeface="Arial"/>
+              </a:rPr>
+              <a:t>ⓦ</a:t>
+            </a:r>
+            <a:r>
+              <a:rPr lang="en-US" altLang="ko-KR" b="1" spc="-1" dirty="0">
+                <a:solidFill>
+                  <a:srgbClr val="000000"/>
+                </a:solidFill>
+                <a:uFill>
+                  <a:solidFill>
+                    <a:srgbClr val="FFFFFF"/>
+                  </a:solidFill>
+                </a:uFill>
+                <a:latin typeface="Arial"/>
+              </a:rPr>
+              <a:t>)</a:t>
+            </a:r>
+            <a:endParaRPr lang="en-US" sz="1800" b="1" strike="noStrike" spc="-1" dirty="0">
+              <a:solidFill>
+                <a:srgbClr val="000000"/>
+              </a:solidFill>
+              <a:uFill>
+                <a:solidFill>
+                  <a:srgbClr val="FFFFFF"/>
+                </a:solidFill>
+              </a:uFill>
+              <a:latin typeface="Arial"/>
+            </a:endParaRPr>
+          </a:p>
+        </p:txBody>
+      </p:sp>
+      <p:sp>
+        <p:nvSpPr>
+          <p:cNvPr id="25" name="CustomShape 5">
+            <a:extLst>
+              <a:ext uri="{FF2B5EF4-FFF2-40B4-BE49-F238E27FC236}">
+                <a16:creationId xmlns:a16="http://schemas.microsoft.com/office/drawing/2014/main" id="{18E77BCC-3F9C-441E-883F-79C8A18ECF0B}"/>
+              </a:ext>
+            </a:extLst>
+          </p:cNvPr>
+          <p:cNvSpPr/>
+          <p:nvPr/>
+        </p:nvSpPr>
+        <p:spPr>
+          <a:xfrm>
+            <a:off x="1808855" y="2070853"/>
+            <a:ext cx="1636545" cy="562680"/>
+          </a:xfrm>
+          <a:prstGeom prst="roundRect">
+            <a:avLst>
+              <a:gd name="adj" fmla="val 16667"/>
+            </a:avLst>
+          </a:prstGeom>
+          <a:solidFill>
+            <a:schemeClr val="bg1"/>
+          </a:solidFill>
+          <a:ln>
+            <a:round/>
+          </a:ln>
+        </p:spPr>
+        <p:style>
+          <a:lnRef idx="2">
+            <a:schemeClr val="accent1">
+              <a:shade val="50000"/>
+            </a:schemeClr>
+          </a:lnRef>
+          <a:fillRef idx="1">
+            <a:schemeClr val="accent1"/>
+          </a:fillRef>
+          <a:effectRef idx="0">
+            <a:schemeClr val="accent1"/>
+          </a:effectRef>
+          <a:fontRef idx="minor"/>
+        </p:style>
+        <p:txBody>
+          <a:bodyPr lIns="90000" tIns="45000" rIns="90000" bIns="45000" anchor="ctr"/>
+          <a:lstStyle/>
+          <a:p>
+            <a:pPr algn="ctr">
+              <a:lnSpc>
+                <a:spcPct val="100000"/>
+              </a:lnSpc>
+            </a:pPr>
+            <a:r>
+              <a:rPr lang="en-US" b="1" spc="-1" dirty="0" err="1">
+                <a:solidFill>
+                  <a:srgbClr val="000000"/>
+                </a:solidFill>
+                <a:uFill>
+                  <a:solidFill>
+                    <a:srgbClr val="FFFFFF"/>
+                  </a:solidFill>
+                </a:uFill>
+                <a:latin typeface="Arial"/>
+              </a:rPr>
+              <a:t>Itme_wall</a:t>
+            </a:r>
+            <a:endParaRPr lang="en-US" sz="1800" b="1" strike="noStrike" spc="-1" dirty="0">
+              <a:solidFill>
+                <a:srgbClr val="000000"/>
+              </a:solidFill>
+              <a:uFill>
+                <a:solidFill>
+                  <a:srgbClr val="FFFFFF"/>
+                </a:solidFill>
+              </a:uFill>
+              <a:latin typeface="Arial"/>
+            </a:endParaRPr>
+          </a:p>
+        </p:txBody>
+      </p:sp>
+      <p:sp>
+        <p:nvSpPr>
+          <p:cNvPr id="26" name="CustomShape 4">
+            <a:extLst>
+              <a:ext uri="{FF2B5EF4-FFF2-40B4-BE49-F238E27FC236}">
+                <a16:creationId xmlns:a16="http://schemas.microsoft.com/office/drawing/2014/main" id="{2761F6D4-FB5B-4FB7-B3CD-1E6C6A9D5113}"/>
+              </a:ext>
+            </a:extLst>
+          </p:cNvPr>
+          <p:cNvSpPr/>
+          <p:nvPr/>
+        </p:nvSpPr>
+        <p:spPr>
+          <a:xfrm>
+            <a:off x="4141751" y="2267280"/>
+            <a:ext cx="2320953" cy="1477080"/>
+          </a:xfrm>
+          <a:prstGeom prst="roundRect">
+            <a:avLst>
+              <a:gd name="adj" fmla="val 16667"/>
+            </a:avLst>
+          </a:prstGeom>
+          <a:solidFill>
+            <a:srgbClr val="FFCC66"/>
+          </a:solidFill>
+          <a:ln>
+            <a:round/>
+          </a:ln>
+        </p:spPr>
+        <p:style>
+          <a:lnRef idx="2">
+            <a:schemeClr val="accent1">
+              <a:shade val="50000"/>
+            </a:schemeClr>
+          </a:lnRef>
+          <a:fillRef idx="1">
+            <a:schemeClr val="accent1"/>
+          </a:fillRef>
+          <a:effectRef idx="0">
+            <a:schemeClr val="accent1"/>
+          </a:effectRef>
+          <a:fontRef idx="minor"/>
+        </p:style>
+        <p:txBody>
+          <a:bodyPr lIns="90000" tIns="45000" rIns="90000" bIns="45000" anchor="ctr"/>
+          <a:lstStyle/>
+          <a:p>
+            <a:pPr algn="ctr">
+              <a:lnSpc>
+                <a:spcPct val="100000"/>
+              </a:lnSpc>
+            </a:pPr>
+            <a:endParaRPr lang="en-US" altLang="ko-KR" sz="1600" b="1" spc="-1" dirty="0">
+              <a:solidFill>
+                <a:srgbClr val="000000"/>
+              </a:solidFill>
+              <a:uFill>
+                <a:solidFill>
+                  <a:srgbClr val="FFFFFF"/>
+                </a:solidFill>
+              </a:uFill>
+              <a:latin typeface="Arial"/>
+            </a:endParaRPr>
+          </a:p>
+          <a:p>
+            <a:pPr algn="ctr">
+              <a:lnSpc>
+                <a:spcPct val="100000"/>
+              </a:lnSpc>
+            </a:pPr>
+            <a:r>
+              <a:rPr lang="ko-KR" altLang="en-US" sz="1600" b="1" spc="-1" dirty="0">
+                <a:solidFill>
+                  <a:srgbClr val="000000"/>
+                </a:solidFill>
+                <a:uFill>
+                  <a:solidFill>
+                    <a:srgbClr val="FFFFFF"/>
+                  </a:solidFill>
+                </a:uFill>
+                <a:latin typeface="Arial"/>
+              </a:rPr>
+              <a:t>벽 제거 아이템</a:t>
+            </a:r>
+            <a:endParaRPr lang="en-US" altLang="ko-KR" sz="1600" b="1" spc="-1" dirty="0">
+              <a:solidFill>
+                <a:srgbClr val="000000"/>
+              </a:solidFill>
+              <a:uFill>
+                <a:solidFill>
+                  <a:srgbClr val="FFFFFF"/>
+                </a:solidFill>
+              </a:uFill>
+              <a:latin typeface="Arial"/>
+            </a:endParaRPr>
+          </a:p>
+          <a:p>
+            <a:pPr algn="ctr">
+              <a:lnSpc>
+                <a:spcPct val="100000"/>
+              </a:lnSpc>
+            </a:pPr>
+            <a:r>
+              <a:rPr lang="en-US" sz="1600" b="1" spc="-1" dirty="0">
+                <a:solidFill>
+                  <a:srgbClr val="000000"/>
+                </a:solidFill>
+                <a:uFill>
+                  <a:solidFill>
+                    <a:srgbClr val="FFFFFF"/>
+                  </a:solidFill>
+                </a:uFill>
+                <a:latin typeface="Arial"/>
+              </a:rPr>
+              <a:t>(</a:t>
+            </a:r>
+            <a:r>
+              <a:rPr lang="ko-KR" altLang="en-US" sz="1600" b="1" spc="-1" dirty="0">
+                <a:solidFill>
+                  <a:srgbClr val="000000"/>
+                </a:solidFill>
+                <a:uFill>
+                  <a:solidFill>
+                    <a:srgbClr val="FFFFFF"/>
+                  </a:solidFill>
+                </a:uFill>
+              </a:rPr>
+              <a:t>ⓑ</a:t>
+            </a:r>
+            <a:r>
+              <a:rPr lang="en-US" altLang="ko-KR" sz="1600" b="1" spc="-1" dirty="0">
+                <a:solidFill>
+                  <a:srgbClr val="000000"/>
+                </a:solidFill>
+                <a:uFill>
+                  <a:solidFill>
+                    <a:srgbClr val="FFFFFF"/>
+                  </a:solidFill>
+                </a:uFill>
+              </a:rPr>
+              <a:t>)</a:t>
+            </a:r>
+            <a:endParaRPr lang="en-US" sz="1600" b="1" spc="-1" dirty="0">
+              <a:solidFill>
+                <a:srgbClr val="000000"/>
+              </a:solidFill>
+              <a:uFill>
+                <a:solidFill>
+                  <a:srgbClr val="FFFFFF"/>
+                </a:solidFill>
+              </a:uFill>
+              <a:latin typeface="Arial"/>
+            </a:endParaRPr>
+          </a:p>
+        </p:txBody>
+      </p:sp>
+      <p:sp>
+        <p:nvSpPr>
+          <p:cNvPr id="27" name="CustomShape 5">
+            <a:extLst>
+              <a:ext uri="{FF2B5EF4-FFF2-40B4-BE49-F238E27FC236}">
+                <a16:creationId xmlns:a16="http://schemas.microsoft.com/office/drawing/2014/main" id="{C88B24DD-A14A-41C1-830E-AE9C87BC3FAC}"/>
+              </a:ext>
+            </a:extLst>
+          </p:cNvPr>
+          <p:cNvSpPr/>
+          <p:nvPr/>
+        </p:nvSpPr>
+        <p:spPr>
+          <a:xfrm>
+            <a:off x="4499086" y="2060280"/>
+            <a:ext cx="1636545" cy="562680"/>
+          </a:xfrm>
+          <a:prstGeom prst="roundRect">
+            <a:avLst>
+              <a:gd name="adj" fmla="val 16667"/>
+            </a:avLst>
+          </a:prstGeom>
+          <a:solidFill>
+            <a:schemeClr val="bg1"/>
+          </a:solidFill>
+          <a:ln>
+            <a:round/>
+          </a:ln>
+        </p:spPr>
+        <p:style>
+          <a:lnRef idx="2">
+            <a:schemeClr val="accent1">
+              <a:shade val="50000"/>
+            </a:schemeClr>
+          </a:lnRef>
+          <a:fillRef idx="1">
+            <a:schemeClr val="accent1"/>
+          </a:fillRef>
+          <a:effectRef idx="0">
+            <a:schemeClr val="accent1"/>
+          </a:effectRef>
+          <a:fontRef idx="minor"/>
+        </p:style>
+        <p:txBody>
+          <a:bodyPr lIns="90000" tIns="45000" rIns="90000" bIns="45000" anchor="ctr"/>
+          <a:lstStyle/>
+          <a:p>
+            <a:pPr algn="ctr">
+              <a:lnSpc>
+                <a:spcPct val="100000"/>
+              </a:lnSpc>
+            </a:pPr>
+            <a:r>
+              <a:rPr lang="en-US" sz="1700" b="1" strike="noStrike" spc="-1" dirty="0" err="1">
+                <a:solidFill>
+                  <a:srgbClr val="000000"/>
+                </a:solidFill>
+                <a:uFill>
+                  <a:solidFill>
+                    <a:srgbClr val="FFFFFF"/>
+                  </a:solidFill>
+                </a:uFill>
+                <a:latin typeface="Arial"/>
+              </a:rPr>
+              <a:t>Item_break</a:t>
+            </a:r>
+            <a:endParaRPr lang="en-US" sz="1700" b="1" strike="noStrike" spc="-1" dirty="0">
+              <a:solidFill>
+                <a:srgbClr val="000000"/>
+              </a:solidFill>
+              <a:uFill>
+                <a:solidFill>
+                  <a:srgbClr val="FFFFFF"/>
+                </a:solidFill>
+              </a:uFill>
+              <a:latin typeface="Arial"/>
+            </a:endParaRPr>
+          </a:p>
+        </p:txBody>
+      </p:sp>
+      <p:sp>
+        <p:nvSpPr>
+          <p:cNvPr id="28" name="CustomShape 4">
+            <a:extLst>
+              <a:ext uri="{FF2B5EF4-FFF2-40B4-BE49-F238E27FC236}">
+                <a16:creationId xmlns:a16="http://schemas.microsoft.com/office/drawing/2014/main" id="{BC89119E-5128-4D07-B6B7-A6AAC3C2190E}"/>
+              </a:ext>
+            </a:extLst>
+          </p:cNvPr>
+          <p:cNvSpPr/>
+          <p:nvPr/>
+        </p:nvSpPr>
+        <p:spPr>
+          <a:xfrm>
+            <a:off x="6783868" y="2277853"/>
+            <a:ext cx="2320953" cy="1477080"/>
+          </a:xfrm>
+          <a:prstGeom prst="roundRect">
+            <a:avLst>
+              <a:gd name="adj" fmla="val 16667"/>
+            </a:avLst>
+          </a:prstGeom>
+          <a:solidFill>
+            <a:srgbClr val="FFCC66"/>
+          </a:solidFill>
+          <a:ln>
+            <a:round/>
+          </a:ln>
+        </p:spPr>
+        <p:style>
+          <a:lnRef idx="2">
+            <a:schemeClr val="accent1">
+              <a:shade val="50000"/>
+            </a:schemeClr>
+          </a:lnRef>
+          <a:fillRef idx="1">
+            <a:schemeClr val="accent1"/>
+          </a:fillRef>
+          <a:effectRef idx="0">
+            <a:schemeClr val="accent1"/>
+          </a:effectRef>
+          <a:fontRef idx="minor"/>
+        </p:style>
+        <p:txBody>
+          <a:bodyPr lIns="90000" tIns="45000" rIns="90000" bIns="45000" anchor="ctr"/>
+          <a:lstStyle/>
+          <a:p>
+            <a:pPr algn="ctr">
+              <a:lnSpc>
+                <a:spcPct val="100000"/>
+              </a:lnSpc>
+            </a:pPr>
+            <a:endParaRPr lang="en-US" sz="1800" b="1" strike="noStrike" spc="-1" dirty="0">
+              <a:solidFill>
+                <a:srgbClr val="000000"/>
+              </a:solidFill>
+              <a:uFill>
+                <a:solidFill>
+                  <a:srgbClr val="FFFFFF"/>
+                </a:solidFill>
+              </a:uFill>
+              <a:latin typeface="Arial"/>
+            </a:endParaRPr>
+          </a:p>
+          <a:p>
+            <a:pPr algn="ctr">
+              <a:lnSpc>
+                <a:spcPct val="100000"/>
+              </a:lnSpc>
+            </a:pPr>
+            <a:r>
+              <a:rPr lang="en-US" b="1" spc="-1" dirty="0">
+                <a:solidFill>
+                  <a:srgbClr val="000000"/>
+                </a:solidFill>
+                <a:uFill>
+                  <a:solidFill>
+                    <a:srgbClr val="FFFFFF"/>
+                  </a:solidFill>
+                </a:uFill>
+                <a:latin typeface="Arial"/>
+              </a:rPr>
+              <a:t>Bot </a:t>
+            </a:r>
+            <a:r>
+              <a:rPr lang="ko-KR" altLang="en-US" b="1" spc="-1" dirty="0">
+                <a:solidFill>
+                  <a:srgbClr val="000000"/>
+                </a:solidFill>
+                <a:uFill>
+                  <a:solidFill>
+                    <a:srgbClr val="FFFFFF"/>
+                  </a:solidFill>
+                </a:uFill>
+                <a:latin typeface="Arial"/>
+              </a:rPr>
+              <a:t>캐릭터 쓰레드</a:t>
+            </a:r>
+            <a:endParaRPr lang="en-US" sz="1800" b="1" strike="noStrike" spc="-1" dirty="0">
+              <a:solidFill>
+                <a:srgbClr val="000000"/>
+              </a:solidFill>
+              <a:uFill>
+                <a:solidFill>
+                  <a:srgbClr val="FFFFFF"/>
+                </a:solidFill>
+              </a:uFill>
+              <a:latin typeface="Arial"/>
+            </a:endParaRPr>
+          </a:p>
+        </p:txBody>
+      </p:sp>
+      <p:sp>
+        <p:nvSpPr>
+          <p:cNvPr id="29" name="CustomShape 5">
+            <a:extLst>
+              <a:ext uri="{FF2B5EF4-FFF2-40B4-BE49-F238E27FC236}">
+                <a16:creationId xmlns:a16="http://schemas.microsoft.com/office/drawing/2014/main" id="{E8D47608-64FA-4023-B56B-C3E39C3573EB}"/>
+              </a:ext>
+            </a:extLst>
+          </p:cNvPr>
+          <p:cNvSpPr/>
+          <p:nvPr/>
+        </p:nvSpPr>
+        <p:spPr>
+          <a:xfrm>
+            <a:off x="7141203" y="2070853"/>
+            <a:ext cx="1636545" cy="562680"/>
+          </a:xfrm>
+          <a:prstGeom prst="roundRect">
+            <a:avLst>
+              <a:gd name="adj" fmla="val 16667"/>
+            </a:avLst>
+          </a:prstGeom>
+          <a:solidFill>
+            <a:schemeClr val="bg1"/>
+          </a:solidFill>
+          <a:ln>
+            <a:round/>
+          </a:ln>
+        </p:spPr>
+        <p:style>
+          <a:lnRef idx="2">
+            <a:schemeClr val="accent1">
+              <a:shade val="50000"/>
+            </a:schemeClr>
+          </a:lnRef>
+          <a:fillRef idx="1">
+            <a:schemeClr val="accent1"/>
+          </a:fillRef>
+          <a:effectRef idx="0">
+            <a:schemeClr val="accent1"/>
+          </a:effectRef>
+          <a:fontRef idx="minor"/>
+        </p:style>
+        <p:txBody>
+          <a:bodyPr lIns="90000" tIns="45000" rIns="90000" bIns="45000" anchor="ctr"/>
+          <a:lstStyle/>
+          <a:p>
+            <a:pPr algn="ctr">
+              <a:lnSpc>
+                <a:spcPct val="100000"/>
+              </a:lnSpc>
+            </a:pPr>
+            <a:r>
+              <a:rPr lang="en-US" b="1" spc="-1" dirty="0" err="1">
+                <a:solidFill>
+                  <a:srgbClr val="000000"/>
+                </a:solidFill>
+                <a:uFill>
+                  <a:solidFill>
+                    <a:srgbClr val="FFFFFF"/>
+                  </a:solidFill>
+                </a:uFill>
+                <a:latin typeface="Arial"/>
+              </a:rPr>
+              <a:t>Bot_thread</a:t>
+            </a:r>
+            <a:endParaRPr lang="en-US" sz="1800" b="1" strike="noStrike" spc="-1" dirty="0">
+              <a:solidFill>
+                <a:srgbClr val="000000"/>
+              </a:solidFill>
+              <a:uFill>
+                <a:solidFill>
+                  <a:srgbClr val="FFFFFF"/>
+                </a:solidFill>
+              </a:uFill>
+              <a:latin typeface="Arial"/>
+            </a:endParaRPr>
+          </a:p>
+        </p:txBody>
+      </p:sp>
+      <p:sp>
+        <p:nvSpPr>
+          <p:cNvPr id="32" name="CustomShape 4">
+            <a:extLst>
+              <a:ext uri="{FF2B5EF4-FFF2-40B4-BE49-F238E27FC236}">
+                <a16:creationId xmlns:a16="http://schemas.microsoft.com/office/drawing/2014/main" id="{C46E3966-5E00-4B49-9E24-15C5F7D7E8CE}"/>
+              </a:ext>
+            </a:extLst>
+          </p:cNvPr>
+          <p:cNvSpPr/>
+          <p:nvPr/>
+        </p:nvSpPr>
+        <p:spPr>
+          <a:xfrm>
+            <a:off x="8158651" y="4365360"/>
+            <a:ext cx="2320953" cy="1477080"/>
+          </a:xfrm>
+          <a:prstGeom prst="roundRect">
+            <a:avLst>
+              <a:gd name="adj" fmla="val 16667"/>
+            </a:avLst>
+          </a:prstGeom>
+          <a:solidFill>
+            <a:srgbClr val="FFCC66"/>
+          </a:solidFill>
+          <a:ln>
+            <a:round/>
+          </a:ln>
+        </p:spPr>
+        <p:style>
+          <a:lnRef idx="2">
+            <a:schemeClr val="accent1">
+              <a:shade val="50000"/>
+            </a:schemeClr>
+          </a:lnRef>
+          <a:fillRef idx="1">
+            <a:schemeClr val="accent1"/>
+          </a:fillRef>
+          <a:effectRef idx="0">
+            <a:schemeClr val="accent1"/>
+          </a:effectRef>
+          <a:fontRef idx="minor"/>
+        </p:style>
+        <p:txBody>
+          <a:bodyPr lIns="90000" tIns="45000" rIns="90000" bIns="45000" anchor="ctr"/>
+          <a:lstStyle/>
+          <a:p>
+            <a:pPr algn="ctr">
+              <a:lnSpc>
+                <a:spcPct val="100000"/>
+              </a:lnSpc>
+            </a:pPr>
+            <a:endParaRPr lang="en-US" altLang="ko-KR" b="1" spc="-1" dirty="0">
+              <a:solidFill>
+                <a:srgbClr val="000000"/>
+              </a:solidFill>
+              <a:uFill>
+                <a:solidFill>
+                  <a:srgbClr val="FFFFFF"/>
+                </a:solidFill>
+              </a:uFill>
+              <a:latin typeface="Arial"/>
+            </a:endParaRPr>
+          </a:p>
+          <a:p>
+            <a:pPr algn="ctr">
+              <a:lnSpc>
+                <a:spcPct val="100000"/>
+              </a:lnSpc>
+            </a:pPr>
+            <a:r>
+              <a:rPr lang="ko-KR" altLang="en-US" b="1" spc="-1" dirty="0">
+                <a:solidFill>
+                  <a:srgbClr val="000000"/>
+                </a:solidFill>
+                <a:uFill>
+                  <a:solidFill>
+                    <a:srgbClr val="FFFFFF"/>
+                  </a:solidFill>
+                </a:uFill>
+                <a:latin typeface="Arial"/>
+              </a:rPr>
+              <a:t>이동함수</a:t>
+            </a:r>
+            <a:endParaRPr lang="en-US" altLang="ko-KR" b="1" spc="-1" dirty="0">
+              <a:solidFill>
+                <a:srgbClr val="000000"/>
+              </a:solidFill>
+              <a:uFill>
+                <a:solidFill>
+                  <a:srgbClr val="FFFFFF"/>
+                </a:solidFill>
+              </a:uFill>
+              <a:latin typeface="Arial"/>
+            </a:endParaRPr>
+          </a:p>
+          <a:p>
+            <a:pPr algn="ctr">
+              <a:lnSpc>
+                <a:spcPct val="100000"/>
+              </a:lnSpc>
+            </a:pPr>
+            <a:r>
+              <a:rPr lang="ko-KR" altLang="en-US" sz="1800" b="1" strike="noStrike" spc="-1" dirty="0">
+                <a:solidFill>
+                  <a:srgbClr val="000000"/>
+                </a:solidFill>
+                <a:uFill>
+                  <a:solidFill>
+                    <a:srgbClr val="FFFFFF"/>
+                  </a:solidFill>
+                </a:uFill>
+                <a:latin typeface="Arial"/>
+              </a:rPr>
+              <a:t>전체사용</a:t>
+            </a:r>
+            <a:endParaRPr lang="en-US" sz="1800" b="1" strike="noStrike" spc="-1" dirty="0">
+              <a:solidFill>
+                <a:srgbClr val="000000"/>
+              </a:solidFill>
+              <a:uFill>
+                <a:solidFill>
+                  <a:srgbClr val="FFFFFF"/>
+                </a:solidFill>
+              </a:uFill>
+              <a:latin typeface="Arial"/>
+            </a:endParaRPr>
+          </a:p>
+        </p:txBody>
+      </p:sp>
+      <p:sp>
+        <p:nvSpPr>
+          <p:cNvPr id="33" name="CustomShape 5">
+            <a:extLst>
+              <a:ext uri="{FF2B5EF4-FFF2-40B4-BE49-F238E27FC236}">
+                <a16:creationId xmlns:a16="http://schemas.microsoft.com/office/drawing/2014/main" id="{412B307E-194E-450C-860B-25D28F5B9D84}"/>
+              </a:ext>
+            </a:extLst>
+          </p:cNvPr>
+          <p:cNvSpPr/>
+          <p:nvPr/>
+        </p:nvSpPr>
+        <p:spPr>
+          <a:xfrm>
+            <a:off x="8413272" y="4158360"/>
+            <a:ext cx="1739259" cy="562680"/>
+          </a:xfrm>
+          <a:prstGeom prst="roundRect">
+            <a:avLst>
+              <a:gd name="adj" fmla="val 16667"/>
+            </a:avLst>
+          </a:prstGeom>
+          <a:solidFill>
+            <a:schemeClr val="bg1"/>
+          </a:solidFill>
+          <a:ln>
+            <a:round/>
+          </a:ln>
+        </p:spPr>
+        <p:style>
+          <a:lnRef idx="2">
+            <a:schemeClr val="accent1">
+              <a:shade val="50000"/>
+            </a:schemeClr>
+          </a:lnRef>
+          <a:fillRef idx="1">
+            <a:schemeClr val="accent1"/>
+          </a:fillRef>
+          <a:effectRef idx="0">
+            <a:schemeClr val="accent1"/>
+          </a:effectRef>
+          <a:fontRef idx="minor"/>
+        </p:style>
+        <p:txBody>
+          <a:bodyPr lIns="90000" tIns="45000" rIns="90000" bIns="45000" anchor="ctr"/>
+          <a:lstStyle/>
+          <a:p>
+            <a:pPr algn="ctr">
+              <a:lnSpc>
+                <a:spcPct val="100000"/>
+              </a:lnSpc>
+            </a:pPr>
+            <a:r>
+              <a:rPr lang="en-US" sz="1500" b="1" spc="-1" dirty="0" err="1">
+                <a:solidFill>
+                  <a:srgbClr val="000000"/>
+                </a:solidFill>
+                <a:uFill>
+                  <a:solidFill>
+                    <a:srgbClr val="FFFFFF"/>
+                  </a:solidFill>
+                </a:uFill>
+                <a:latin typeface="Arial"/>
+              </a:rPr>
+              <a:t>Move_character</a:t>
+            </a:r>
+            <a:endParaRPr lang="en-US" sz="1500" b="1" strike="noStrike" spc="-1" dirty="0">
+              <a:solidFill>
+                <a:srgbClr val="000000"/>
+              </a:solidFill>
+              <a:uFill>
+                <a:solidFill>
+                  <a:srgbClr val="FFFFFF"/>
+                </a:solidFill>
+              </a:uFill>
+              <a:latin typeface="Arial"/>
+            </a:endParaRPr>
+          </a:p>
+        </p:txBody>
+      </p:sp>
+      <p:sp>
+        <p:nvSpPr>
+          <p:cNvPr id="34" name="CustomShape 4">
+            <a:extLst>
+              <a:ext uri="{FF2B5EF4-FFF2-40B4-BE49-F238E27FC236}">
+                <a16:creationId xmlns:a16="http://schemas.microsoft.com/office/drawing/2014/main" id="{414387EF-25E7-491F-80EE-C195B76AF351}"/>
+              </a:ext>
+            </a:extLst>
+          </p:cNvPr>
+          <p:cNvSpPr/>
+          <p:nvPr/>
+        </p:nvSpPr>
+        <p:spPr>
+          <a:xfrm>
+            <a:off x="2759885" y="4365360"/>
+            <a:ext cx="2320953" cy="1477080"/>
+          </a:xfrm>
+          <a:prstGeom prst="roundRect">
+            <a:avLst>
+              <a:gd name="adj" fmla="val 16667"/>
+            </a:avLst>
+          </a:prstGeom>
+          <a:solidFill>
+            <a:srgbClr val="FFCC66"/>
+          </a:solidFill>
+          <a:ln>
+            <a:round/>
+          </a:ln>
+        </p:spPr>
+        <p:style>
+          <a:lnRef idx="2">
+            <a:schemeClr val="accent1">
+              <a:shade val="50000"/>
+            </a:schemeClr>
+          </a:lnRef>
+          <a:fillRef idx="1">
+            <a:schemeClr val="accent1"/>
+          </a:fillRef>
+          <a:effectRef idx="0">
+            <a:schemeClr val="accent1"/>
+          </a:effectRef>
+          <a:fontRef idx="minor"/>
+        </p:style>
+        <p:txBody>
+          <a:bodyPr lIns="90000" tIns="45000" rIns="90000" bIns="45000" anchor="ctr"/>
+          <a:lstStyle/>
+          <a:p>
+            <a:pPr algn="ctr">
+              <a:lnSpc>
+                <a:spcPct val="100000"/>
+              </a:lnSpc>
+            </a:pPr>
+            <a:r>
+              <a:rPr lang="ko-KR" altLang="en-US" sz="1630" b="1" strike="noStrike" spc="-1" dirty="0">
+                <a:solidFill>
+                  <a:srgbClr val="000000"/>
+                </a:solidFill>
+                <a:uFill>
+                  <a:solidFill>
+                    <a:srgbClr val="FFFFFF"/>
+                  </a:solidFill>
+                </a:uFill>
+                <a:latin typeface="Arial"/>
+              </a:rPr>
+              <a:t>실제 이동 구역</a:t>
+            </a:r>
+            <a:endParaRPr lang="en-US" sz="1630" b="1" strike="noStrike" spc="-1" dirty="0">
+              <a:solidFill>
+                <a:srgbClr val="000000"/>
+              </a:solidFill>
+              <a:uFill>
+                <a:solidFill>
+                  <a:srgbClr val="FFFFFF"/>
+                </a:solidFill>
+              </a:uFill>
+              <a:latin typeface="Arial"/>
+            </a:endParaRPr>
+          </a:p>
+        </p:txBody>
+      </p:sp>
+      <p:sp>
+        <p:nvSpPr>
+          <p:cNvPr id="35" name="CustomShape 5">
+            <a:extLst>
+              <a:ext uri="{FF2B5EF4-FFF2-40B4-BE49-F238E27FC236}">
+                <a16:creationId xmlns:a16="http://schemas.microsoft.com/office/drawing/2014/main" id="{9595BCA2-2AF9-4050-AE5B-A072D103CEF8}"/>
+              </a:ext>
+            </a:extLst>
+          </p:cNvPr>
+          <p:cNvSpPr/>
+          <p:nvPr/>
+        </p:nvSpPr>
+        <p:spPr>
+          <a:xfrm>
+            <a:off x="3117220" y="4158360"/>
+            <a:ext cx="1636545" cy="562680"/>
+          </a:xfrm>
+          <a:prstGeom prst="roundRect">
+            <a:avLst>
+              <a:gd name="adj" fmla="val 16667"/>
+            </a:avLst>
+          </a:prstGeom>
+          <a:solidFill>
+            <a:schemeClr val="bg1"/>
+          </a:solidFill>
+          <a:ln>
+            <a:round/>
+          </a:ln>
+        </p:spPr>
+        <p:style>
+          <a:lnRef idx="2">
+            <a:schemeClr val="accent1">
+              <a:shade val="50000"/>
+            </a:schemeClr>
+          </a:lnRef>
+          <a:fillRef idx="1">
+            <a:schemeClr val="accent1"/>
+          </a:fillRef>
+          <a:effectRef idx="0">
+            <a:schemeClr val="accent1"/>
+          </a:effectRef>
+          <a:fontRef idx="minor"/>
+        </p:style>
+        <p:txBody>
+          <a:bodyPr lIns="90000" tIns="45000" rIns="90000" bIns="45000" anchor="ctr"/>
+          <a:lstStyle/>
+          <a:p>
+            <a:pPr algn="ctr">
+              <a:lnSpc>
+                <a:spcPct val="100000"/>
+              </a:lnSpc>
+            </a:pPr>
+            <a:r>
+              <a:rPr lang="en-US" altLang="ko-KR" sz="1800" b="1" strike="noStrike" spc="-1" dirty="0">
+                <a:solidFill>
+                  <a:srgbClr val="000000"/>
+                </a:solidFill>
+                <a:uFill>
+                  <a:solidFill>
+                    <a:srgbClr val="FFFFFF"/>
+                  </a:solidFill>
+                </a:uFill>
+                <a:latin typeface="Arial"/>
+              </a:rPr>
+              <a:t>move</a:t>
+            </a:r>
+            <a:endParaRPr lang="en-US" sz="1800" b="1" strike="noStrike" spc="-1" dirty="0">
+              <a:solidFill>
+                <a:srgbClr val="000000"/>
+              </a:solidFill>
+              <a:uFill>
+                <a:solidFill>
+                  <a:srgbClr val="FFFFFF"/>
+                </a:solidFill>
+              </a:uFill>
+              <a:latin typeface="Arial"/>
+            </a:endParaRPr>
+          </a:p>
+        </p:txBody>
+      </p:sp>
+      <p:sp>
+        <p:nvSpPr>
+          <p:cNvPr id="36" name="CustomShape 4">
+            <a:extLst>
+              <a:ext uri="{FF2B5EF4-FFF2-40B4-BE49-F238E27FC236}">
+                <a16:creationId xmlns:a16="http://schemas.microsoft.com/office/drawing/2014/main" id="{3CC6F081-472B-44CB-B127-30D8C877350C}"/>
+              </a:ext>
+            </a:extLst>
+          </p:cNvPr>
+          <p:cNvSpPr/>
+          <p:nvPr/>
+        </p:nvSpPr>
+        <p:spPr>
+          <a:xfrm>
+            <a:off x="5407911" y="4365360"/>
+            <a:ext cx="2320953" cy="1477080"/>
+          </a:xfrm>
+          <a:prstGeom prst="roundRect">
+            <a:avLst>
+              <a:gd name="adj" fmla="val 16667"/>
+            </a:avLst>
+          </a:prstGeom>
+          <a:solidFill>
+            <a:srgbClr val="FFCC66"/>
+          </a:solidFill>
+          <a:ln>
+            <a:round/>
+          </a:ln>
+        </p:spPr>
+        <p:style>
+          <a:lnRef idx="2">
+            <a:schemeClr val="accent1">
+              <a:shade val="50000"/>
+            </a:schemeClr>
+          </a:lnRef>
+          <a:fillRef idx="1">
+            <a:schemeClr val="accent1"/>
+          </a:fillRef>
+          <a:effectRef idx="0">
+            <a:schemeClr val="accent1"/>
+          </a:effectRef>
+          <a:fontRef idx="minor"/>
+        </p:style>
+        <p:txBody>
+          <a:bodyPr lIns="90000" tIns="45000" rIns="90000" bIns="45000" anchor="ctr"/>
+          <a:lstStyle/>
+          <a:p>
+            <a:pPr algn="ctr">
+              <a:lnSpc>
+                <a:spcPct val="100000"/>
+              </a:lnSpc>
+            </a:pPr>
+            <a:endParaRPr lang="en-US" altLang="ko-KR" sz="1800" b="1" strike="noStrike" spc="-1" dirty="0">
+              <a:solidFill>
+                <a:srgbClr val="000000"/>
+              </a:solidFill>
+              <a:uFill>
+                <a:solidFill>
+                  <a:srgbClr val="FFFFFF"/>
+                </a:solidFill>
+              </a:uFill>
+              <a:latin typeface="Arial"/>
+            </a:endParaRPr>
+          </a:p>
+          <a:p>
+            <a:pPr algn="ctr">
+              <a:lnSpc>
+                <a:spcPct val="100000"/>
+              </a:lnSpc>
+            </a:pPr>
+            <a:r>
+              <a:rPr lang="ko-KR" altLang="en-US" sz="1800" b="1" strike="noStrike" spc="-1" dirty="0">
+                <a:solidFill>
+                  <a:srgbClr val="000000"/>
+                </a:solidFill>
+                <a:uFill>
+                  <a:solidFill>
+                    <a:srgbClr val="FFFFFF"/>
+                  </a:solidFill>
+                </a:uFill>
+                <a:latin typeface="Arial"/>
+              </a:rPr>
+              <a:t>상하좌우 </a:t>
+            </a:r>
+            <a:endParaRPr lang="en-US" altLang="ko-KR" sz="1800" b="1" strike="noStrike" spc="-1" dirty="0">
+              <a:solidFill>
+                <a:srgbClr val="000000"/>
+              </a:solidFill>
+              <a:uFill>
+                <a:solidFill>
+                  <a:srgbClr val="FFFFFF"/>
+                </a:solidFill>
+              </a:uFill>
+              <a:latin typeface="Arial"/>
+            </a:endParaRPr>
+          </a:p>
+          <a:p>
+            <a:pPr algn="ctr">
+              <a:lnSpc>
+                <a:spcPct val="100000"/>
+              </a:lnSpc>
+            </a:pPr>
+            <a:r>
+              <a:rPr lang="ko-KR" altLang="en-US" b="1" spc="-1" dirty="0">
+                <a:solidFill>
+                  <a:srgbClr val="000000"/>
+                </a:solidFill>
+                <a:uFill>
+                  <a:solidFill>
+                    <a:srgbClr val="FFFFFF"/>
+                  </a:solidFill>
+                </a:uFill>
+                <a:latin typeface="Arial"/>
+              </a:rPr>
+              <a:t>상태에 따라 </a:t>
+            </a:r>
+            <a:endParaRPr lang="en-US" altLang="ko-KR" b="1" spc="-1" dirty="0">
+              <a:solidFill>
+                <a:srgbClr val="000000"/>
+              </a:solidFill>
+              <a:uFill>
+                <a:solidFill>
+                  <a:srgbClr val="FFFFFF"/>
+                </a:solidFill>
+              </a:uFill>
+              <a:latin typeface="Arial"/>
+            </a:endParaRPr>
+          </a:p>
+          <a:p>
+            <a:pPr algn="ctr">
+              <a:lnSpc>
+                <a:spcPct val="100000"/>
+              </a:lnSpc>
+            </a:pPr>
+            <a:r>
+              <a:rPr lang="en-US" sz="1800" b="1" strike="noStrike" spc="-1" dirty="0">
+                <a:solidFill>
+                  <a:srgbClr val="000000"/>
+                </a:solidFill>
+                <a:uFill>
+                  <a:solidFill>
+                    <a:srgbClr val="FFFFFF"/>
+                  </a:solidFill>
+                </a:uFill>
+                <a:latin typeface="Arial"/>
+              </a:rPr>
+              <a:t>0/1</a:t>
+            </a:r>
+            <a:r>
+              <a:rPr lang="ko-KR" altLang="en-US" sz="1800" b="1" strike="noStrike" spc="-1" dirty="0">
+                <a:solidFill>
+                  <a:srgbClr val="000000"/>
+                </a:solidFill>
+                <a:uFill>
+                  <a:solidFill>
+                    <a:srgbClr val="FFFFFF"/>
+                  </a:solidFill>
+                </a:uFill>
+                <a:latin typeface="Arial"/>
+              </a:rPr>
+              <a:t>리턴</a:t>
+            </a:r>
+            <a:endParaRPr lang="en-US" sz="1800" b="1" strike="noStrike" spc="-1" dirty="0">
+              <a:solidFill>
+                <a:srgbClr val="000000"/>
+              </a:solidFill>
+              <a:uFill>
+                <a:solidFill>
+                  <a:srgbClr val="FFFFFF"/>
+                </a:solidFill>
+              </a:uFill>
+              <a:latin typeface="Arial"/>
+            </a:endParaRPr>
+          </a:p>
+        </p:txBody>
+      </p:sp>
+      <p:sp>
+        <p:nvSpPr>
+          <p:cNvPr id="37" name="CustomShape 5">
+            <a:extLst>
+              <a:ext uri="{FF2B5EF4-FFF2-40B4-BE49-F238E27FC236}">
+                <a16:creationId xmlns:a16="http://schemas.microsoft.com/office/drawing/2014/main" id="{01DDBE04-9566-4E0B-8CEB-084504CE8F91}"/>
+              </a:ext>
+            </a:extLst>
+          </p:cNvPr>
+          <p:cNvSpPr/>
+          <p:nvPr/>
+        </p:nvSpPr>
+        <p:spPr>
+          <a:xfrm>
+            <a:off x="5677712" y="4158360"/>
+            <a:ext cx="1739259" cy="562680"/>
+          </a:xfrm>
+          <a:prstGeom prst="roundRect">
+            <a:avLst>
+              <a:gd name="adj" fmla="val 16667"/>
+            </a:avLst>
+          </a:prstGeom>
+          <a:solidFill>
+            <a:schemeClr val="bg1"/>
+          </a:solidFill>
+          <a:ln>
+            <a:round/>
+          </a:ln>
+        </p:spPr>
+        <p:style>
+          <a:lnRef idx="2">
+            <a:schemeClr val="accent1">
+              <a:shade val="50000"/>
+            </a:schemeClr>
+          </a:lnRef>
+          <a:fillRef idx="1">
+            <a:schemeClr val="accent1"/>
+          </a:fillRef>
+          <a:effectRef idx="0">
+            <a:schemeClr val="accent1"/>
+          </a:effectRef>
+          <a:fontRef idx="minor"/>
+        </p:style>
+        <p:txBody>
+          <a:bodyPr lIns="90000" tIns="45000" rIns="90000" bIns="45000" anchor="ctr"/>
+          <a:lstStyle/>
+          <a:p>
+            <a:pPr algn="ctr">
+              <a:lnSpc>
+                <a:spcPct val="100000"/>
+              </a:lnSpc>
+            </a:pPr>
+            <a:r>
+              <a:rPr lang="en-US" altLang="ko-KR" sz="1600" b="1" strike="noStrike" spc="-1" dirty="0" err="1">
+                <a:solidFill>
+                  <a:srgbClr val="000000"/>
+                </a:solidFill>
+                <a:uFill>
+                  <a:solidFill>
+                    <a:srgbClr val="FFFFFF"/>
+                  </a:solidFill>
+                </a:uFill>
+                <a:latin typeface="Arial"/>
+              </a:rPr>
+              <a:t>Position_check</a:t>
+            </a:r>
+            <a:endParaRPr lang="en-US" sz="1600" b="1" strike="noStrike" spc="-1" dirty="0">
+              <a:solidFill>
+                <a:srgbClr val="000000"/>
+              </a:solidFill>
+              <a:uFill>
+                <a:solidFill>
+                  <a:srgbClr val="FFFFFF"/>
+                </a:solidFill>
+              </a:uFill>
+              <a:latin typeface="Arial"/>
+            </a:endParaRPr>
+          </a:p>
+        </p:txBody>
+      </p:sp>
+      <p:sp>
+        <p:nvSpPr>
+          <p:cNvPr id="17" name="CustomShape 4">
+            <a:extLst>
+              <a:ext uri="{FF2B5EF4-FFF2-40B4-BE49-F238E27FC236}">
+                <a16:creationId xmlns:a16="http://schemas.microsoft.com/office/drawing/2014/main" id="{AF3D91EF-9DE1-4A03-A941-551E6ACD777D}"/>
+              </a:ext>
+            </a:extLst>
+          </p:cNvPr>
+          <p:cNvSpPr/>
+          <p:nvPr/>
+        </p:nvSpPr>
+        <p:spPr>
+          <a:xfrm>
+            <a:off x="9426575" y="2277853"/>
+            <a:ext cx="2320953" cy="1477080"/>
+          </a:xfrm>
+          <a:prstGeom prst="roundRect">
+            <a:avLst>
+              <a:gd name="adj" fmla="val 16667"/>
+            </a:avLst>
+          </a:prstGeom>
+          <a:solidFill>
+            <a:srgbClr val="FFCC66"/>
+          </a:solidFill>
+          <a:ln>
+            <a:round/>
+          </a:ln>
+        </p:spPr>
+        <p:style>
+          <a:lnRef idx="2">
+            <a:schemeClr val="accent1">
+              <a:shade val="50000"/>
+            </a:schemeClr>
+          </a:lnRef>
+          <a:fillRef idx="1">
+            <a:schemeClr val="accent1"/>
+          </a:fillRef>
+          <a:effectRef idx="0">
+            <a:schemeClr val="accent1"/>
+          </a:effectRef>
+          <a:fontRef idx="minor"/>
+        </p:style>
+        <p:txBody>
+          <a:bodyPr lIns="90000" tIns="45000" rIns="90000" bIns="45000" anchor="ctr"/>
+          <a:lstStyle/>
+          <a:p>
+            <a:pPr algn="ctr">
+              <a:lnSpc>
+                <a:spcPct val="100000"/>
+              </a:lnSpc>
+            </a:pPr>
+            <a:endParaRPr lang="en-US" altLang="ko-KR" b="1" spc="-1" dirty="0">
+              <a:solidFill>
+                <a:srgbClr val="000000"/>
+              </a:solidFill>
+              <a:uFill>
+                <a:solidFill>
+                  <a:srgbClr val="FFFFFF"/>
+                </a:solidFill>
+              </a:uFill>
+              <a:latin typeface="Arial"/>
+            </a:endParaRPr>
+          </a:p>
+          <a:p>
+            <a:pPr algn="ctr">
+              <a:lnSpc>
+                <a:spcPct val="100000"/>
+              </a:lnSpc>
+            </a:pPr>
+            <a:r>
+              <a:rPr lang="ko-KR" altLang="en-US" b="1" spc="-1" dirty="0">
+                <a:solidFill>
+                  <a:srgbClr val="000000"/>
+                </a:solidFill>
+                <a:uFill>
+                  <a:solidFill>
+                    <a:srgbClr val="FFFFFF"/>
+                  </a:solidFill>
+                </a:uFill>
+                <a:latin typeface="Arial"/>
+              </a:rPr>
+              <a:t>이동가능구역</a:t>
+            </a:r>
+            <a:endParaRPr lang="en-US" altLang="ko-KR" b="1" spc="-1" dirty="0">
+              <a:solidFill>
+                <a:srgbClr val="000000"/>
+              </a:solidFill>
+              <a:uFill>
+                <a:solidFill>
+                  <a:srgbClr val="FFFFFF"/>
+                </a:solidFill>
+              </a:uFill>
+              <a:latin typeface="Arial"/>
+            </a:endParaRPr>
+          </a:p>
+          <a:p>
+            <a:pPr algn="ctr">
+              <a:lnSpc>
+                <a:spcPct val="100000"/>
+              </a:lnSpc>
+            </a:pPr>
+            <a:r>
+              <a:rPr lang="ko-KR" altLang="en-US" b="1" spc="-1" dirty="0">
+                <a:solidFill>
+                  <a:srgbClr val="000000"/>
+                </a:solidFill>
+                <a:uFill>
+                  <a:solidFill>
+                    <a:srgbClr val="FFFFFF"/>
+                  </a:solidFill>
+                </a:uFill>
+                <a:latin typeface="Arial"/>
+              </a:rPr>
+              <a:t>탐색</a:t>
+            </a:r>
+            <a:endParaRPr lang="en-US" altLang="ko-KR" b="1" spc="-1" dirty="0">
+              <a:solidFill>
+                <a:srgbClr val="000000"/>
+              </a:solidFill>
+              <a:uFill>
+                <a:solidFill>
+                  <a:srgbClr val="FFFFFF"/>
+                </a:solidFill>
+              </a:uFill>
+              <a:latin typeface="Arial"/>
+            </a:endParaRPr>
+          </a:p>
+        </p:txBody>
+      </p:sp>
+      <p:sp>
+        <p:nvSpPr>
+          <p:cNvPr id="18" name="CustomShape 5">
+            <a:extLst>
+              <a:ext uri="{FF2B5EF4-FFF2-40B4-BE49-F238E27FC236}">
+                <a16:creationId xmlns:a16="http://schemas.microsoft.com/office/drawing/2014/main" id="{B63AEB41-C0B5-499B-8C85-31FA143481B3}"/>
+              </a:ext>
+            </a:extLst>
+          </p:cNvPr>
+          <p:cNvSpPr/>
+          <p:nvPr/>
+        </p:nvSpPr>
+        <p:spPr>
+          <a:xfrm>
+            <a:off x="9783910" y="2070853"/>
+            <a:ext cx="1636545" cy="562680"/>
+          </a:xfrm>
+          <a:prstGeom prst="roundRect">
+            <a:avLst>
+              <a:gd name="adj" fmla="val 16667"/>
+            </a:avLst>
+          </a:prstGeom>
+          <a:solidFill>
+            <a:schemeClr val="bg1"/>
+          </a:solidFill>
+          <a:ln>
+            <a:round/>
+          </a:ln>
+        </p:spPr>
+        <p:style>
+          <a:lnRef idx="2">
+            <a:schemeClr val="accent1">
+              <a:shade val="50000"/>
+            </a:schemeClr>
+          </a:lnRef>
+          <a:fillRef idx="1">
+            <a:schemeClr val="accent1"/>
+          </a:fillRef>
+          <a:effectRef idx="0">
+            <a:schemeClr val="accent1"/>
+          </a:effectRef>
+          <a:fontRef idx="minor"/>
+        </p:style>
+        <p:txBody>
+          <a:bodyPr lIns="90000" tIns="45000" rIns="90000" bIns="45000" anchor="ctr"/>
+          <a:lstStyle/>
+          <a:p>
+            <a:pPr algn="ctr">
+              <a:lnSpc>
+                <a:spcPct val="100000"/>
+              </a:lnSpc>
+            </a:pPr>
+            <a:r>
+              <a:rPr lang="en-US" sz="1700" b="1" spc="-1" dirty="0" err="1">
+                <a:solidFill>
+                  <a:srgbClr val="000000"/>
+                </a:solidFill>
+                <a:uFill>
+                  <a:solidFill>
+                    <a:srgbClr val="FFFFFF"/>
+                  </a:solidFill>
+                </a:uFill>
+                <a:latin typeface="Arial"/>
+              </a:rPr>
+              <a:t>Move_check</a:t>
+            </a:r>
+            <a:endParaRPr lang="en-US" sz="1700" b="1" strike="noStrike" spc="-1" dirty="0">
+              <a:solidFill>
+                <a:srgbClr val="000000"/>
+              </a:solidFill>
+              <a:uFill>
+                <a:solidFill>
+                  <a:srgbClr val="FFFFFF"/>
+                </a:solidFill>
+              </a:uFill>
+              <a:latin typeface="Arial"/>
+            </a:endParaRPr>
+          </a:p>
+        </p:txBody>
+      </p:sp>
+    </p:spTree>
+    <p:extLst>
+      <p:ext uri="{BB962C8B-B14F-4D97-AF65-F5344CB8AC3E}">
+        <p14:creationId xmlns:p14="http://schemas.microsoft.com/office/powerpoint/2010/main" val="497038701"/>
+      </p:ext>
+    </p:extLst>
+  </p:cSld>
+  <p:clrMapOvr>
+    <a:masterClrMapping/>
+  </p:clrMapOvr>
+  <p:timing>
+    <p:tnLst>
+      <p:par>
+        <p:cTn id="1" dur="indefinite" restart="never" nodeType="tmRoot">
+          <p:childTnLst>
+            <p:seq>
+              <p:cTn id="2" nodeType="mainSeq"/>
+              <p:prevCondLst>
+                <p:cond evt="onPrev" delay="0">
+                  <p:tgtEl>
+                    <p:sldTgt/>
+                  </p:tgtEl>
+                </p:cond>
+              </p:prevCondLst>
+              <p:nextCondLst>
+                <p:cond evt="onNext" delay="0">
+                  <p:tgtEl>
+                    <p:sldTgt/>
+                  </p:tgtEl>
+                </p:cond>
+              </p:nextCondLst>
+            </p:seq>
+          </p:childTnLst>
+        </p:cTn>
+      </p:par>
+    </p:tnLst>
+  </p:timing>
+</p:sld>
+</file>
+
+<file path=ppt/slides/slide15.xml><?xml version="1.0" encoding="utf-8"?>
+<p:sld xmlns:a="http://schemas.openxmlformats.org/drawingml/2006/main" xmlns:r="http://schemas.openxmlformats.org/officeDocument/2006/relationships" xmlns:p="http://schemas.openxmlformats.org/presentationml/2006/main">
+  <p:cSld>
+    <p:spTree>
+      <p:nvGrpSpPr>
+        <p:cNvPr id="1" name=""/>
+        <p:cNvGrpSpPr/>
+        <p:nvPr/>
+      </p:nvGrpSpPr>
+      <p:grpSpPr>
+        <a:xfrm>
+          <a:off x="0" y="0"/>
+          <a:ext cx="0" cy="0"/>
+          <a:chOff x="0" y="0"/>
+          <a:chExt cx="0" cy="0"/>
+        </a:xfrm>
+      </p:grpSpPr>
+      <p:sp>
+        <p:nvSpPr>
           <p:cNvPr id="2" name="제목 1">
             <a:extLst>
               <a:ext uri="{FF2B5EF4-FFF2-40B4-BE49-F238E27FC236}">
@@ -13334,34 +13825,13 @@
           <a:lstStyle/>
           <a:p>
             <a:r>
-              <a:rPr lang="ko-KR" altLang="en-US" dirty="0" err="1"/>
+              <a:rPr lang="ko-KR" altLang="en-US" dirty="0" err="1" smtClean="0"/>
               <a:t>깃허브</a:t>
             </a:r>
-            <a:endParaRPr lang="ko-KR" altLang="en-US" dirty="0"/>
-          </a:p>
-        </p:txBody>
-      </p:sp>
-      <p:sp>
-        <p:nvSpPr>
-          <p:cNvPr id="3" name="부제목 2">
-            <a:extLst>
-              <a:ext uri="{FF2B5EF4-FFF2-40B4-BE49-F238E27FC236}">
-                <a16:creationId xmlns:a16="http://schemas.microsoft.com/office/drawing/2014/main" id="{CEDDD60A-5C30-4628-8F27-0FBBE13798B1}"/>
-              </a:ext>
-            </a:extLst>
-          </p:cNvPr>
-          <p:cNvSpPr>
-            <a:spLocks noGrp="1"/>
-          </p:cNvSpPr>
-          <p:nvPr>
-            <p:ph type="subTitle"/>
-          </p:nvPr>
-        </p:nvSpPr>
-        <p:spPr/>
-        <p:txBody>
-          <a:bodyPr/>
-          <a:lstStyle/>
-          <a:p>
+            <a:r>
+              <a:rPr lang="ko-KR" altLang="en-US" dirty="0" smtClean="0"/>
+              <a:t> 활동 추이</a:t>
+            </a:r>
             <a:endParaRPr lang="ko-KR" altLang="en-US" dirty="0"/>
           </a:p>
         </p:txBody>
@@ -13409,7 +13879,7 @@
 </p:sld>
 </file>
 
-<file path=ppt/slides/slide15.xml><?xml version="1.0" encoding="utf-8"?>
+<file path=ppt/slides/slide16.xml><?xml version="1.0" encoding="utf-8"?>
 <p:sld xmlns:a="http://schemas.openxmlformats.org/drawingml/2006/main" xmlns:r="http://schemas.openxmlformats.org/officeDocument/2006/relationships" xmlns:p="http://schemas.openxmlformats.org/presentationml/2006/main">
   <p:cSld>
     <p:spTree>
@@ -19427,7 +19897,7 @@
                 <a:spcPct val="100000"/>
               </a:lnSpc>
             </a:pPr>
-            <a:endParaRPr lang="en-US" sz="1800" b="0" strike="noStrike" spc="-1" dirty="0">
+            <a:endParaRPr lang="en-US" altLang="ko-KR" spc="-1" dirty="0">
               <a:solidFill>
                 <a:srgbClr val="000000"/>
               </a:solidFill>
@@ -19446,7 +19916,7 @@
               </a:lnSpc>
             </a:pPr>
             <a:r>
-              <a:rPr lang="en-US" sz="1800" b="1" strike="noStrike" spc="-1" dirty="0" err="1">
+              <a:rPr lang="ko-KR" altLang="en-US" sz="1800" b="1" strike="noStrike" spc="-1" dirty="0" smtClean="0">
                 <a:solidFill>
                   <a:srgbClr val="000000"/>
                 </a:solidFill>
@@ -19458,28 +19928,10 @@
                 <a:latin typeface="Gill Sans MT"/>
                 <a:ea typeface="DejaVu Sans"/>
               </a:rPr>
-              <a:t>이동중에</a:t>
-            </a:r>
-            <a:endParaRPr lang="en-US" sz="1800" b="0" strike="noStrike" spc="-1" dirty="0">
-              <a:solidFill>
-                <a:srgbClr val="000000"/>
-              </a:solidFill>
-              <a:uFill>
-                <a:solidFill>
-                  <a:srgbClr val="FFFFFF"/>
-                </a:solidFill>
-              </a:uFill>
-              <a:latin typeface="Arial"/>
-            </a:endParaRPr>
-          </a:p>
-          <a:p>
-            <a:pPr algn="ctr">
-              <a:lnSpc>
-                <a:spcPct val="100000"/>
-              </a:lnSpc>
-            </a:pPr>
-            <a:r>
-              <a:rPr lang="en-US" sz="1800" b="1" strike="noStrike" spc="-1" dirty="0">
+              <a:t>좌표 </a:t>
+            </a:r>
+            <a:r>
+              <a:rPr lang="ko-KR" altLang="en-US" b="1" spc="-1" dirty="0" smtClean="0">
                 <a:solidFill>
                   <a:srgbClr val="000000"/>
                 </a:solidFill>
@@ -19491,160 +19943,7 @@
                 <a:latin typeface="Gill Sans MT"/>
                 <a:ea typeface="DejaVu Sans"/>
               </a:rPr>
-              <a:t>벽/</a:t>
-            </a:r>
-            <a:r>
-              <a:rPr lang="en-US" sz="1800" b="1" strike="noStrike" spc="-1" dirty="0" err="1">
-                <a:solidFill>
-                  <a:srgbClr val="000000"/>
-                </a:solidFill>
-                <a:uFill>
-                  <a:solidFill>
-                    <a:srgbClr val="FFFFFF"/>
-                  </a:solidFill>
-                </a:uFill>
-                <a:latin typeface="Gill Sans MT"/>
-                <a:ea typeface="DejaVu Sans"/>
-              </a:rPr>
-              <a:t>상대캐릭터</a:t>
-            </a:r>
-            <a:r>
-              <a:rPr lang="en-US" sz="1800" b="1" strike="noStrike" spc="-1" dirty="0">
-                <a:solidFill>
-                  <a:srgbClr val="000000"/>
-                </a:solidFill>
-                <a:uFill>
-                  <a:solidFill>
-                    <a:srgbClr val="FFFFFF"/>
-                  </a:solidFill>
-                </a:uFill>
-                <a:latin typeface="Gill Sans MT"/>
-                <a:ea typeface="DejaVu Sans"/>
-              </a:rPr>
-              <a:t>/</a:t>
-            </a:r>
-            <a:r>
-              <a:rPr lang="en-US" sz="1800" b="1" strike="noStrike" spc="-1" dirty="0" err="1">
-                <a:solidFill>
-                  <a:srgbClr val="000000"/>
-                </a:solidFill>
-                <a:uFill>
-                  <a:solidFill>
-                    <a:srgbClr val="FFFFFF"/>
-                  </a:solidFill>
-                </a:uFill>
-                <a:latin typeface="Gill Sans MT"/>
-                <a:ea typeface="DejaVu Sans"/>
-              </a:rPr>
-              <a:t>범위밖</a:t>
-            </a:r>
-            <a:endParaRPr lang="en-US" sz="1800" b="0" strike="noStrike" spc="-1" dirty="0">
-              <a:solidFill>
-                <a:srgbClr val="000000"/>
-              </a:solidFill>
-              <a:uFill>
-                <a:solidFill>
-                  <a:srgbClr val="FFFFFF"/>
-                </a:solidFill>
-              </a:uFill>
-              <a:latin typeface="Arial"/>
-            </a:endParaRPr>
-          </a:p>
-          <a:p>
-            <a:pPr algn="ctr">
-              <a:lnSpc>
-                <a:spcPct val="100000"/>
-              </a:lnSpc>
-            </a:pPr>
-            <a:r>
-              <a:rPr lang="en-US" sz="1800" b="1" strike="noStrike" spc="-1" dirty="0" err="1">
-                <a:solidFill>
-                  <a:srgbClr val="000000"/>
-                </a:solidFill>
-                <a:uFill>
-                  <a:solidFill>
-                    <a:srgbClr val="FFFFFF"/>
-                  </a:solidFill>
-                </a:uFill>
-                <a:latin typeface="Gill Sans MT"/>
-                <a:ea typeface="DejaVu Sans"/>
-              </a:rPr>
-              <a:t>으로</a:t>
-            </a:r>
-            <a:r>
-              <a:rPr lang="en-US" sz="1800" b="1" strike="noStrike" spc="-1" dirty="0">
-                <a:solidFill>
-                  <a:srgbClr val="000000"/>
-                </a:solidFill>
-                <a:uFill>
-                  <a:solidFill>
-                    <a:srgbClr val="FFFFFF"/>
-                  </a:solidFill>
-                </a:uFill>
-                <a:latin typeface="Gill Sans MT"/>
-                <a:ea typeface="DejaVu Sans"/>
-              </a:rPr>
-              <a:t> </a:t>
-            </a:r>
-            <a:r>
-              <a:rPr lang="en-US" sz="1800" b="1" strike="noStrike" spc="-1" dirty="0" err="1">
-                <a:solidFill>
-                  <a:srgbClr val="000000"/>
-                </a:solidFill>
-                <a:uFill>
-                  <a:solidFill>
-                    <a:srgbClr val="FFFFFF"/>
-                  </a:solidFill>
-                </a:uFill>
-                <a:latin typeface="Gill Sans MT"/>
-                <a:ea typeface="DejaVu Sans"/>
-              </a:rPr>
-              <a:t>막힐경우</a:t>
-            </a:r>
-            <a:r>
-              <a:rPr lang="en-US" sz="1800" b="1" strike="noStrike" spc="-1" dirty="0">
-                <a:solidFill>
-                  <a:srgbClr val="000000"/>
-                </a:solidFill>
-                <a:uFill>
-                  <a:solidFill>
-                    <a:srgbClr val="FFFFFF"/>
-                  </a:solidFill>
-                </a:uFill>
-                <a:latin typeface="Gill Sans MT"/>
-                <a:ea typeface="DejaVu Sans"/>
-              </a:rPr>
-              <a:t> </a:t>
-            </a:r>
-            <a:r>
-              <a:rPr lang="en-US" sz="1800" b="1" strike="noStrike" spc="-1" dirty="0" err="1">
-                <a:solidFill>
-                  <a:srgbClr val="000000"/>
-                </a:solidFill>
-                <a:uFill>
-                  <a:solidFill>
-                    <a:srgbClr val="FFFFFF"/>
-                  </a:solidFill>
-                </a:uFill>
-                <a:latin typeface="Gill Sans MT"/>
-                <a:ea typeface="DejaVu Sans"/>
-              </a:rPr>
-              <a:t>리턴</a:t>
-            </a:r>
-            <a:r>
-              <a:rPr lang="en-US" sz="1800" b="1" strike="noStrike" spc="-1" dirty="0">
-                <a:solidFill>
-                  <a:srgbClr val="000000"/>
-                </a:solidFill>
-                <a:uFill>
-                  <a:solidFill>
-                    <a:srgbClr val="FFFFFF"/>
-                  </a:solidFill>
-                </a:uFill>
-                <a:latin typeface="Gill Sans MT"/>
-                <a:ea typeface="DejaVu Sans"/>
-              </a:rPr>
-              <a:t> </a:t>
+              <a:t>확인</a:t>
             </a:r>
             <a:endParaRPr lang="en-US" sz="1800" b="0" strike="noStrike" spc="-1" dirty="0">
               <a:solidFill>
@@ -20503,7 +20802,7 @@
               </a:lnSpc>
             </a:pPr>
             <a:r>
-              <a:rPr lang="en-US" sz="5000" b="1" strike="noStrike" cap="all" spc="-1">
+              <a:rPr lang="en-US" sz="5000" b="1" strike="noStrike" cap="all" spc="-1" dirty="0" err="1">
                 <a:solidFill>
                   <a:srgbClr val="000000"/>
                 </a:solidFill>
@@ -20514,64 +20813,10 @@
                 </a:uFill>
                 <a:latin typeface="Gill Sans MT"/>
               </a:rPr>
-              <a:t>코드 설명</a:t>
-            </a:r>
-            <a:endParaRPr lang="en-US" sz="1800" b="0" strike="noStrike" spc="-1">
-              <a:solidFill>
-                <a:srgbClr val="000000"/>
-              </a:solidFill>
-              <a:uFill>
-                <a:solidFill>
-                  <a:srgbClr val="FFFFFF"/>
-                </a:solidFill>
-              </a:uFill>
-              <a:latin typeface="Arial"/>
-            </a:endParaRPr>
-          </a:p>
-        </p:txBody>
-      </p:sp>
-      <p:sp>
-        <p:nvSpPr>
-          <p:cNvPr id="192" name="CustomShape 2"/>
-          <p:cNvSpPr/>
-          <p:nvPr/>
-        </p:nvSpPr>
-        <p:spPr>
-          <a:xfrm>
-            <a:off x="1370160" y="2559600"/>
-            <a:ext cx="3810960" cy="3449880"/>
-          </a:xfrm>
-          <a:prstGeom prst="rect">
-            <a:avLst/>
-          </a:prstGeom>
-          <a:noFill/>
-          <a:ln>
-            <a:noFill/>
-          </a:ln>
-        </p:spPr>
-        <p:style>
-          <a:lnRef idx="0">
-            <a:scrgbClr r="0" g="0" b="0"/>
-          </a:lnRef>
-          <a:fillRef idx="0">
-            <a:scrgbClr r="0" g="0" b="0"/>
-          </a:fillRef>
-          <a:effectRef idx="0">
-            <a:scrgbClr r="0" g="0" b="0"/>
-          </a:effectRef>
-          <a:fontRef idx="minor"/>
-        </p:style>
-        <p:txBody>
-          <a:bodyPr lIns="90000" tIns="45000" rIns="90000" bIns="45000"/>
-          <a:lstStyle/>
-          <a:p>
-            <a:pPr>
-              <a:lnSpc>
-                <a:spcPct val="100000"/>
-              </a:lnSpc>
-            </a:pPr>
-            <a:r>
-              <a:rPr lang="en-US" sz="2000" b="0" strike="noStrike" spc="-1" dirty="0">
+              <a:t>코드</a:t>
+            </a:r>
+            <a:r>
+              <a:rPr lang="en-US" sz="5000" b="1" strike="noStrike" cap="all" spc="-1" dirty="0">
                 <a:solidFill>
                   <a:srgbClr val="000000"/>
                 </a:solidFill>
@@ -20582,10 +20827,10 @@
                 </a:uFill>
                 <a:latin typeface="Gill Sans MT"/>
               </a:rPr>
-              <a:t>void *</a:t>
-            </a:r>
-            <a:r>
-              <a:rPr lang="en-US" sz="2000" b="0" strike="noStrike" spc="-1" dirty="0" err="1">
+              <a:t> </a:t>
+            </a:r>
+            <a:r>
+              <a:rPr lang="en-US" sz="5000" b="1" strike="noStrike" cap="all" spc="-1" dirty="0" err="1">
                 <a:solidFill>
                   <a:srgbClr val="000000"/>
                 </a:solidFill>
@@ -20596,316 +20841,8 @@
                 </a:uFill>
                 <a:latin typeface="Gill Sans MT"/>
               </a:rPr>
-              <a:t>user_thread</a:t>
-            </a:r>
-            <a:r>
-              <a:rPr lang="en-US" sz="2000" b="0" strike="noStrike" spc="-1" dirty="0">
-                <a:solidFill>
-                  <a:srgbClr val="000000"/>
-                </a:solidFill>
-                <a:uFill>
-                  <a:solidFill>
-                    <a:srgbClr val="FFFFFF"/>
-                  </a:solidFill>
-                </a:uFill>
-                <a:latin typeface="Gill Sans MT"/>
-              </a:rPr>
-              <a:t>(){</a:t>
-            </a:r>
-            <a:endParaRPr lang="en-US" sz="1800" b="0" strike="noStrike" spc="-1" dirty="0">
-              <a:solidFill>
-                <a:srgbClr val="000000"/>
-              </a:solidFill>
-              <a:uFill>
-                <a:solidFill>
-                  <a:srgbClr val="FFFFFF"/>
-                </a:solidFill>
-              </a:uFill>
-              <a:latin typeface="Arial"/>
-            </a:endParaRPr>
-          </a:p>
-          <a:p>
-            <a:pPr>
-              <a:lnSpc>
-                <a:spcPct val="100000"/>
-              </a:lnSpc>
-            </a:pPr>
-            <a:r>
-              <a:rPr lang="en-US" sz="2000" b="0" strike="noStrike" spc="-1" dirty="0">
-                <a:solidFill>
-                  <a:srgbClr val="000000"/>
-                </a:solidFill>
-                <a:uFill>
-                  <a:solidFill>
-                    <a:srgbClr val="FFFFFF"/>
-                  </a:solidFill>
-                </a:uFill>
-                <a:latin typeface="Gill Sans MT"/>
-              </a:rPr>
-              <a:t>  while(end){</a:t>
-            </a:r>
-            <a:endParaRPr lang="en-US" sz="1800" b="0" strike="noStrike" spc="-1" dirty="0">
-              <a:solidFill>
-                <a:srgbClr val="000000"/>
-              </a:solidFill>
-              <a:uFill>
-                <a:solidFill>
-                  <a:srgbClr val="FFFFFF"/>
-                </a:solidFill>
-              </a:uFill>
-              <a:latin typeface="Arial"/>
-            </a:endParaRPr>
-          </a:p>
-          <a:p>
-            <a:pPr>
-              <a:lnSpc>
-                <a:spcPct val="100000"/>
-              </a:lnSpc>
-            </a:pPr>
-            <a:r>
-              <a:rPr lang="en-US" sz="2000" b="0" strike="noStrike" spc="-1" dirty="0">
-                <a:solidFill>
-                  <a:srgbClr val="000000"/>
-                </a:solidFill>
-                <a:uFill>
-                  <a:solidFill>
-                    <a:srgbClr val="FFFFFF"/>
-                  </a:solidFill>
-                </a:uFill>
-                <a:latin typeface="Gill Sans MT"/>
-              </a:rPr>
-              <a:t>    </a:t>
-            </a:r>
-            <a:r>
-              <a:rPr lang="en-US" sz="2000" b="0" strike="noStrike" spc="-1" dirty="0" err="1">
-                <a:solidFill>
-                  <a:srgbClr val="000000"/>
-                </a:solidFill>
-                <a:uFill>
-                  <a:solidFill>
-                    <a:srgbClr val="FFFFFF"/>
-                  </a:solidFill>
-                </a:uFill>
-                <a:latin typeface="Gill Sans MT"/>
-              </a:rPr>
-              <a:t>move_character</a:t>
-            </a:r>
-            <a:r>
-              <a:rPr lang="en-US" sz="2000" b="0" strike="noStrike" spc="-1" dirty="0">
-                <a:solidFill>
-                  <a:srgbClr val="000000"/>
-                </a:solidFill>
-                <a:uFill>
-                  <a:solidFill>
-                    <a:srgbClr val="FFFFFF"/>
-                  </a:solidFill>
-                </a:uFill>
-                <a:latin typeface="Gill Sans MT"/>
-              </a:rPr>
-              <a:t>(user);    </a:t>
-            </a:r>
-            <a:endParaRPr lang="en-US" sz="1800" b="0" strike="noStrike" spc="-1" dirty="0">
-              <a:solidFill>
-                <a:srgbClr val="000000"/>
-              </a:solidFill>
-              <a:uFill>
-                <a:solidFill>
-                  <a:srgbClr val="FFFFFF"/>
-                </a:solidFill>
-              </a:uFill>
-              <a:latin typeface="Arial"/>
-            </a:endParaRPr>
-          </a:p>
-          <a:p>
-            <a:pPr>
-              <a:lnSpc>
-                <a:spcPct val="100000"/>
-              </a:lnSpc>
-            </a:pPr>
-            <a:r>
-              <a:rPr lang="en-US" sz="2000" b="0" strike="noStrike" spc="-1" dirty="0">
-                <a:solidFill>
-                  <a:srgbClr val="000000"/>
-                </a:solidFill>
-                <a:uFill>
-                  <a:solidFill>
-                    <a:srgbClr val="FFFFFF"/>
-                  </a:solidFill>
-                </a:uFill>
-                <a:latin typeface="Gill Sans MT"/>
-              </a:rPr>
-              <a:t>    </a:t>
-            </a:r>
-            <a:r>
-              <a:rPr lang="en-US" sz="2000" b="0" strike="noStrike" spc="-1" dirty="0" err="1">
-                <a:solidFill>
-                  <a:srgbClr val="000000"/>
-                </a:solidFill>
-                <a:uFill>
-                  <a:solidFill>
-                    <a:srgbClr val="FFFFFF"/>
-                  </a:solidFill>
-                </a:uFill>
-                <a:latin typeface="Gill Sans MT"/>
-              </a:rPr>
-              <a:t>map_print</a:t>
-            </a:r>
-            <a:r>
-              <a:rPr lang="en-US" sz="2000" b="0" strike="noStrike" spc="-1" dirty="0">
-                <a:solidFill>
-                  <a:srgbClr val="000000"/>
-                </a:solidFill>
-                <a:uFill>
-                  <a:solidFill>
-                    <a:srgbClr val="FFFFFF"/>
-                  </a:solidFill>
-                </a:uFill>
-                <a:latin typeface="Gill Sans MT"/>
-              </a:rPr>
-              <a:t>();</a:t>
-            </a:r>
-            <a:endParaRPr lang="en-US" sz="1800" b="0" strike="noStrike" spc="-1" dirty="0">
-              <a:solidFill>
-                <a:srgbClr val="000000"/>
-              </a:solidFill>
-              <a:uFill>
-                <a:solidFill>
-                  <a:srgbClr val="FFFFFF"/>
-                </a:solidFill>
-              </a:uFill>
-              <a:latin typeface="Arial"/>
-            </a:endParaRPr>
-          </a:p>
-          <a:p>
-            <a:pPr>
-              <a:lnSpc>
-                <a:spcPct val="100000"/>
-              </a:lnSpc>
-            </a:pPr>
-            <a:r>
-              <a:rPr lang="en-US" sz="2000" b="0" strike="noStrike" spc="-1" dirty="0">
-                <a:solidFill>
-                  <a:srgbClr val="000000"/>
-                </a:solidFill>
-                <a:uFill>
-                  <a:solidFill>
-                    <a:srgbClr val="FFFFFF"/>
-                  </a:solidFill>
-                </a:uFill>
-                <a:latin typeface="Gill Sans MT"/>
-              </a:rPr>
-              <a:t>  }</a:t>
-            </a:r>
-            <a:endParaRPr lang="en-US" sz="1800" b="0" strike="noStrike" spc="-1" dirty="0">
-              <a:solidFill>
-                <a:srgbClr val="000000"/>
-              </a:solidFill>
-              <a:uFill>
-                <a:solidFill>
-                  <a:srgbClr val="FFFFFF"/>
-                </a:solidFill>
-              </a:uFill>
-              <a:latin typeface="Arial"/>
-            </a:endParaRPr>
-          </a:p>
-          <a:p>
-            <a:pPr>
-              <a:lnSpc>
-                <a:spcPct val="100000"/>
-              </a:lnSpc>
-            </a:pPr>
-            <a:r>
-              <a:rPr lang="en-US" sz="2000" b="0" strike="noStrike" spc="-1" dirty="0">
-                <a:solidFill>
-                  <a:srgbClr val="000000"/>
-                </a:solidFill>
-                <a:uFill>
-                  <a:solidFill>
-                    <a:srgbClr val="FFFFFF"/>
-                  </a:solidFill>
-                </a:uFill>
-                <a:latin typeface="Gill Sans MT"/>
-              </a:rPr>
-              <a:t>  </a:t>
-            </a:r>
-            <a:r>
-              <a:rPr lang="en-US" sz="2000" b="0" strike="noStrike" spc="-1" dirty="0" err="1">
-                <a:solidFill>
-                  <a:srgbClr val="000000"/>
-                </a:solidFill>
-                <a:uFill>
-                  <a:solidFill>
-                    <a:srgbClr val="FFFFFF"/>
-                  </a:solidFill>
-                </a:uFill>
-                <a:latin typeface="Gill Sans MT"/>
-              </a:rPr>
-              <a:t>pthread_exit</a:t>
-            </a:r>
-            <a:r>
-              <a:rPr lang="en-US" sz="2000" b="0" strike="noStrike" spc="-1" dirty="0">
-                <a:solidFill>
-                  <a:srgbClr val="000000"/>
-                </a:solidFill>
-                <a:uFill>
-                  <a:solidFill>
-                    <a:srgbClr val="FFFFFF"/>
-                  </a:solidFill>
-                </a:uFill>
-                <a:latin typeface="Gill Sans MT"/>
-              </a:rPr>
-              <a:t>(NULL);</a:t>
-            </a:r>
-            <a:endParaRPr lang="en-US" sz="1800" b="0" strike="noStrike" spc="-1" dirty="0">
-              <a:solidFill>
-                <a:srgbClr val="000000"/>
-              </a:solidFill>
-              <a:uFill>
-                <a:solidFill>
-                  <a:srgbClr val="FFFFFF"/>
-                </a:solidFill>
-              </a:uFill>
-              <a:latin typeface="Arial"/>
-            </a:endParaRPr>
-          </a:p>
-          <a:p>
-            <a:pPr>
-              <a:lnSpc>
-                <a:spcPct val="100000"/>
-              </a:lnSpc>
-            </a:pPr>
-            <a:r>
-              <a:rPr lang="en-US" sz="2000" b="0" strike="noStrike" spc="-1" dirty="0">
-                <a:solidFill>
-                  <a:srgbClr val="000000"/>
-                </a:solidFill>
-                <a:uFill>
-                  <a:solidFill>
-                    <a:srgbClr val="FFFFFF"/>
-                  </a:solidFill>
-                </a:uFill>
-                <a:latin typeface="Gill Sans MT"/>
-              </a:rPr>
-              <a:t>}</a:t>
-            </a:r>
-            <a:endParaRPr lang="en-US" sz="1800" b="0" strike="noStrike" spc="-1" dirty="0">
-              <a:solidFill>
-                <a:srgbClr val="000000"/>
-              </a:solidFill>
-              <a:uFill>
-                <a:solidFill>
-                  <a:srgbClr val="FFFFFF"/>
-                </a:solidFill>
-              </a:uFill>
-              <a:latin typeface="Arial"/>
-            </a:endParaRPr>
-          </a:p>
-          <a:p>
-            <a:pPr>
-              <a:lnSpc>
-                <a:spcPct val="100000"/>
-              </a:lnSpc>
-            </a:pPr>
+              <a:t>설명</a:t>
+            </a:r>
             <a:endParaRPr lang="en-US" sz="1800" b="0" strike="noStrike" spc="-1" dirty="0">
               <a:solidFill>
                 <a:srgbClr val="000000"/>
@@ -20967,21 +20904,20 @@
               </a:lnSpc>
             </a:pPr>
             <a:r>
-              <a:rPr lang="en-US" sz="1800" b="1" strike="noStrike" spc="-1">
-                <a:solidFill>
-                  <a:srgbClr val="000000"/>
-                </a:solidFill>
-                <a:uFill>
-                  <a:solidFill>
-                    <a:srgbClr val="FFFFFF"/>
-                  </a:solidFill>
-                </a:uFill>
-                <a:latin typeface="Gill Sans MT"/>
-                <a:ea typeface="DejaVu Sans"/>
-              </a:rPr>
-              <a:t>user_thread</a:t>
-            </a:r>
-            <a:endParaRPr lang="en-US" sz="1800" b="0" strike="noStrike" spc="-1">
+              <a:rPr lang="en-US" sz="1800" b="1" strike="noStrike" spc="-1" dirty="0" err="1" smtClean="0">
+                <a:solidFill>
+                  <a:srgbClr val="000000"/>
+                </a:solidFill>
+                <a:uFill>
+                  <a:solidFill>
+                    <a:srgbClr val="FFFFFF"/>
+                  </a:solidFill>
+                </a:uFill>
+                <a:latin typeface="Arial"/>
+              </a:rPr>
+              <a:t>Move_check</a:t>
+            </a:r>
+            <a:endParaRPr lang="en-US" sz="1800" b="1" strike="noStrike" spc="-1" dirty="0">
               <a:solidFill>
                 <a:srgbClr val="000000"/>
               </a:solidFill>
@@ -20995,16 +20931,81 @@
           </a:p>
         </p:txBody>
       </p:sp>
-      <p:sp>
-        <p:nvSpPr>
-          <p:cNvPr id="194" name="CustomShape 4"/>
+      <p:pic>
+        <p:nvPicPr>
+          <p:cNvPr id="2" name="그림 1"/>
+          <p:cNvPicPr>
+            <a:picLocks noChangeAspect="1"/>
+          </p:cNvPicPr>
+          <p:nvPr/>
+        </p:nvPicPr>
+        <p:blipFill>
+          <a:blip r:embed="rId2"/>
+          <a:stretch>
+            <a:fillRect/>
+          </a:stretch>
+        </p:blipFill>
+        <p:spPr>
+          <a:xfrm>
+            <a:off x="1655954" y="2662185"/>
+            <a:ext cx="5106113" cy="3229426"/>
+          </a:xfrm>
+          <a:prstGeom prst="rect">
+            <a:avLst/>
+          </a:prstGeom>
+        </p:spPr>
+      </p:pic>
+      <p:sp>
+        <p:nvSpPr>
+          <p:cNvPr id="4" name="타원 3"/>
           <p:cNvSpPr/>
           <p:nvPr/>
         </p:nvSpPr>
         <p:spPr>
           <a:xfrm>
-            <a:off x="4322520" y="2559240"/>
-            <a:ext cx="4927320" cy="3449880"/>
+            <a:off x="1735449" y="2873433"/>
+            <a:ext cx="4947121" cy="765694"/>
+          </a:xfrm>
+          <a:prstGeom prst="ellipse">
+            <a:avLst/>
+          </a:prstGeom>
+          <a:noFill/>
+        </p:spPr>
+        <p:style>
+          <a:lnRef idx="2">
+            <a:schemeClr val="accent1">
+              <a:shade val="50000"/>
+            </a:schemeClr>
+          </a:lnRef>
+          <a:fillRef idx="1">
+            <a:schemeClr val="accent1"/>
+          </a:fillRef>
+          <a:effectRef idx="0">
+            <a:schemeClr val="accent1"/>
+          </a:effectRef>
+          <a:fontRef idx="minor">
+            <a:schemeClr val="lt1"/>
+          </a:fontRef>
+        </p:style>
+        <p:txBody>
+          <a:bodyPr rtlCol="0" anchor="ctr"/>
+          <a:lstStyle/>
+          <a:p>
+            <a:pPr algn="ctr"/>
+            <a:endParaRPr lang="ko-KR" altLang="en-US"/>
+          </a:p>
+        </p:txBody>
+      </p:sp>
+      <p:sp>
+        <p:nvSpPr>
+          <p:cNvPr id="11" name="CustomShape 3"/>
+          <p:cNvSpPr/>
+          <p:nvPr/>
+        </p:nvSpPr>
+        <p:spPr>
+          <a:xfrm>
+            <a:off x="7035446" y="2466833"/>
+            <a:ext cx="3715682" cy="3449880"/>
           </a:xfrm>
           <a:prstGeom prst="rect">
             <a:avLst/>
@@ -21030,353 +21031,319 @@
           <a:bodyPr lIns="90000" tIns="45000" rIns="90000" bIns="45000"/>
           <a:lstStyle/>
           <a:p>
-            <a:pPr marL="228600" indent="-227880">
+            <a:pPr marL="720">
               <a:lnSpc>
                 <a:spcPct val="120000"/>
               </a:lnSpc>
               <a:buClr>
                 <a:srgbClr val="B71E42"/>
               </a:buClr>
-              <a:buFont typeface="Arial"/>
-              <a:buChar char="•"/>
             </a:pPr>
             <a:r>
-              <a:rPr lang="en-US" sz="2000" b="0" strike="noStrike" spc="-1">
-                <a:solidFill>
-                  <a:srgbClr val="000000"/>
-                </a:solidFill>
-                <a:uFill>
-                  <a:solidFill>
-                    <a:srgbClr val="FFFFFF"/>
-                  </a:solidFill>
-                </a:uFill>
-                <a:latin typeface="Gill Sans MT"/>
-                <a:ea typeface="DejaVu Sans"/>
-              </a:rPr>
-              <a:t>Queue *create_queue(){</a:t>
-            </a:r>
-            <a:endParaRPr lang="en-US" sz="1800" b="0" strike="noStrike" spc="-1">
-              <a:solidFill>
-                <a:srgbClr val="000000"/>
-              </a:solidFill>
-              <a:uFill>
-                <a:solidFill>
-                  <a:srgbClr val="FFFFFF"/>
-                </a:solidFill>
-              </a:uFill>
-              <a:latin typeface="Arial"/>
-            </a:endParaRPr>
-          </a:p>
-          <a:p>
-            <a:pPr marL="228600" indent="-227880">
+              <a:rPr lang="en-US" b="1" spc="-1" dirty="0" smtClean="0">
+                <a:solidFill>
+                  <a:srgbClr val="000000"/>
+                </a:solidFill>
+                <a:uFill>
+                  <a:solidFill>
+                    <a:srgbClr val="FFFFFF"/>
+                  </a:solidFill>
+                </a:uFill>
+                <a:latin typeface="Arial"/>
+              </a:rPr>
+              <a:t>Maze</a:t>
+            </a:r>
+            <a:r>
+              <a:rPr lang="en-US" spc="-1" dirty="0" smtClean="0">
+                <a:solidFill>
+                  <a:srgbClr val="000000"/>
+                </a:solidFill>
+                <a:uFill>
+                  <a:solidFill>
+                    <a:srgbClr val="FFFFFF"/>
+                  </a:solidFill>
+                </a:uFill>
+                <a:latin typeface="Arial"/>
+              </a:rPr>
+              <a:t> </a:t>
+            </a:r>
+            <a:r>
+              <a:rPr lang="ko-KR" altLang="en-US" spc="-1" dirty="0" smtClean="0">
+                <a:solidFill>
+                  <a:srgbClr val="000000"/>
+                </a:solidFill>
+                <a:uFill>
+                  <a:solidFill>
+                    <a:srgbClr val="FFFFFF"/>
+                  </a:solidFill>
+                </a:uFill>
+                <a:latin typeface="Arial"/>
+              </a:rPr>
+              <a:t>배열에서 </a:t>
+            </a:r>
+            <a:endParaRPr lang="en-US" altLang="ko-KR" spc="-1" dirty="0" smtClean="0">
+              <a:solidFill>
+                <a:srgbClr val="000000"/>
+              </a:solidFill>
+              <a:uFill>
+                <a:solidFill>
+                  <a:srgbClr val="FFFFFF"/>
+                </a:solidFill>
+              </a:uFill>
+              <a:latin typeface="Arial"/>
+            </a:endParaRPr>
+          </a:p>
+          <a:p>
+            <a:pPr marL="720">
               <a:lnSpc>
                 <a:spcPct val="120000"/>
               </a:lnSpc>
               <a:buClr>
                 <a:srgbClr val="B71E42"/>
               </a:buClr>
-              <a:buFont typeface="Arial"/>
-              <a:buChar char="•"/>
             </a:pPr>
             <a:r>
-              <a:rPr lang="en-US" sz="2000" b="0" strike="noStrike" spc="-1">
-                <a:solidFill>
-                  <a:srgbClr val="000000"/>
-                </a:solidFill>
-                <a:uFill>
-                  <a:solidFill>
-                    <a:srgbClr val="FFFFFF"/>
-                  </a:solidFill>
-                </a:uFill>
-                <a:latin typeface="Gill Sans MT"/>
-                <a:ea typeface="DejaVu Sans"/>
-              </a:rPr>
-              <a:t>  Queue *n;</a:t>
-            </a:r>
-            <a:endParaRPr lang="en-US" sz="1800" b="0" strike="noStrike" spc="-1">
-              <a:solidFill>
-                <a:srgbClr val="000000"/>
-              </a:solidFill>
-              <a:uFill>
-                <a:solidFill>
-                  <a:srgbClr val="FFFFFF"/>
-                </a:solidFill>
-              </a:uFill>
-              <a:latin typeface="Arial"/>
-            </a:endParaRPr>
-          </a:p>
-          <a:p>
-            <a:pPr>
-              <a:lnSpc>
-                <a:spcPct val="120000"/>
-              </a:lnSpc>
-            </a:pPr>
-            <a:endParaRPr lang="en-US" sz="1800" b="0" strike="noStrike" spc="-1">
-              <a:solidFill>
-                <a:srgbClr val="000000"/>
-              </a:solidFill>
-              <a:uFill>
-                <a:solidFill>
-                  <a:srgbClr val="FFFFFF"/>
-                </a:solidFill>
-              </a:uFill>
-              <a:latin typeface="Arial"/>
-            </a:endParaRPr>
-          </a:p>
-          <a:p>
-            <a:pPr marL="228600" indent="-227880">
+              <a:rPr lang="ko-KR" altLang="en-US" sz="1800" b="0" strike="noStrike" spc="-1" dirty="0" smtClean="0">
+                <a:solidFill>
+                  <a:srgbClr val="000000"/>
+                </a:solidFill>
+                <a:uFill>
+                  <a:solidFill>
+                    <a:srgbClr val="FFFFFF"/>
+                  </a:solidFill>
+                </a:uFill>
+                <a:latin typeface="Arial"/>
+              </a:rPr>
+              <a:t>사용자가 </a:t>
+            </a:r>
+            <a:r>
+              <a:rPr lang="ko-KR" altLang="en-US" sz="1800" b="0" strike="noStrike" spc="-1" dirty="0" err="1" smtClean="0">
+                <a:solidFill>
+                  <a:srgbClr val="000000"/>
+                </a:solidFill>
+                <a:uFill>
+                  <a:solidFill>
+                    <a:srgbClr val="FFFFFF"/>
+                  </a:solidFill>
+                </a:uFill>
+                <a:latin typeface="Arial"/>
+              </a:rPr>
+              <a:t>이동할때</a:t>
+            </a:r>
+            <a:r>
+              <a:rPr lang="ko-KR" altLang="en-US" sz="1800" b="0" strike="noStrike" spc="-1" dirty="0" smtClean="0">
+                <a:solidFill>
+                  <a:srgbClr val="000000"/>
+                </a:solidFill>
+                <a:uFill>
+                  <a:solidFill>
+                    <a:srgbClr val="FFFFFF"/>
+                  </a:solidFill>
+                </a:uFill>
+                <a:latin typeface="Arial"/>
+              </a:rPr>
+              <a:t> 이동 가능한지</a:t>
+            </a:r>
+            <a:endParaRPr lang="en-US" altLang="ko-KR" spc="-1" dirty="0">
+              <a:solidFill>
+                <a:srgbClr val="000000"/>
+              </a:solidFill>
+              <a:uFill>
+                <a:solidFill>
+                  <a:srgbClr val="FFFFFF"/>
+                </a:solidFill>
+              </a:uFill>
+              <a:latin typeface="Arial"/>
+            </a:endParaRPr>
+          </a:p>
+          <a:p>
+            <a:pPr marL="720">
               <a:lnSpc>
                 <a:spcPct val="120000"/>
               </a:lnSpc>
               <a:buClr>
                 <a:srgbClr val="B71E42"/>
               </a:buClr>
-              <a:buFont typeface="Arial"/>
-              <a:buChar char="•"/>
             </a:pPr>
             <a:r>
-              <a:rPr lang="en-US" sz="2000" b="0" strike="noStrike" spc="-1">
-                <a:solidFill>
-                  <a:srgbClr val="000000"/>
-                </a:solidFill>
-                <a:uFill>
-                  <a:solidFill>
-                    <a:srgbClr val="FFFFFF"/>
-                  </a:solidFill>
-                </a:uFill>
-                <a:latin typeface="Gill Sans MT"/>
-                <a:ea typeface="DejaVu Sans"/>
-              </a:rPr>
-              <a:t>  n=(Queue *)malloc(sizeof(Queue));</a:t>
-            </a:r>
-            <a:endParaRPr lang="en-US" sz="1800" b="0" strike="noStrike" spc="-1">
-              <a:solidFill>
-                <a:srgbClr val="000000"/>
-              </a:solidFill>
-              <a:uFill>
-                <a:solidFill>
-                  <a:srgbClr val="FFFFFF"/>
-                </a:solidFill>
-              </a:uFill>
-              <a:latin typeface="Arial"/>
-            </a:endParaRPr>
-          </a:p>
-          <a:p>
-            <a:pPr marL="228600" indent="-227880">
+              <a:rPr lang="en-US" altLang="ko-KR" sz="1800" b="0" strike="noStrike" spc="-1" dirty="0" smtClean="0">
+                <a:solidFill>
+                  <a:srgbClr val="000000"/>
+                </a:solidFill>
+                <a:uFill>
+                  <a:solidFill>
+                    <a:srgbClr val="FFFFFF"/>
+                  </a:solidFill>
+                </a:uFill>
+                <a:latin typeface="Arial"/>
+              </a:rPr>
+              <a:t>(</a:t>
+            </a:r>
+            <a:r>
+              <a:rPr lang="ko-KR" altLang="en-US" sz="1800" b="0" strike="noStrike" spc="-1" dirty="0" smtClean="0">
+                <a:solidFill>
+                  <a:srgbClr val="000000"/>
+                </a:solidFill>
+                <a:uFill>
+                  <a:solidFill>
+                    <a:srgbClr val="FFFFFF"/>
+                  </a:solidFill>
+                </a:uFill>
+                <a:latin typeface="Arial"/>
+              </a:rPr>
+              <a:t>벽이 없는지</a:t>
+            </a:r>
+            <a:r>
+              <a:rPr lang="en-US" altLang="ko-KR" sz="1800" b="0" strike="noStrike" spc="-1" dirty="0" smtClean="0">
+                <a:solidFill>
+                  <a:srgbClr val="000000"/>
+                </a:solidFill>
+                <a:uFill>
+                  <a:solidFill>
+                    <a:srgbClr val="FFFFFF"/>
+                  </a:solidFill>
+                </a:uFill>
+                <a:latin typeface="Arial"/>
+              </a:rPr>
+              <a:t>) </a:t>
+            </a:r>
+            <a:r>
+              <a:rPr lang="ko-KR" altLang="en-US" sz="1800" b="0" strike="noStrike" spc="-1" dirty="0" smtClean="0">
+                <a:solidFill>
+                  <a:srgbClr val="000000"/>
+                </a:solidFill>
+                <a:uFill>
+                  <a:solidFill>
+                    <a:srgbClr val="FFFFFF"/>
+                  </a:solidFill>
+                </a:uFill>
+                <a:latin typeface="Arial"/>
+              </a:rPr>
+              <a:t>확인해 주는 함수</a:t>
+            </a:r>
+            <a:r>
+              <a:rPr lang="en-US" altLang="ko-KR" sz="1800" b="0" strike="noStrike" spc="-1" dirty="0" smtClean="0">
+                <a:solidFill>
+                  <a:srgbClr val="000000"/>
+                </a:solidFill>
+                <a:uFill>
+                  <a:solidFill>
+                    <a:srgbClr val="FFFFFF"/>
+                  </a:solidFill>
+                </a:uFill>
+                <a:latin typeface="Arial"/>
+              </a:rPr>
+              <a:t>.</a:t>
+            </a:r>
+          </a:p>
+          <a:p>
+            <a:pPr marL="720">
               <a:lnSpc>
                 <a:spcPct val="120000"/>
               </a:lnSpc>
               <a:buClr>
                 <a:srgbClr val="B71E42"/>
               </a:buClr>
-              <a:buFont typeface="Arial"/>
-              <a:buChar char="•"/>
             </a:pPr>
             <a:r>
-              <a:rPr lang="en-US" sz="2000" b="0" strike="noStrike" spc="-1">
-                <a:solidFill>
-                  <a:srgbClr val="000000"/>
-                </a:solidFill>
-                <a:uFill>
-                  <a:solidFill>
-                    <a:srgbClr val="FFFFFF"/>
-                  </a:solidFill>
-                </a:uFill>
-                <a:latin typeface="Gill Sans MT"/>
-                <a:ea typeface="DejaVu Sans"/>
-              </a:rPr>
-              <a:t>  n-&gt;data=0;</a:t>
-            </a:r>
-            <a:endParaRPr lang="en-US" sz="1800" b="0" strike="noStrike" spc="-1">
-              <a:solidFill>
-                <a:srgbClr val="000000"/>
-              </a:solidFill>
-              <a:uFill>
-                <a:solidFill>
-                  <a:srgbClr val="FFFFFF"/>
-                </a:solidFill>
-              </a:uFill>
-              <a:latin typeface="Arial"/>
-            </a:endParaRPr>
-          </a:p>
-          <a:p>
-            <a:pPr marL="228600" indent="-227880">
-              <a:lnSpc>
-                <a:spcPct val="120000"/>
-              </a:lnSpc>
-              <a:buClr>
-                <a:srgbClr val="B71E42"/>
-              </a:buClr>
-              <a:buFont typeface="Arial"/>
-              <a:buChar char="•"/>
-            </a:pPr>
-            <a:r>
-              <a:rPr lang="en-US" sz="2000" b="0" strike="noStrike" spc="-1">
-                <a:solidFill>
-                  <a:srgbClr val="000000"/>
-                </a:solidFill>
-                <a:uFill>
-                  <a:solidFill>
-                    <a:srgbClr val="FFFFFF"/>
-                  </a:solidFill>
-                </a:uFill>
-                <a:latin typeface="Gill Sans MT"/>
-                <a:ea typeface="DejaVu Sans"/>
-              </a:rPr>
-              <a:t>  n-&gt;link=NULL;</a:t>
-            </a:r>
-            <a:endParaRPr lang="en-US" sz="1800" b="0" strike="noStrike" spc="-1">
-              <a:solidFill>
-                <a:srgbClr val="000000"/>
-              </a:solidFill>
-              <a:uFill>
-                <a:solidFill>
-                  <a:srgbClr val="FFFFFF"/>
-                </a:solidFill>
-              </a:uFill>
-              <a:latin typeface="Arial"/>
-            </a:endParaRPr>
-          </a:p>
-          <a:p>
-            <a:pPr marL="228600" indent="-227880">
-              <a:lnSpc>
-                <a:spcPct val="120000"/>
-              </a:lnSpc>
-              <a:buClr>
-                <a:srgbClr val="B71E42"/>
-              </a:buClr>
-              <a:buFont typeface="Arial"/>
-              <a:buChar char="•"/>
-            </a:pPr>
-            <a:r>
-              <a:rPr lang="en-US" sz="2000" b="0" strike="noStrike" spc="-1">
-                <a:solidFill>
-                  <a:srgbClr val="000000"/>
-                </a:solidFill>
-                <a:uFill>
-                  <a:solidFill>
-                    <a:srgbClr val="FFFFFF"/>
-                  </a:solidFill>
-                </a:uFill>
-                <a:latin typeface="Gill Sans MT"/>
-                <a:ea typeface="DejaVu Sans"/>
-              </a:rPr>
-              <a:t>  return n;</a:t>
-            </a:r>
-            <a:endParaRPr lang="en-US" sz="1800" b="0" strike="noStrike" spc="-1">
-              <a:solidFill>
-                <a:srgbClr val="000000"/>
-              </a:solidFill>
-              <a:uFill>
-                <a:solidFill>
-                  <a:srgbClr val="FFFFFF"/>
-                </a:solidFill>
-              </a:uFill>
-              <a:latin typeface="Arial"/>
-            </a:endParaRPr>
-          </a:p>
-          <a:p>
-            <a:pPr marL="228600" indent="-227880">
-              <a:lnSpc>
-                <a:spcPct val="120000"/>
-              </a:lnSpc>
-              <a:buClr>
-                <a:srgbClr val="B71E42"/>
-              </a:buClr>
-              <a:buFont typeface="Arial"/>
-              <a:buChar char="•"/>
-            </a:pPr>
-            <a:r>
-              <a:rPr lang="en-US" sz="2000" b="0" strike="noStrike" spc="-1">
-                <a:solidFill>
-                  <a:srgbClr val="000000"/>
-                </a:solidFill>
-                <a:uFill>
-                  <a:solidFill>
-                    <a:srgbClr val="FFFFFF"/>
-                  </a:solidFill>
-                </a:uFill>
-                <a:latin typeface="Gill Sans MT"/>
-                <a:ea typeface="DejaVu Sans"/>
-              </a:rPr>
-              <a:t>}</a:t>
-            </a:r>
-            <a:endParaRPr lang="en-US" sz="1800" b="0" strike="noStrike" spc="-1">
-              <a:solidFill>
-                <a:srgbClr val="000000"/>
-              </a:solidFill>
-              <a:uFill>
-                <a:solidFill>
-                  <a:srgbClr val="FFFFFF"/>
-                </a:solidFill>
-              </a:uFill>
-              <a:latin typeface="Arial"/>
-            </a:endParaRPr>
-          </a:p>
-        </p:txBody>
-      </p:sp>
-      <p:sp>
-        <p:nvSpPr>
-          <p:cNvPr id="195" name="CustomShape 5"/>
-          <p:cNvSpPr/>
-          <p:nvPr/>
-        </p:nvSpPr>
-        <p:spPr>
-          <a:xfrm>
-            <a:off x="4446720" y="1903680"/>
-            <a:ext cx="2207160" cy="562680"/>
-          </a:xfrm>
-          <a:prstGeom prst="roundRect">
-            <a:avLst>
-              <a:gd name="adj" fmla="val 16667"/>
-            </a:avLst>
-          </a:prstGeom>
-          <a:solidFill>
-            <a:schemeClr val="bg1"/>
-          </a:solidFill>
-          <a:ln>
-            <a:round/>
-          </a:ln>
-        </p:spPr>
-        <p:style>
-          <a:lnRef idx="2">
-            <a:schemeClr val="accent1">
-              <a:shade val="50000"/>
-            </a:schemeClr>
-          </a:lnRef>
-          <a:fillRef idx="1">
-            <a:schemeClr val="accent1"/>
-          </a:fillRef>
-          <a:effectRef idx="0">
-            <a:schemeClr val="accent1"/>
-          </a:effectRef>
-          <a:fontRef idx="minor"/>
-        </p:style>
-        <p:txBody>
-          <a:bodyPr lIns="90000" tIns="45000" rIns="90000" bIns="45000" anchor="ctr"/>
-          <a:lstStyle/>
-          <a:p>
-            <a:pPr algn="ctr">
-              <a:lnSpc>
-                <a:spcPct val="100000"/>
-              </a:lnSpc>
-            </a:pPr>
-            <a:r>
-              <a:rPr lang="en-US" sz="1800" b="1" strike="noStrike" spc="-1" dirty="0" err="1">
-                <a:solidFill>
-                  <a:srgbClr val="000000"/>
-                </a:solidFill>
-                <a:uFill>
-                  <a:solidFill>
-                    <a:srgbClr val="FFFFFF"/>
-                  </a:solidFill>
-                </a:uFill>
-                <a:latin typeface="Gill Sans MT"/>
-                <a:ea typeface="DejaVu Sans"/>
-              </a:rPr>
-              <a:t>Create_queue</a:t>
-            </a:r>
-            <a:endParaRPr lang="en-US" sz="1800" b="0" strike="noStrike" spc="-1" dirty="0">
+              <a:rPr lang="ko-KR" altLang="en-US" spc="-1" dirty="0" smtClean="0">
+                <a:solidFill>
+                  <a:srgbClr val="000000"/>
+                </a:solidFill>
+                <a:uFill>
+                  <a:solidFill>
+                    <a:srgbClr val="FFFFFF"/>
+                  </a:solidFill>
+                </a:uFill>
+                <a:latin typeface="Arial"/>
+              </a:rPr>
+              <a:t>북</a:t>
+            </a:r>
+            <a:r>
+              <a:rPr lang="en-US" altLang="ko-KR" spc="-1" dirty="0" smtClean="0">
+                <a:solidFill>
+                  <a:srgbClr val="000000"/>
+                </a:solidFill>
+                <a:uFill>
+                  <a:solidFill>
+                    <a:srgbClr val="FFFFFF"/>
+                  </a:solidFill>
+                </a:uFill>
+                <a:latin typeface="Arial"/>
+              </a:rPr>
+              <a:t>/</a:t>
+            </a:r>
+            <a:r>
+              <a:rPr lang="ko-KR" altLang="en-US" spc="-1" dirty="0" smtClean="0">
+                <a:solidFill>
+                  <a:srgbClr val="000000"/>
+                </a:solidFill>
+                <a:uFill>
+                  <a:solidFill>
+                    <a:srgbClr val="FFFFFF"/>
+                  </a:solidFill>
+                </a:uFill>
+                <a:latin typeface="Arial"/>
+              </a:rPr>
+              <a:t>동</a:t>
+            </a:r>
+            <a:r>
+              <a:rPr lang="en-US" altLang="ko-KR" spc="-1" dirty="0" smtClean="0">
+                <a:solidFill>
+                  <a:srgbClr val="000000"/>
+                </a:solidFill>
+                <a:uFill>
+                  <a:solidFill>
+                    <a:srgbClr val="FFFFFF"/>
+                  </a:solidFill>
+                </a:uFill>
+                <a:latin typeface="Arial"/>
+              </a:rPr>
+              <a:t>/</a:t>
+            </a:r>
+            <a:r>
+              <a:rPr lang="ko-KR" altLang="en-US" spc="-1" dirty="0" smtClean="0">
+                <a:solidFill>
+                  <a:srgbClr val="000000"/>
+                </a:solidFill>
+                <a:uFill>
+                  <a:solidFill>
+                    <a:srgbClr val="FFFFFF"/>
+                  </a:solidFill>
+                </a:uFill>
+                <a:latin typeface="Arial"/>
+              </a:rPr>
+              <a:t>남</a:t>
+            </a:r>
+            <a:r>
+              <a:rPr lang="en-US" altLang="ko-KR" spc="-1" dirty="0" smtClean="0">
+                <a:solidFill>
+                  <a:srgbClr val="000000"/>
+                </a:solidFill>
+                <a:uFill>
+                  <a:solidFill>
+                    <a:srgbClr val="FFFFFF"/>
+                  </a:solidFill>
+                </a:uFill>
+                <a:latin typeface="Arial"/>
+              </a:rPr>
+              <a:t>/</a:t>
+            </a:r>
+            <a:r>
+              <a:rPr lang="ko-KR" altLang="en-US" spc="-1" dirty="0" smtClean="0">
+                <a:solidFill>
+                  <a:srgbClr val="000000"/>
+                </a:solidFill>
+                <a:uFill>
+                  <a:solidFill>
+                    <a:srgbClr val="FFFFFF"/>
+                  </a:solidFill>
+                </a:uFill>
+                <a:latin typeface="Arial"/>
+              </a:rPr>
+              <a:t>서 쪽 순으로 검사</a:t>
+            </a:r>
+            <a:endParaRPr lang="en-US" altLang="ko-KR" sz="1800" b="0" strike="noStrike" spc="-1" dirty="0" smtClean="0">
               <a:solidFill>
                 <a:srgbClr val="000000"/>
               </a:solidFill>
@@ -21587,14 +21554,14 @@
       </p:sp>
       <p:sp>
         <p:nvSpPr>
-          <p:cNvPr id="198" name="CustomShape 3"/>
+          <p:cNvPr id="199" name="CustomShape 4"/>
           <p:cNvSpPr/>
           <p:nvPr/>
         </p:nvSpPr>
         <p:spPr>
           <a:xfrm>
-            <a:off x="1465920" y="2509920"/>
-            <a:ext cx="6114240" cy="3449880"/>
+            <a:off x="6267240" y="2509200"/>
+            <a:ext cx="3949535" cy="2024702"/>
           </a:xfrm>
           <a:prstGeom prst="rect">
             <a:avLst/>
@@ -21630,67 +21597,7 @@
               <a:buFont typeface="Arial"/>
               <a:buChar char="•"/>
             </a:pPr>
-            <a:r>
-              <a:rPr lang="en-US" sz="2000" b="0" strike="noStrike" spc="-1" dirty="0" err="1">
-                <a:solidFill>
-                  <a:srgbClr val="000000"/>
-                </a:solidFill>
-                <a:uFill>
-                  <a:solidFill>
-                    <a:srgbClr val="FFFFFF"/>
-                  </a:solidFill>
-                </a:uFill>
-                <a:latin typeface="Gill Sans MT"/>
-                <a:ea typeface="DejaVu Sans"/>
-              </a:rPr>
-              <a:t>int</a:t>
-            </a:r>
-            <a:r>
-              <a:rPr lang="en-US" sz="2000" b="0" strike="noStrike" spc="-1" dirty="0">
-                <a:solidFill>
-                  <a:srgbClr val="000000"/>
-                </a:solidFill>
-                <a:uFill>
-                  <a:solidFill>
-                    <a:srgbClr val="FFFFFF"/>
-                  </a:solidFill>
-                </a:uFill>
-                <a:latin typeface="Gill Sans MT"/>
-                <a:ea typeface="DejaVu Sans"/>
-              </a:rPr>
-              <a:t> </a:t>
-            </a:r>
-            <a:r>
-              <a:rPr lang="en-US" sz="2000" b="0" strike="noStrike" spc="-1" dirty="0" err="1">
-                <a:solidFill>
-                  <a:srgbClr val="000000"/>
-                </a:solidFill>
-                <a:uFill>
-                  <a:solidFill>
-                    <a:srgbClr val="FFFFFF"/>
-                  </a:solidFill>
-                </a:uFill>
-                <a:latin typeface="Gill Sans MT"/>
-                <a:ea typeface="DejaVu Sans"/>
-              </a:rPr>
-              <a:t>position_check</a:t>
-            </a:r>
-            <a:r>
-              <a:rPr lang="en-US" sz="2000" b="0" strike="noStrike" spc="-1" dirty="0">
-                <a:solidFill>
-                  <a:srgbClr val="000000"/>
-                </a:solidFill>
-                <a:uFill>
-                  <a:solidFill>
-                    <a:srgbClr val="FFFFFF"/>
-                  </a:solidFill>
-                </a:uFill>
-                <a:latin typeface="Gill Sans MT"/>
-                <a:ea typeface="DejaVu Sans"/>
-              </a:rPr>
-              <a:t>(User *u){</a:t>
-            </a:r>
-            <a:endParaRPr lang="en-US" sz="1800" b="0" strike="noStrike" spc="-1" dirty="0">
+            <a:endParaRPr lang="en-US" sz="1800" b="0" strike="noStrike" spc="-1" dirty="0" smtClean="0">
               <a:solidFill>
                 <a:srgbClr val="000000"/>
               </a:solidFill>
@@ -21713,81 +21620,6 @@
               <a:buFont typeface="Arial"/>
               <a:buChar char="•"/>
             </a:pPr>
-            <a:r>
-              <a:rPr lang="en-US" sz="2000" b="0" strike="noStrike" spc="-1" dirty="0">
-                <a:solidFill>
-                  <a:srgbClr val="000000"/>
-                </a:solidFill>
-                <a:uFill>
-                  <a:solidFill>
-                    <a:srgbClr val="FFFFFF"/>
-                  </a:solidFill>
-                </a:uFill>
-                <a:latin typeface="Gill Sans MT"/>
-                <a:ea typeface="DejaVu Sans"/>
-              </a:rPr>
-              <a:t>  </a:t>
-            </a:r>
-            <a:r>
-              <a:rPr lang="en-US" sz="2000" b="0" strike="noStrike" spc="-1" dirty="0" err="1">
-                <a:solidFill>
-                  <a:srgbClr val="000000"/>
-                </a:solidFill>
-                <a:uFill>
-                  <a:solidFill>
-                    <a:srgbClr val="FFFFFF"/>
-                  </a:solidFill>
-                </a:uFill>
-                <a:latin typeface="Gill Sans MT"/>
-                <a:ea typeface="DejaVu Sans"/>
-              </a:rPr>
-              <a:t>int</a:t>
-            </a:r>
-            <a:r>
-              <a:rPr lang="en-US" sz="2000" b="0" strike="noStrike" spc="-1" dirty="0">
-                <a:solidFill>
-                  <a:srgbClr val="000000"/>
-                </a:solidFill>
-                <a:uFill>
-                  <a:solidFill>
-                    <a:srgbClr val="FFFFFF"/>
-                  </a:solidFill>
-                </a:uFill>
-                <a:latin typeface="Gill Sans MT"/>
-                <a:ea typeface="DejaVu Sans"/>
-              </a:rPr>
-              <a:t> </a:t>
-            </a:r>
-            <a:r>
-              <a:rPr lang="en-US" sz="2000" b="0" strike="noStrike" spc="-1" dirty="0" err="1">
-                <a:solidFill>
-                  <a:srgbClr val="000000"/>
-                </a:solidFill>
-                <a:uFill>
-                  <a:solidFill>
-                    <a:srgbClr val="FFFFFF"/>
-                  </a:solidFill>
-                </a:uFill>
-                <a:latin typeface="Gill Sans MT"/>
-                <a:ea typeface="DejaVu Sans"/>
-              </a:rPr>
-              <a:t>i,result</a:t>
-            </a:r>
-            <a:r>
-              <a:rPr lang="en-US" sz="2000" b="0" strike="noStrike" spc="-1" dirty="0">
-                <a:solidFill>
-                  <a:srgbClr val="000000"/>
-                </a:solidFill>
-                <a:uFill>
-                  <a:solidFill>
-                    <a:srgbClr val="FFFFFF"/>
-                  </a:solidFill>
-                </a:uFill>
-                <a:latin typeface="Gill Sans MT"/>
-                <a:ea typeface="DejaVu Sans"/>
-              </a:rPr>
-              <a:t>=1,tmp;</a:t>
-            </a:r>
             <a:endParaRPr lang="en-US" sz="1800" b="0" strike="noStrike" spc="-1" dirty="0">
               <a:solidFill>
                 <a:srgbClr val="000000"/>
@@ -21800,94 +21632,42 @@
               <a:latin typeface="Arial"/>
             </a:endParaRPr>
           </a:p>
-          <a:p>
-            <a:pPr marL="228600" indent="-227880">
-              <a:lnSpc>
-                <a:spcPct val="120000"/>
-              </a:lnSpc>
-              <a:buClr>
-                <a:srgbClr val="B71E42"/>
-              </a:buClr>
-              <a:buFont typeface="Arial"/>
-              <a:buChar char="•"/>
-            </a:pPr>
-            <a:r>
-              <a:rPr lang="en-US" sz="2000" b="0" strike="noStrike" spc="-1" dirty="0">
-                <a:solidFill>
-                  <a:srgbClr val="000000"/>
-                </a:solidFill>
-                <a:uFill>
-                  <a:solidFill>
-                    <a:srgbClr val="FFFFFF"/>
-                  </a:solidFill>
-                </a:uFill>
-                <a:latin typeface="Gill Sans MT"/>
-                <a:ea typeface="DejaVu Sans"/>
-              </a:rPr>
-              <a:t>  User *p;</a:t>
-            </a:r>
-            <a:endParaRPr lang="en-US" sz="1800" b="0" strike="noStrike" spc="-1" dirty="0">
-              <a:solidFill>
-                <a:srgbClr val="000000"/>
-              </a:solidFill>
-              <a:uFill>
-                <a:solidFill>
-                  <a:srgbClr val="FFFFFF"/>
-                </a:solidFill>
-              </a:uFill>
-              <a:latin typeface="Arial"/>
-            </a:endParaRPr>
-          </a:p>
-          <a:p>
-            <a:pPr marL="228600" indent="-227880">
-              <a:lnSpc>
-                <a:spcPct val="120000"/>
-              </a:lnSpc>
-              <a:buClr>
-                <a:srgbClr val="B71E42"/>
-              </a:buClr>
-              <a:buFont typeface="Arial"/>
-              <a:buChar char="•"/>
-            </a:pPr>
-            <a:r>
-              <a:rPr lang="en-US" sz="2000" b="0" strike="noStrike" spc="-1" dirty="0">
-                <a:solidFill>
-                  <a:srgbClr val="000000"/>
-                </a:solidFill>
-                <a:uFill>
-                  <a:solidFill>
-                    <a:srgbClr val="FFFFFF"/>
-                  </a:solidFill>
-                </a:uFill>
-                <a:latin typeface="Gill Sans MT"/>
-                <a:ea typeface="DejaVu Sans"/>
-              </a:rPr>
-              <a:t>  p=u;</a:t>
-            </a:r>
-            <a:endParaRPr lang="en-US" sz="1800" b="0" strike="noStrike" spc="-1" dirty="0">
-              <a:solidFill>
-                <a:srgbClr val="000000"/>
-              </a:solidFill>
-              <a:uFill>
-                <a:solidFill>
-                  <a:srgbClr val="FFFFFF"/>
-                </a:solidFill>
-              </a:uFill>
-              <a:latin typeface="Arial"/>
-            </a:endParaRPr>
-          </a:p>
         </p:txBody>
       </p:sp>
-      <p:sp>
-        <p:nvSpPr>
-          <p:cNvPr id="199" name="CustomShape 4"/>
+      <p:pic>
+        <p:nvPicPr>
+          <p:cNvPr id="2" name="그림 1"/>
+          <p:cNvPicPr>
+            <a:picLocks noChangeAspect="1"/>
+          </p:cNvPicPr>
+          <p:nvPr/>
+        </p:nvPicPr>
+        <p:blipFill>
+          <a:blip r:embed="rId2"/>
+          <a:stretch>
+            <a:fillRect/>
+          </a:stretch>
+        </p:blipFill>
+        <p:spPr>
+          <a:xfrm>
+            <a:off x="1465920" y="2840182"/>
+            <a:ext cx="4486275" cy="2286000"/>
+          </a:xfrm>
+          <a:prstGeom prst="rect">
+            <a:avLst/>
+          </a:prstGeom>
+        </p:spPr>
+      </p:pic>
+      <p:sp>
+        <p:nvSpPr>
+          <p:cNvPr id="7" name="CustomShape 3"/>
           <p:cNvSpPr/>
           <p:nvPr/>
         </p:nvSpPr>
         <p:spPr>
           <a:xfrm>
-            <a:off x="4954320" y="2085480"/>
-            <a:ext cx="6114240" cy="3449880"/>
+            <a:off x="6501093" y="2509200"/>
+            <a:ext cx="3715682" cy="3449880"/>
           </a:xfrm>
           <a:prstGeom prst="rect">
             <a:avLst/>
@@ -21913,308 +21693,325 @@
           <a:bodyPr lIns="90000" tIns="45000" rIns="90000" bIns="45000"/>
           <a:lstStyle/>
           <a:p>
-            <a:pPr marL="228600" indent="-227880">
+            <a:pPr marL="720">
               <a:lnSpc>
                 <a:spcPct val="120000"/>
               </a:lnSpc>
               <a:buClr>
                 <a:srgbClr val="B71E42"/>
               </a:buClr>
-              <a:buFont typeface="Arial"/>
-              <a:buChar char="•"/>
             </a:pPr>
             <a:r>
-              <a:rPr lang="en-US" sz="2000" b="0" strike="noStrike" spc="-1">
-                <a:solidFill>
-                  <a:srgbClr val="000000"/>
-                </a:solidFill>
-                <a:uFill>
-                  <a:solidFill>
-                    <a:srgbClr val="FFFFFF"/>
-                  </a:solidFill>
-                </a:uFill>
-                <a:latin typeface="Gill Sans MT"/>
-                <a:ea typeface="DejaVu Sans"/>
-              </a:rPr>
-              <a:t>for(i=0;i&lt;4;i++){</a:t>
-            </a:r>
-            <a:endParaRPr lang="en-US" sz="1800" b="0" strike="noStrike" spc="-1">
-              <a:solidFill>
-                <a:srgbClr val="000000"/>
-              </a:solidFill>
-              <a:uFill>
-                <a:solidFill>
-                  <a:srgbClr val="FFFFFF"/>
-                </a:solidFill>
-              </a:uFill>
-              <a:latin typeface="Arial"/>
-            </a:endParaRPr>
-          </a:p>
-          <a:p>
-            <a:pPr marL="228600" indent="-227880">
+              <a:rPr lang="en-US" altLang="ko-KR" sz="1800" b="1" strike="noStrike" spc="-1" dirty="0" err="1" smtClean="0">
+                <a:solidFill>
+                  <a:srgbClr val="000000"/>
+                </a:solidFill>
+                <a:uFill>
+                  <a:solidFill>
+                    <a:srgbClr val="FFFFFF"/>
+                  </a:solidFill>
+                </a:uFill>
+                <a:latin typeface="Arial"/>
+              </a:rPr>
+              <a:t>Move_check</a:t>
+            </a:r>
+            <a:r>
+              <a:rPr lang="en-US" altLang="ko-KR" sz="1800" b="0" strike="noStrike" spc="-1" dirty="0" smtClean="0">
+                <a:solidFill>
+                  <a:srgbClr val="000000"/>
+                </a:solidFill>
+                <a:uFill>
+                  <a:solidFill>
+                    <a:srgbClr val="FFFFFF"/>
+                  </a:solidFill>
+                </a:uFill>
+                <a:latin typeface="Arial"/>
+              </a:rPr>
+              <a:t> </a:t>
+            </a:r>
+            <a:r>
+              <a:rPr lang="ko-KR" altLang="en-US" sz="1800" b="0" strike="noStrike" spc="-1" dirty="0" smtClean="0">
+                <a:solidFill>
+                  <a:srgbClr val="000000"/>
+                </a:solidFill>
+                <a:uFill>
+                  <a:solidFill>
+                    <a:srgbClr val="FFFFFF"/>
+                  </a:solidFill>
+                </a:uFill>
+                <a:latin typeface="Arial"/>
+              </a:rPr>
+              <a:t>로 </a:t>
+            </a:r>
+            <a:r>
+              <a:rPr lang="ko-KR" altLang="en-US" spc="-1" dirty="0" smtClean="0">
+                <a:solidFill>
+                  <a:srgbClr val="000000"/>
+                </a:solidFill>
+                <a:uFill>
+                  <a:solidFill>
+                    <a:srgbClr val="FFFFFF"/>
+                  </a:solidFill>
+                </a:uFill>
+                <a:latin typeface="Arial"/>
+              </a:rPr>
+              <a:t>현재 위치</a:t>
+            </a:r>
+            <a:endParaRPr lang="en-US" altLang="ko-KR" spc="-1" dirty="0" smtClean="0">
+              <a:solidFill>
+                <a:srgbClr val="000000"/>
+              </a:solidFill>
+              <a:uFill>
+                <a:solidFill>
+                  <a:srgbClr val="FFFFFF"/>
+                </a:solidFill>
+              </a:uFill>
+              <a:latin typeface="Arial"/>
+            </a:endParaRPr>
+          </a:p>
+          <a:p>
+            <a:pPr marL="720">
               <a:lnSpc>
                 <a:spcPct val="120000"/>
               </a:lnSpc>
               <a:buClr>
                 <a:srgbClr val="B71E42"/>
               </a:buClr>
-              <a:buFont typeface="Arial"/>
-              <a:buChar char="•"/>
             </a:pPr>
             <a:r>
-              <a:rPr lang="en-US" sz="2000" b="0" strike="noStrike" spc="-1">
-                <a:solidFill>
-                  <a:srgbClr val="000000"/>
-                </a:solidFill>
-                <a:uFill>
-                  <a:solidFill>
-                    <a:srgbClr val="FFFFFF"/>
-                  </a:solidFill>
-                </a:uFill>
-                <a:latin typeface="Gill Sans MT"/>
-                <a:ea typeface="DejaVu Sans"/>
-              </a:rPr>
-              <a:t>    p-&gt;dir=i;</a:t>
-            </a:r>
-            <a:endParaRPr lang="en-US" sz="1800" b="0" strike="noStrike" spc="-1">
-              <a:solidFill>
-                <a:srgbClr val="000000"/>
-              </a:solidFill>
-              <a:uFill>
-                <a:solidFill>
-                  <a:srgbClr val="FFFFFF"/>
-                </a:solidFill>
-              </a:uFill>
-              <a:latin typeface="Arial"/>
-            </a:endParaRPr>
-          </a:p>
-          <a:p>
-            <a:pPr marL="228600" indent="-227880">
+              <a:rPr lang="ko-KR" altLang="en-US" sz="1800" b="0" strike="noStrike" spc="-1" dirty="0" smtClean="0">
+                <a:solidFill>
+                  <a:srgbClr val="000000"/>
+                </a:solidFill>
+                <a:uFill>
+                  <a:solidFill>
+                    <a:srgbClr val="FFFFFF"/>
+                  </a:solidFill>
+                </a:uFill>
+                <a:latin typeface="Arial"/>
+              </a:rPr>
+              <a:t>검사 뒤 상하 좌우가</a:t>
+            </a:r>
+            <a:endParaRPr lang="en-US" altLang="ko-KR" sz="1800" b="0" strike="noStrike" spc="-1" dirty="0" smtClean="0">
+              <a:solidFill>
+                <a:srgbClr val="000000"/>
+              </a:solidFill>
+              <a:uFill>
+                <a:solidFill>
+                  <a:srgbClr val="FFFFFF"/>
+                </a:solidFill>
+              </a:uFill>
+              <a:latin typeface="Arial"/>
+            </a:endParaRPr>
+          </a:p>
+          <a:p>
+            <a:pPr marL="720">
               <a:lnSpc>
                 <a:spcPct val="120000"/>
               </a:lnSpc>
               <a:buClr>
                 <a:srgbClr val="B71E42"/>
               </a:buClr>
-              <a:buFont typeface="Arial"/>
-              <a:buChar char="•"/>
             </a:pPr>
             <a:r>
-              <a:rPr lang="en-US" sz="2000" b="0" strike="noStrike" spc="-1">
-                <a:solidFill>
-                  <a:srgbClr val="000000"/>
-                </a:solidFill>
-                <a:uFill>
-                  <a:solidFill>
-                    <a:srgbClr val="FFFFFF"/>
-                  </a:solidFill>
-                </a:uFill>
-                <a:latin typeface="Gill Sans MT"/>
-                <a:ea typeface="DejaVu Sans"/>
-              </a:rPr>
-              <a:t>    tmp=move_check(p);</a:t>
-            </a:r>
-            <a:endParaRPr lang="en-US" sz="1800" b="0" strike="noStrike" spc="-1">
-              <a:solidFill>
-                <a:srgbClr val="000000"/>
-              </a:solidFill>
-              <a:uFill>
-                <a:solidFill>
-                  <a:srgbClr val="FFFFFF"/>
-                </a:solidFill>
-              </a:uFill>
-              <a:latin typeface="Arial"/>
-            </a:endParaRPr>
-          </a:p>
-          <a:p>
-            <a:pPr marL="228600" indent="-227880">
+              <a:rPr lang="ko-KR" altLang="en-US" spc="-1" dirty="0" smtClean="0">
+                <a:solidFill>
+                  <a:srgbClr val="000000"/>
+                </a:solidFill>
+                <a:uFill>
+                  <a:solidFill>
+                    <a:srgbClr val="FFFFFF"/>
+                  </a:solidFill>
+                </a:uFill>
+                <a:latin typeface="Arial"/>
+              </a:rPr>
+              <a:t>상대</a:t>
+            </a:r>
+            <a:r>
+              <a:rPr lang="en-US" altLang="ko-KR" spc="-1" dirty="0" smtClean="0">
+                <a:solidFill>
+                  <a:srgbClr val="000000"/>
+                </a:solidFill>
+                <a:uFill>
+                  <a:solidFill>
+                    <a:srgbClr val="FFFFFF"/>
+                  </a:solidFill>
+                </a:uFill>
+                <a:latin typeface="Arial"/>
+              </a:rPr>
+              <a:t>/</a:t>
+            </a:r>
+            <a:r>
+              <a:rPr lang="ko-KR" altLang="en-US" spc="-1" dirty="0" smtClean="0">
+                <a:solidFill>
+                  <a:srgbClr val="000000"/>
+                </a:solidFill>
+                <a:uFill>
+                  <a:solidFill>
+                    <a:srgbClr val="FFFFFF"/>
+                  </a:solidFill>
+                </a:uFill>
+                <a:latin typeface="Arial"/>
+              </a:rPr>
+              <a:t>벽</a:t>
+            </a:r>
+            <a:r>
+              <a:rPr lang="en-US" altLang="ko-KR" spc="-1" dirty="0" smtClean="0">
+                <a:solidFill>
+                  <a:srgbClr val="000000"/>
+                </a:solidFill>
+                <a:uFill>
+                  <a:solidFill>
+                    <a:srgbClr val="FFFFFF"/>
+                  </a:solidFill>
+                </a:uFill>
+                <a:latin typeface="Arial"/>
+              </a:rPr>
+              <a:t>/</a:t>
+            </a:r>
+            <a:r>
+              <a:rPr lang="ko-KR" altLang="en-US" spc="-1" dirty="0" smtClean="0">
+                <a:solidFill>
+                  <a:srgbClr val="000000"/>
+                </a:solidFill>
+                <a:uFill>
+                  <a:solidFill>
+                    <a:srgbClr val="FFFFFF"/>
+                  </a:solidFill>
+                </a:uFill>
+                <a:latin typeface="Arial"/>
+              </a:rPr>
+              <a:t>맵 </a:t>
+            </a:r>
+            <a:r>
+              <a:rPr lang="ko-KR" altLang="en-US" spc="-1" dirty="0" err="1" smtClean="0">
+                <a:solidFill>
+                  <a:srgbClr val="000000"/>
+                </a:solidFill>
+                <a:uFill>
+                  <a:solidFill>
+                    <a:srgbClr val="FFFFFF"/>
+                  </a:solidFill>
+                </a:uFill>
+                <a:latin typeface="Arial"/>
+              </a:rPr>
+              <a:t>범위밖</a:t>
+            </a:r>
+            <a:r>
+              <a:rPr lang="ko-KR" altLang="en-US" spc="-1" dirty="0" smtClean="0">
+                <a:solidFill>
+                  <a:srgbClr val="000000"/>
+                </a:solidFill>
+                <a:uFill>
+                  <a:solidFill>
+                    <a:srgbClr val="FFFFFF"/>
+                  </a:solidFill>
+                </a:uFill>
+                <a:latin typeface="Arial"/>
+              </a:rPr>
+              <a:t> 일 경우</a:t>
+            </a:r>
+            <a:endParaRPr lang="en-US" altLang="ko-KR" spc="-1" dirty="0" smtClean="0">
+              <a:solidFill>
+                <a:srgbClr val="000000"/>
+              </a:solidFill>
+              <a:uFill>
+                <a:solidFill>
+                  <a:srgbClr val="FFFFFF"/>
+                </a:solidFill>
+              </a:uFill>
+              <a:latin typeface="Arial"/>
+            </a:endParaRPr>
+          </a:p>
+          <a:p>
+            <a:pPr marL="720">
               <a:lnSpc>
                 <a:spcPct val="120000"/>
               </a:lnSpc>
               <a:buClr>
                 <a:srgbClr val="B71E42"/>
               </a:buClr>
-              <a:buFont typeface="Arial"/>
-              <a:buChar char="•"/>
             </a:pPr>
             <a:r>
-              <a:rPr lang="en-US" sz="2000" b="0" strike="noStrike" spc="-1">
-                <a:solidFill>
-                  <a:srgbClr val="000000"/>
-                </a:solidFill>
-                <a:uFill>
-                  <a:solidFill>
-                    <a:srgbClr val="FFFFFF"/>
-                  </a:solidFill>
-                </a:uFill>
-                <a:latin typeface="Gill Sans MT"/>
-                <a:ea typeface="DejaVu Sans"/>
-              </a:rPr>
-              <a:t>    if(tmp!=2 &amp;&amp; tmp!=3 &amp;&amp; tmp!=1 &amp;&amp; tmp!=-1)</a:t>
-            </a:r>
-            <a:endParaRPr lang="en-US" sz="1800" b="0" strike="noStrike" spc="-1">
-              <a:solidFill>
-                <a:srgbClr val="000000"/>
-              </a:solidFill>
-              <a:uFill>
-                <a:solidFill>
-                  <a:srgbClr val="FFFFFF"/>
-                </a:solidFill>
-              </a:uFill>
-              <a:latin typeface="Arial"/>
-            </a:endParaRPr>
-          </a:p>
-          <a:p>
-            <a:pPr marL="228600" indent="-227880">
-              <a:lnSpc>
-                <a:spcPct val="120000"/>
-              </a:lnSpc>
-              <a:buClr>
-                <a:srgbClr val="B71E42"/>
-              </a:buClr>
-              <a:buFont typeface="Arial"/>
-              <a:buChar char="•"/>
-            </a:pPr>
-            <a:r>
-              <a:rPr lang="en-US" sz="2000" b="0" strike="noStrike" spc="-1">
-                <a:solidFill>
-                  <a:srgbClr val="000000"/>
-                </a:solidFill>
-                <a:uFill>
-                  <a:solidFill>
-                    <a:srgbClr val="FFFFFF"/>
-                  </a:solidFill>
-                </a:uFill>
-                <a:latin typeface="Gill Sans MT"/>
-                <a:ea typeface="DejaVu Sans"/>
-              </a:rPr>
-              <a:t>   result=0;</a:t>
-            </a:r>
-            <a:endParaRPr lang="en-US" sz="1800" b="0" strike="noStrike" spc="-1">
-              <a:solidFill>
-                <a:srgbClr val="000000"/>
-              </a:solidFill>
-              <a:uFill>
-                <a:solidFill>
-                  <a:srgbClr val="FFFFFF"/>
-                </a:solidFill>
-              </a:uFill>
-              <a:latin typeface="Arial"/>
-            </a:endParaRPr>
-          </a:p>
-          <a:p>
-            <a:pPr marL="228600" indent="-227880">
-              <a:lnSpc>
-                <a:spcPct val="120000"/>
-              </a:lnSpc>
-              <a:buClr>
-                <a:srgbClr val="B71E42"/>
-              </a:buClr>
-              <a:buFont typeface="Arial"/>
-              <a:buChar char="•"/>
-            </a:pPr>
-            <a:r>
-              <a:rPr lang="en-US" sz="2000" b="0" strike="noStrike" spc="-1">
-                <a:solidFill>
-                  <a:srgbClr val="000000"/>
-                </a:solidFill>
-                <a:uFill>
-                  <a:solidFill>
-                    <a:srgbClr val="FFFFFF"/>
-                  </a:solidFill>
-                </a:uFill>
-                <a:latin typeface="Gill Sans MT"/>
-                <a:ea typeface="DejaVu Sans"/>
-              </a:rPr>
-              <a:t>  }</a:t>
-            </a:r>
-            <a:endParaRPr lang="en-US" sz="1800" b="0" strike="noStrike" spc="-1">
-              <a:solidFill>
-                <a:srgbClr val="000000"/>
-              </a:solidFill>
-              <a:uFill>
-                <a:solidFill>
-                  <a:srgbClr val="FFFFFF"/>
-                </a:solidFill>
-              </a:uFill>
-              <a:latin typeface="Arial"/>
-            </a:endParaRPr>
-          </a:p>
-          <a:p>
-            <a:pPr marL="228600" indent="-227880">
-              <a:lnSpc>
-                <a:spcPct val="120000"/>
-              </a:lnSpc>
-              <a:buClr>
-                <a:srgbClr val="B71E42"/>
-              </a:buClr>
-              <a:buFont typeface="Arial"/>
-              <a:buChar char="•"/>
-            </a:pPr>
-            <a:r>
-              <a:rPr lang="en-US" sz="2000" b="0" strike="noStrike" spc="-1">
-                <a:solidFill>
-                  <a:srgbClr val="000000"/>
-                </a:solidFill>
-                <a:uFill>
-                  <a:solidFill>
-                    <a:srgbClr val="FFFFFF"/>
-                  </a:solidFill>
-                </a:uFill>
-                <a:latin typeface="Gill Sans MT"/>
-                <a:ea typeface="DejaVu Sans"/>
-              </a:rPr>
-              <a:t>  return result;</a:t>
-            </a:r>
-            <a:endParaRPr lang="en-US" sz="1800" b="0" strike="noStrike" spc="-1">
-              <a:solidFill>
-                <a:srgbClr val="000000"/>
-              </a:solidFill>
-              <a:uFill>
-                <a:solidFill>
-                  <a:srgbClr val="FFFFFF"/>
-                </a:solidFill>
-              </a:uFill>
-              <a:latin typeface="Arial"/>
-            </a:endParaRPr>
-          </a:p>
-          <a:p>
-            <a:pPr marL="228600" indent="-227880">
-              <a:lnSpc>
-                <a:spcPct val="120000"/>
-              </a:lnSpc>
-              <a:buClr>
-                <a:srgbClr val="B71E42"/>
-              </a:buClr>
-              <a:buFont typeface="Arial"/>
-              <a:buChar char="•"/>
-            </a:pPr>
-            <a:r>
-              <a:rPr lang="en-US" sz="2000" b="0" strike="noStrike" spc="-1">
-                <a:solidFill>
-                  <a:srgbClr val="000000"/>
-                </a:solidFill>
-                <a:uFill>
-                  <a:solidFill>
-                    <a:srgbClr val="FFFFFF"/>
-                  </a:solidFill>
-                </a:uFill>
-                <a:latin typeface="Gill Sans MT"/>
-                <a:ea typeface="DejaVu Sans"/>
-              </a:rPr>
-              <a:t>}</a:t>
-            </a:r>
-            <a:endParaRPr lang="en-US" sz="1800" b="0" strike="noStrike" spc="-1">
-              <a:solidFill>
-                <a:srgbClr val="000000"/>
-              </a:solidFill>
-              <a:uFill>
-                <a:solidFill>
-                  <a:srgbClr val="FFFFFF"/>
-                </a:solidFill>
-              </a:uFill>
-              <a:latin typeface="Arial"/>
-            </a:endParaRPr>
+              <a:rPr lang="en-US" altLang="ko-KR" spc="-1" dirty="0" smtClean="0">
+                <a:solidFill>
+                  <a:srgbClr val="000000"/>
+                </a:solidFill>
+                <a:uFill>
+                  <a:solidFill>
+                    <a:srgbClr val="FFFFFF"/>
+                  </a:solidFill>
+                </a:uFill>
+                <a:latin typeface="Arial"/>
+              </a:rPr>
+              <a:t>0</a:t>
+            </a:r>
+            <a:r>
+              <a:rPr lang="ko-KR" altLang="en-US" spc="-1" dirty="0" smtClean="0">
+                <a:solidFill>
+                  <a:srgbClr val="000000"/>
+                </a:solidFill>
+                <a:uFill>
+                  <a:solidFill>
+                    <a:srgbClr val="FFFFFF"/>
+                  </a:solidFill>
+                </a:uFill>
+                <a:latin typeface="Arial"/>
+              </a:rPr>
+              <a:t>으로 리턴</a:t>
+            </a:r>
+            <a:endParaRPr lang="en-US" altLang="ko-KR" spc="-1" dirty="0" smtClean="0">
+              <a:solidFill>
+                <a:srgbClr val="000000"/>
+              </a:solidFill>
+              <a:uFill>
+                <a:solidFill>
+                  <a:srgbClr val="FFFFFF"/>
+                </a:solidFill>
+              </a:uFill>
+              <a:latin typeface="Arial"/>
+            </a:endParaRPr>
+          </a:p>
+        </p:txBody>
+      </p:sp>
+      <p:sp>
+        <p:nvSpPr>
+          <p:cNvPr id="8" name="타원 7"/>
+          <p:cNvSpPr/>
+          <p:nvPr/>
+        </p:nvSpPr>
+        <p:spPr>
+          <a:xfrm>
+            <a:off x="1661559" y="4073236"/>
+            <a:ext cx="4290636" cy="609600"/>
+          </a:xfrm>
+          <a:prstGeom prst="ellipse">
+            <a:avLst/>
+          </a:prstGeom>
+          <a:noFill/>
+        </p:spPr>
+        <p:style>
+          <a:lnRef idx="2">
+            <a:schemeClr val="accent1">
+              <a:shade val="50000"/>
+            </a:schemeClr>
+          </a:lnRef>
+          <a:fillRef idx="1">
+            <a:schemeClr val="accent1"/>
+          </a:fillRef>
+          <a:effectRef idx="0">
+            <a:schemeClr val="accent1"/>
+          </a:effectRef>
+          <a:fontRef idx="minor">
+            <a:schemeClr val="lt1"/>
+          </a:fontRef>
+        </p:style>
+        <p:txBody>
+          <a:bodyPr rtlCol="0" anchor="ctr"/>
+          <a:lstStyle/>
+          <a:p>
+            <a:pPr algn="ctr"/>
+            <a:endParaRPr lang="ko-KR" altLang="en-US"/>
           </a:p>
         </p:txBody>
       </p:sp>
